--- a/最终作业论文调研/最近看的关于推荐系统方面的论文小结-20190907.pptx
+++ b/最终作业论文调研/最近看的关于推荐系统方面的论文小结-20190907.pptx
@@ -1,28 +1,28 @@
 
 <file path=ppt/presentation.xml><?xml version="1.0" encoding="utf-8"?>
-<p:presentation xmlns:a="http://schemas.openxmlformats.org/drawingml/2006/main" xmlns:r="http://schemas.openxmlformats.org/officeDocument/2006/relationships" xmlns:p="http://schemas.openxmlformats.org/presentationml/2006/main" saveSubsetFonts="1">
+<p:presentation xmlns:a="http://schemas.openxmlformats.org/drawingml/2006/main" xmlns:r="http://schemas.openxmlformats.org/officeDocument/2006/relationships" xmlns:p="http://schemas.openxmlformats.org/presentationml/2006/main">
   <p:sldMasterIdLst>
     <p:sldMasterId id="2147483648" r:id="rId1"/>
   </p:sldMasterIdLst>
   <p:notesMasterIdLst>
-    <p:notesMasterId r:id="rId17"/>
+    <p:notesMasterId r:id="rId7"/>
   </p:notesMasterIdLst>
   <p:sldIdLst>
-    <p:sldId id="302" r:id="rId2"/>
-    <p:sldId id="300" r:id="rId3"/>
-    <p:sldId id="282" r:id="rId4"/>
-    <p:sldId id="281" r:id="rId5"/>
-    <p:sldId id="284" r:id="rId6"/>
-    <p:sldId id="283" r:id="rId7"/>
-    <p:sldId id="287" r:id="rId8"/>
-    <p:sldId id="288" r:id="rId9"/>
-    <p:sldId id="290" r:id="rId10"/>
-    <p:sldId id="285" r:id="rId11"/>
-    <p:sldId id="295" r:id="rId12"/>
-    <p:sldId id="297" r:id="rId13"/>
-    <p:sldId id="293" r:id="rId14"/>
-    <p:sldId id="294" r:id="rId15"/>
-    <p:sldId id="303" r:id="rId16"/>
+    <p:sldId id="302" r:id="rId3"/>
+    <p:sldId id="300" r:id="rId4"/>
+    <p:sldId id="282" r:id="rId5"/>
+    <p:sldId id="281" r:id="rId6"/>
+    <p:sldId id="284" r:id="rId8"/>
+    <p:sldId id="283" r:id="rId9"/>
+    <p:sldId id="287" r:id="rId10"/>
+    <p:sldId id="288" r:id="rId11"/>
+    <p:sldId id="290" r:id="rId12"/>
+    <p:sldId id="285" r:id="rId13"/>
+    <p:sldId id="295" r:id="rId14"/>
+    <p:sldId id="297" r:id="rId15"/>
+    <p:sldId id="293" r:id="rId16"/>
+    <p:sldId id="294" r:id="rId17"/>
+    <p:sldId id="303" r:id="rId18"/>
   </p:sldIdLst>
   <p:sldSz cx="12192000" cy="6858000"/>
   <p:notesSz cx="6858000" cy="9144000"/>
@@ -121,11 +121,6 @@
       </a:defRPr>
     </a:lvl9pPr>
   </p:defaultTextStyle>
-  <p:extLst>
-    <p:ext uri="{EFAFB233-063F-42B5-8137-9DF3F51BA10A}">
-      <p15:sldGuideLst xmlns:p15="http://schemas.microsoft.com/office/powerpoint/2012/main"/>
-    </p:ext>
-  </p:extLst>
 </p:presentation>
 </file>
 
@@ -211,7 +206,6 @@
           <a:p>
             <a:fld id="{1684E152-F037-452C-A39A-5AE7C24A5902}" type="datetimeFigureOut">
               <a:rPr lang="zh-CN" altLang="en-US" smtClean="0"/>
-              <a:t>2019/9/6</a:t>
             </a:fld>
             <a:endParaRPr lang="zh-CN" altLang="en-US"/>
           </a:p>
@@ -278,6 +272,7 @@
               <a:rPr lang="zh-CN" altLang="en-US"/>
               <a:t>单击此处编辑母版文本样式</a:t>
             </a:r>
+            <a:endParaRPr lang="zh-CN" altLang="en-US"/>
           </a:p>
           <a:p>
             <a:pPr lvl="1"/>
@@ -285,6 +280,7 @@
               <a:rPr lang="zh-CN" altLang="en-US"/>
               <a:t>二级</a:t>
             </a:r>
+            <a:endParaRPr lang="zh-CN" altLang="en-US"/>
           </a:p>
           <a:p>
             <a:pPr lvl="2"/>
@@ -292,6 +288,7 @@
               <a:rPr lang="zh-CN" altLang="en-US"/>
               <a:t>三级</a:t>
             </a:r>
+            <a:endParaRPr lang="zh-CN" altLang="en-US"/>
           </a:p>
           <a:p>
             <a:pPr lvl="3"/>
@@ -299,6 +296,7 @@
               <a:rPr lang="zh-CN" altLang="en-US"/>
               <a:t>四级</a:t>
             </a:r>
+            <a:endParaRPr lang="zh-CN" altLang="en-US"/>
           </a:p>
           <a:p>
             <a:pPr lvl="4"/>
@@ -306,6 +304,7 @@
               <a:rPr lang="zh-CN" altLang="en-US"/>
               <a:t>五级</a:t>
             </a:r>
+            <a:endParaRPr lang="zh-CN" altLang="en-US"/>
           </a:p>
         </p:txBody>
       </p:sp>
@@ -369,18 +368,12 @@
           <a:p>
             <a:fld id="{2CE3576A-0424-49DB-AD72-8D520803ED5D}" type="slidenum">
               <a:rPr lang="zh-CN" altLang="en-US" smtClean="0"/>
-              <a:t>‹#›</a:t>
             </a:fld>
             <a:endParaRPr lang="zh-CN" altLang="en-US"/>
           </a:p>
         </p:txBody>
       </p:sp>
     </p:spTree>
-    <p:extLst>
-      <p:ext uri="{BB962C8B-B14F-4D97-AF65-F5344CB8AC3E}">
-        <p14:creationId xmlns:p14="http://schemas.microsoft.com/office/powerpoint/2010/main" val="1641215376"/>
-      </p:ext>
-    </p:extLst>
   </p:cSld>
   <p:clrMap bg1="lt1" tx1="dk1" bg2="lt2" tx2="dk2" accent1="accent1" accent2="accent2" accent3="accent3" accent4="accent4" accent5="accent5" accent6="accent6" hlink="hlink" folHlink="folHlink"/>
   <p:notesStyle>
@@ -570,6 +563,7 @@
               <a:rPr lang="zh-CN" altLang="en-US" dirty="0"/>
               <a:t>个词的社交主题分布的概率。</a:t>
             </a:r>
+            <a:endParaRPr lang="zh-CN" altLang="en-US" dirty="0"/>
           </a:p>
         </p:txBody>
       </p:sp>
@@ -590,18 +584,12 @@
           <a:p>
             <a:fld id="{2CE3576A-0424-49DB-AD72-8D520803ED5D}" type="slidenum">
               <a:rPr lang="zh-CN" altLang="en-US" smtClean="0"/>
-              <a:t>4</a:t>
             </a:fld>
             <a:endParaRPr lang="zh-CN" altLang="en-US"/>
           </a:p>
         </p:txBody>
       </p:sp>
     </p:spTree>
-    <p:extLst>
-      <p:ext uri="{BB962C8B-B14F-4D97-AF65-F5344CB8AC3E}">
-        <p14:creationId xmlns:p14="http://schemas.microsoft.com/office/powerpoint/2010/main" val="1150813118"/>
-      </p:ext>
-    </p:extLst>
   </p:cSld>
   <p:clrMapOvr>
     <a:masterClrMapping/>
@@ -674,18 +662,12 @@
           <a:p>
             <a:fld id="{2CE3576A-0424-49DB-AD72-8D520803ED5D}" type="slidenum">
               <a:rPr lang="zh-CN" altLang="en-US" smtClean="0"/>
-              <a:t>7</a:t>
             </a:fld>
             <a:endParaRPr lang="zh-CN" altLang="en-US"/>
           </a:p>
         </p:txBody>
       </p:sp>
     </p:spTree>
-    <p:extLst>
-      <p:ext uri="{BB962C8B-B14F-4D97-AF65-F5344CB8AC3E}">
-        <p14:creationId xmlns:p14="http://schemas.microsoft.com/office/powerpoint/2010/main" val="1017257253"/>
-      </p:ext>
-    </p:extLst>
   </p:cSld>
   <p:clrMapOvr>
     <a:masterClrMapping/>
@@ -758,18 +740,12 @@
           <a:p>
             <a:fld id="{2CE3576A-0424-49DB-AD72-8D520803ED5D}" type="slidenum">
               <a:rPr lang="zh-CN" altLang="en-US" smtClean="0"/>
-              <a:t>8</a:t>
             </a:fld>
             <a:endParaRPr lang="zh-CN" altLang="en-US"/>
           </a:p>
         </p:txBody>
       </p:sp>
     </p:spTree>
-    <p:extLst>
-      <p:ext uri="{BB962C8B-B14F-4D97-AF65-F5344CB8AC3E}">
-        <p14:creationId xmlns:p14="http://schemas.microsoft.com/office/powerpoint/2010/main" val="2721489020"/>
-      </p:ext>
-    </p:extLst>
   </p:cSld>
   <p:clrMapOvr>
     <a:masterClrMapping/>
@@ -842,18 +818,12 @@
           <a:p>
             <a:fld id="{2CE3576A-0424-49DB-AD72-8D520803ED5D}" type="slidenum">
               <a:rPr lang="zh-CN" altLang="en-US" smtClean="0"/>
-              <a:t>9</a:t>
             </a:fld>
             <a:endParaRPr lang="zh-CN" altLang="en-US"/>
           </a:p>
         </p:txBody>
       </p:sp>
     </p:spTree>
-    <p:extLst>
-      <p:ext uri="{BB962C8B-B14F-4D97-AF65-F5344CB8AC3E}">
-        <p14:creationId xmlns:p14="http://schemas.microsoft.com/office/powerpoint/2010/main" val="543155651"/>
-      </p:ext>
-    </p:extLst>
   </p:cSld>
   <p:clrMapOvr>
     <a:masterClrMapping/>
@@ -926,18 +896,12 @@
           <a:p>
             <a:fld id="{2CE3576A-0424-49DB-AD72-8D520803ED5D}" type="slidenum">
               <a:rPr lang="zh-CN" altLang="en-US" smtClean="0"/>
-              <a:t>12</a:t>
             </a:fld>
             <a:endParaRPr lang="zh-CN" altLang="en-US"/>
           </a:p>
         </p:txBody>
       </p:sp>
     </p:spTree>
-    <p:extLst>
-      <p:ext uri="{BB962C8B-B14F-4D97-AF65-F5344CB8AC3E}">
-        <p14:creationId xmlns:p14="http://schemas.microsoft.com/office/powerpoint/2010/main" val="2214598086"/>
-      </p:ext>
-    </p:extLst>
   </p:cSld>
   <p:clrMapOvr>
     <a:masterClrMapping/>
@@ -1010,18 +974,12 @@
           <a:p>
             <a:fld id="{2CE3576A-0424-49DB-AD72-8D520803ED5D}" type="slidenum">
               <a:rPr lang="zh-CN" altLang="en-US" smtClean="0"/>
-              <a:t>13</a:t>
             </a:fld>
             <a:endParaRPr lang="zh-CN" altLang="en-US"/>
           </a:p>
         </p:txBody>
       </p:sp>
     </p:spTree>
-    <p:extLst>
-      <p:ext uri="{BB962C8B-B14F-4D97-AF65-F5344CB8AC3E}">
-        <p14:creationId xmlns:p14="http://schemas.microsoft.com/office/powerpoint/2010/main" val="801018463"/>
-      </p:ext>
-    </p:extLst>
   </p:cSld>
   <p:clrMapOvr>
     <a:masterClrMapping/>
@@ -1094,18 +1052,12 @@
           <a:p>
             <a:fld id="{2CE3576A-0424-49DB-AD72-8D520803ED5D}" type="slidenum">
               <a:rPr lang="zh-CN" altLang="en-US" smtClean="0"/>
-              <a:t>14</a:t>
             </a:fld>
             <a:endParaRPr lang="zh-CN" altLang="en-US"/>
           </a:p>
         </p:txBody>
       </p:sp>
     </p:spTree>
-    <p:extLst>
-      <p:ext uri="{BB962C8B-B14F-4D97-AF65-F5344CB8AC3E}">
-        <p14:creationId xmlns:p14="http://schemas.microsoft.com/office/powerpoint/2010/main" val="3491203254"/>
-      </p:ext>
-    </p:extLst>
   </p:cSld>
   <p:clrMapOvr>
     <a:masterClrMapping/>
@@ -1178,18 +1130,12 @@
           <a:p>
             <a:fld id="{2CE3576A-0424-49DB-AD72-8D520803ED5D}" type="slidenum">
               <a:rPr lang="zh-CN" altLang="en-US" smtClean="0"/>
-              <a:t>15</a:t>
             </a:fld>
             <a:endParaRPr lang="zh-CN" altLang="en-US"/>
           </a:p>
         </p:txBody>
       </p:sp>
     </p:spTree>
-    <p:extLst>
-      <p:ext uri="{BB962C8B-B14F-4D97-AF65-F5344CB8AC3E}">
-        <p14:creationId xmlns:p14="http://schemas.microsoft.com/office/powerpoint/2010/main" val="1001849235"/>
-      </p:ext>
-    </p:extLst>
   </p:cSld>
   <p:clrMapOvr>
     <a:masterClrMapping/>
@@ -1216,13 +1162,7 @@
       </p:grpSpPr>
       <p:sp>
         <p:nvSpPr>
-          <p:cNvPr id="2" name="标题 1">
-            <a:extLst>
-              <a:ext uri="{FF2B5EF4-FFF2-40B4-BE49-F238E27FC236}">
-                <a16:creationId xmlns:a16="http://schemas.microsoft.com/office/drawing/2014/main" id="{6A4618BF-C624-49A4-BBE1-6FE7945BC7E6}"/>
-              </a:ext>
-            </a:extLst>
-          </p:cNvPr>
+          <p:cNvPr id="2" name="标题 1"/>
           <p:cNvSpPr>
             <a:spLocks noGrp="1"/>
           </p:cNvSpPr>
@@ -1248,18 +1188,13 @@
               <a:rPr lang="zh-CN" altLang="en-US"/>
               <a:t>单击此处编辑母版标题样式</a:t>
             </a:r>
-          </a:p>
-        </p:txBody>
-      </p:sp>
-      <p:sp>
-        <p:nvSpPr>
-          <p:cNvPr id="3" name="副标题 2">
-            <a:extLst>
-              <a:ext uri="{FF2B5EF4-FFF2-40B4-BE49-F238E27FC236}">
-                <a16:creationId xmlns:a16="http://schemas.microsoft.com/office/drawing/2014/main" id="{30365FDF-1866-4901-9264-DB2C8ECEFD57}"/>
-              </a:ext>
-            </a:extLst>
-          </p:cNvPr>
+            <a:endParaRPr lang="zh-CN" altLang="en-US"/>
+          </a:p>
+        </p:txBody>
+      </p:sp>
+      <p:sp>
+        <p:nvSpPr>
+          <p:cNvPr id="3" name="副标题 2"/>
           <p:cNvSpPr>
             <a:spLocks noGrp="1"/>
           </p:cNvSpPr>
@@ -1318,18 +1253,13 @@
               <a:rPr lang="zh-CN" altLang="en-US"/>
               <a:t>单击此处编辑母版副标题样式</a:t>
             </a:r>
-          </a:p>
-        </p:txBody>
-      </p:sp>
-      <p:sp>
-        <p:nvSpPr>
-          <p:cNvPr id="4" name="日期占位符 3">
-            <a:extLst>
-              <a:ext uri="{FF2B5EF4-FFF2-40B4-BE49-F238E27FC236}">
-                <a16:creationId xmlns:a16="http://schemas.microsoft.com/office/drawing/2014/main" id="{0814D73B-D4A9-4FD3-A3F7-F87AF246E99B}"/>
-              </a:ext>
-            </a:extLst>
-          </p:cNvPr>
+            <a:endParaRPr lang="zh-CN" altLang="en-US"/>
+          </a:p>
+        </p:txBody>
+      </p:sp>
+      <p:sp>
+        <p:nvSpPr>
+          <p:cNvPr id="4" name="日期占位符 3"/>
           <p:cNvSpPr>
             <a:spLocks noGrp="1"/>
           </p:cNvSpPr>
@@ -1344,7 +1274,6 @@
           <a:p>
             <a:fld id="{9F9FA1AC-9459-4172-A6AB-F86ED3A41AEA}" type="datetime1">
               <a:rPr lang="zh-CN" altLang="en-US" smtClean="0"/>
-              <a:t>2019/9/6</a:t>
             </a:fld>
             <a:endParaRPr lang="zh-CN" altLang="en-US"/>
           </a:p>
@@ -1352,13 +1281,7 @@
       </p:sp>
       <p:sp>
         <p:nvSpPr>
-          <p:cNvPr id="5" name="页脚占位符 4">
-            <a:extLst>
-              <a:ext uri="{FF2B5EF4-FFF2-40B4-BE49-F238E27FC236}">
-                <a16:creationId xmlns:a16="http://schemas.microsoft.com/office/drawing/2014/main" id="{126ED983-2F59-4FE5-8FCD-BAB4A12078EF}"/>
-              </a:ext>
-            </a:extLst>
-          </p:cNvPr>
+          <p:cNvPr id="5" name="页脚占位符 4"/>
           <p:cNvSpPr>
             <a:spLocks noGrp="1"/>
           </p:cNvSpPr>
@@ -1377,13 +1300,7 @@
       </p:sp>
       <p:sp>
         <p:nvSpPr>
-          <p:cNvPr id="6" name="灯片编号占位符 5">
-            <a:extLst>
-              <a:ext uri="{FF2B5EF4-FFF2-40B4-BE49-F238E27FC236}">
-                <a16:creationId xmlns:a16="http://schemas.microsoft.com/office/drawing/2014/main" id="{040EC452-1C38-4F4E-BB9D-B434B1BCABEC}"/>
-              </a:ext>
-            </a:extLst>
-          </p:cNvPr>
+          <p:cNvPr id="6" name="灯片编号占位符 5"/>
           <p:cNvSpPr>
             <a:spLocks noGrp="1"/>
           </p:cNvSpPr>
@@ -1398,18 +1315,12 @@
           <a:p>
             <a:fld id="{96409989-9577-4FB1-8C63-5461CD5F732E}" type="slidenum">
               <a:rPr lang="zh-CN" altLang="en-US" smtClean="0"/>
-              <a:t>‹#›</a:t>
             </a:fld>
             <a:endParaRPr lang="zh-CN" altLang="en-US"/>
           </a:p>
         </p:txBody>
       </p:sp>
     </p:spTree>
-    <p:extLst>
-      <p:ext uri="{BB962C8B-B14F-4D97-AF65-F5344CB8AC3E}">
-        <p14:creationId xmlns:p14="http://schemas.microsoft.com/office/powerpoint/2010/main" val="2141432174"/>
-      </p:ext>
-    </p:extLst>
   </p:cSld>
   <p:clrMapOvr>
     <a:masterClrMapping/>
@@ -1436,13 +1347,7 @@
       </p:grpSpPr>
       <p:sp>
         <p:nvSpPr>
-          <p:cNvPr id="2" name="标题 1">
-            <a:extLst>
-              <a:ext uri="{FF2B5EF4-FFF2-40B4-BE49-F238E27FC236}">
-                <a16:creationId xmlns:a16="http://schemas.microsoft.com/office/drawing/2014/main" id="{069B3081-DA67-4EF6-B6FA-50F4921703E3}"/>
-              </a:ext>
-            </a:extLst>
-          </p:cNvPr>
+          <p:cNvPr id="2" name="标题 1"/>
           <p:cNvSpPr>
             <a:spLocks noGrp="1"/>
           </p:cNvSpPr>
@@ -1459,18 +1364,13 @@
               <a:rPr lang="zh-CN" altLang="en-US"/>
               <a:t>单击此处编辑母版标题样式</a:t>
             </a:r>
-          </a:p>
-        </p:txBody>
-      </p:sp>
-      <p:sp>
-        <p:nvSpPr>
-          <p:cNvPr id="3" name="竖排文字占位符 2">
-            <a:extLst>
-              <a:ext uri="{FF2B5EF4-FFF2-40B4-BE49-F238E27FC236}">
-                <a16:creationId xmlns:a16="http://schemas.microsoft.com/office/drawing/2014/main" id="{B79D2774-D7F8-4981-8633-55C9892B9D7B}"/>
-              </a:ext>
-            </a:extLst>
-          </p:cNvPr>
+            <a:endParaRPr lang="zh-CN" altLang="en-US"/>
+          </a:p>
+        </p:txBody>
+      </p:sp>
+      <p:sp>
+        <p:nvSpPr>
+          <p:cNvPr id="3" name="竖排文字占位符 2"/>
           <p:cNvSpPr>
             <a:spLocks noGrp="1"/>
           </p:cNvSpPr>
@@ -1488,6 +1388,7 @@
               <a:rPr lang="zh-CN" altLang="en-US"/>
               <a:t>单击此处编辑母版文本样式</a:t>
             </a:r>
+            <a:endParaRPr lang="zh-CN" altLang="en-US"/>
           </a:p>
           <a:p>
             <a:pPr lvl="1"/>
@@ -1495,6 +1396,7 @@
               <a:rPr lang="zh-CN" altLang="en-US"/>
               <a:t>二级</a:t>
             </a:r>
+            <a:endParaRPr lang="zh-CN" altLang="en-US"/>
           </a:p>
           <a:p>
             <a:pPr lvl="2"/>
@@ -1502,6 +1404,7 @@
               <a:rPr lang="zh-CN" altLang="en-US"/>
               <a:t>三级</a:t>
             </a:r>
+            <a:endParaRPr lang="zh-CN" altLang="en-US"/>
           </a:p>
           <a:p>
             <a:pPr lvl="3"/>
@@ -1509,6 +1412,7 @@
               <a:rPr lang="zh-CN" altLang="en-US"/>
               <a:t>四级</a:t>
             </a:r>
+            <a:endParaRPr lang="zh-CN" altLang="en-US"/>
           </a:p>
           <a:p>
             <a:pPr lvl="4"/>
@@ -1516,18 +1420,13 @@
               <a:rPr lang="zh-CN" altLang="en-US"/>
               <a:t>五级</a:t>
             </a:r>
-          </a:p>
-        </p:txBody>
-      </p:sp>
-      <p:sp>
-        <p:nvSpPr>
-          <p:cNvPr id="4" name="日期占位符 3">
-            <a:extLst>
-              <a:ext uri="{FF2B5EF4-FFF2-40B4-BE49-F238E27FC236}">
-                <a16:creationId xmlns:a16="http://schemas.microsoft.com/office/drawing/2014/main" id="{7190867B-3292-41D5-8C88-A5303452F5E0}"/>
-              </a:ext>
-            </a:extLst>
-          </p:cNvPr>
+            <a:endParaRPr lang="zh-CN" altLang="en-US"/>
+          </a:p>
+        </p:txBody>
+      </p:sp>
+      <p:sp>
+        <p:nvSpPr>
+          <p:cNvPr id="4" name="日期占位符 3"/>
           <p:cNvSpPr>
             <a:spLocks noGrp="1"/>
           </p:cNvSpPr>
@@ -1542,7 +1441,6 @@
           <a:p>
             <a:fld id="{5D82986B-51EB-4B73-867C-65A652CE832C}" type="datetime1">
               <a:rPr lang="zh-CN" altLang="en-US" smtClean="0"/>
-              <a:t>2019/9/6</a:t>
             </a:fld>
             <a:endParaRPr lang="zh-CN" altLang="en-US"/>
           </a:p>
@@ -1550,13 +1448,7 @@
       </p:sp>
       <p:sp>
         <p:nvSpPr>
-          <p:cNvPr id="5" name="页脚占位符 4">
-            <a:extLst>
-              <a:ext uri="{FF2B5EF4-FFF2-40B4-BE49-F238E27FC236}">
-                <a16:creationId xmlns:a16="http://schemas.microsoft.com/office/drawing/2014/main" id="{B0EFB2B5-FF58-4C5F-BCCE-1F45BBBDED69}"/>
-              </a:ext>
-            </a:extLst>
-          </p:cNvPr>
+          <p:cNvPr id="5" name="页脚占位符 4"/>
           <p:cNvSpPr>
             <a:spLocks noGrp="1"/>
           </p:cNvSpPr>
@@ -1575,13 +1467,7 @@
       </p:sp>
       <p:sp>
         <p:nvSpPr>
-          <p:cNvPr id="6" name="灯片编号占位符 5">
-            <a:extLst>
-              <a:ext uri="{FF2B5EF4-FFF2-40B4-BE49-F238E27FC236}">
-                <a16:creationId xmlns:a16="http://schemas.microsoft.com/office/drawing/2014/main" id="{19116708-402B-4EBA-9CBB-730C79836EAF}"/>
-              </a:ext>
-            </a:extLst>
-          </p:cNvPr>
+          <p:cNvPr id="6" name="灯片编号占位符 5"/>
           <p:cNvSpPr>
             <a:spLocks noGrp="1"/>
           </p:cNvSpPr>
@@ -1596,18 +1482,12 @@
           <a:p>
             <a:fld id="{96409989-9577-4FB1-8C63-5461CD5F732E}" type="slidenum">
               <a:rPr lang="zh-CN" altLang="en-US" smtClean="0"/>
-              <a:t>‹#›</a:t>
             </a:fld>
             <a:endParaRPr lang="zh-CN" altLang="en-US"/>
           </a:p>
         </p:txBody>
       </p:sp>
     </p:spTree>
-    <p:extLst>
-      <p:ext uri="{BB962C8B-B14F-4D97-AF65-F5344CB8AC3E}">
-        <p14:creationId xmlns:p14="http://schemas.microsoft.com/office/powerpoint/2010/main" val="966738769"/>
-      </p:ext>
-    </p:extLst>
   </p:cSld>
   <p:clrMapOvr>
     <a:masterClrMapping/>
@@ -1634,13 +1514,7 @@
       </p:grpSpPr>
       <p:sp>
         <p:nvSpPr>
-          <p:cNvPr id="2" name="竖排标题 1">
-            <a:extLst>
-              <a:ext uri="{FF2B5EF4-FFF2-40B4-BE49-F238E27FC236}">
-                <a16:creationId xmlns:a16="http://schemas.microsoft.com/office/drawing/2014/main" id="{80CF8F66-EE90-4CE2-AA89-FD661BAF95D2}"/>
-              </a:ext>
-            </a:extLst>
-          </p:cNvPr>
+          <p:cNvPr id="2" name="竖排标题 1"/>
           <p:cNvSpPr>
             <a:spLocks noGrp="1"/>
           </p:cNvSpPr>
@@ -1662,18 +1536,13 @@
               <a:rPr lang="zh-CN" altLang="en-US"/>
               <a:t>单击此处编辑母版标题样式</a:t>
             </a:r>
-          </a:p>
-        </p:txBody>
-      </p:sp>
-      <p:sp>
-        <p:nvSpPr>
-          <p:cNvPr id="3" name="竖排文字占位符 2">
-            <a:extLst>
-              <a:ext uri="{FF2B5EF4-FFF2-40B4-BE49-F238E27FC236}">
-                <a16:creationId xmlns:a16="http://schemas.microsoft.com/office/drawing/2014/main" id="{E62560E3-291B-43DB-B81B-65542154925B}"/>
-              </a:ext>
-            </a:extLst>
-          </p:cNvPr>
+            <a:endParaRPr lang="zh-CN" altLang="en-US"/>
+          </a:p>
+        </p:txBody>
+      </p:sp>
+      <p:sp>
+        <p:nvSpPr>
+          <p:cNvPr id="3" name="竖排文字占位符 2"/>
           <p:cNvSpPr>
             <a:spLocks noGrp="1"/>
           </p:cNvSpPr>
@@ -1696,6 +1565,7 @@
               <a:rPr lang="zh-CN" altLang="en-US"/>
               <a:t>单击此处编辑母版文本样式</a:t>
             </a:r>
+            <a:endParaRPr lang="zh-CN" altLang="en-US"/>
           </a:p>
           <a:p>
             <a:pPr lvl="1"/>
@@ -1703,6 +1573,7 @@
               <a:rPr lang="zh-CN" altLang="en-US"/>
               <a:t>二级</a:t>
             </a:r>
+            <a:endParaRPr lang="zh-CN" altLang="en-US"/>
           </a:p>
           <a:p>
             <a:pPr lvl="2"/>
@@ -1710,6 +1581,7 @@
               <a:rPr lang="zh-CN" altLang="en-US"/>
               <a:t>三级</a:t>
             </a:r>
+            <a:endParaRPr lang="zh-CN" altLang="en-US"/>
           </a:p>
           <a:p>
             <a:pPr lvl="3"/>
@@ -1717,6 +1589,7 @@
               <a:rPr lang="zh-CN" altLang="en-US"/>
               <a:t>四级</a:t>
             </a:r>
+            <a:endParaRPr lang="zh-CN" altLang="en-US"/>
           </a:p>
           <a:p>
             <a:pPr lvl="4"/>
@@ -1724,18 +1597,13 @@
               <a:rPr lang="zh-CN" altLang="en-US"/>
               <a:t>五级</a:t>
             </a:r>
-          </a:p>
-        </p:txBody>
-      </p:sp>
-      <p:sp>
-        <p:nvSpPr>
-          <p:cNvPr id="4" name="日期占位符 3">
-            <a:extLst>
-              <a:ext uri="{FF2B5EF4-FFF2-40B4-BE49-F238E27FC236}">
-                <a16:creationId xmlns:a16="http://schemas.microsoft.com/office/drawing/2014/main" id="{BE8B5B76-77D3-4945-865C-16DE36678A46}"/>
-              </a:ext>
-            </a:extLst>
-          </p:cNvPr>
+            <a:endParaRPr lang="zh-CN" altLang="en-US"/>
+          </a:p>
+        </p:txBody>
+      </p:sp>
+      <p:sp>
+        <p:nvSpPr>
+          <p:cNvPr id="4" name="日期占位符 3"/>
           <p:cNvSpPr>
             <a:spLocks noGrp="1"/>
           </p:cNvSpPr>
@@ -1750,7 +1618,6 @@
           <a:p>
             <a:fld id="{8A2D0F5A-87E0-4511-95DA-5C6B3FD3C2FC}" type="datetime1">
               <a:rPr lang="zh-CN" altLang="en-US" smtClean="0"/>
-              <a:t>2019/9/6</a:t>
             </a:fld>
             <a:endParaRPr lang="zh-CN" altLang="en-US"/>
           </a:p>
@@ -1758,13 +1625,7 @@
       </p:sp>
       <p:sp>
         <p:nvSpPr>
-          <p:cNvPr id="5" name="页脚占位符 4">
-            <a:extLst>
-              <a:ext uri="{FF2B5EF4-FFF2-40B4-BE49-F238E27FC236}">
-                <a16:creationId xmlns:a16="http://schemas.microsoft.com/office/drawing/2014/main" id="{AAAF4284-2C6B-4106-9131-AEA969A52B01}"/>
-              </a:ext>
-            </a:extLst>
-          </p:cNvPr>
+          <p:cNvPr id="5" name="页脚占位符 4"/>
           <p:cNvSpPr>
             <a:spLocks noGrp="1"/>
           </p:cNvSpPr>
@@ -1783,13 +1644,7 @@
       </p:sp>
       <p:sp>
         <p:nvSpPr>
-          <p:cNvPr id="6" name="灯片编号占位符 5">
-            <a:extLst>
-              <a:ext uri="{FF2B5EF4-FFF2-40B4-BE49-F238E27FC236}">
-                <a16:creationId xmlns:a16="http://schemas.microsoft.com/office/drawing/2014/main" id="{67947059-9E65-4CE4-9D6A-10DAE4D8A4D9}"/>
-              </a:ext>
-            </a:extLst>
-          </p:cNvPr>
+          <p:cNvPr id="6" name="灯片编号占位符 5"/>
           <p:cNvSpPr>
             <a:spLocks noGrp="1"/>
           </p:cNvSpPr>
@@ -1804,18 +1659,12 @@
           <a:p>
             <a:fld id="{96409989-9577-4FB1-8C63-5461CD5F732E}" type="slidenum">
               <a:rPr lang="zh-CN" altLang="en-US" smtClean="0"/>
-              <a:t>‹#›</a:t>
             </a:fld>
             <a:endParaRPr lang="zh-CN" altLang="en-US"/>
           </a:p>
         </p:txBody>
       </p:sp>
     </p:spTree>
-    <p:extLst>
-      <p:ext uri="{BB962C8B-B14F-4D97-AF65-F5344CB8AC3E}">
-        <p14:creationId xmlns:p14="http://schemas.microsoft.com/office/powerpoint/2010/main" val="2869514744"/>
-      </p:ext>
-    </p:extLst>
   </p:cSld>
   <p:clrMapOvr>
     <a:masterClrMapping/>
@@ -1842,13 +1691,7 @@
       </p:grpSpPr>
       <p:sp>
         <p:nvSpPr>
-          <p:cNvPr id="2" name="标题 1">
-            <a:extLst>
-              <a:ext uri="{FF2B5EF4-FFF2-40B4-BE49-F238E27FC236}">
-                <a16:creationId xmlns:a16="http://schemas.microsoft.com/office/drawing/2014/main" id="{63F1FD33-AA18-4BE5-B796-0B91E91A8251}"/>
-              </a:ext>
-            </a:extLst>
-          </p:cNvPr>
+          <p:cNvPr id="2" name="标题 1"/>
           <p:cNvSpPr>
             <a:spLocks noGrp="1"/>
           </p:cNvSpPr>
@@ -1865,18 +1708,13 @@
               <a:rPr lang="zh-CN" altLang="en-US"/>
               <a:t>单击此处编辑母版标题样式</a:t>
             </a:r>
-          </a:p>
-        </p:txBody>
-      </p:sp>
-      <p:sp>
-        <p:nvSpPr>
-          <p:cNvPr id="3" name="内容占位符 2">
-            <a:extLst>
-              <a:ext uri="{FF2B5EF4-FFF2-40B4-BE49-F238E27FC236}">
-                <a16:creationId xmlns:a16="http://schemas.microsoft.com/office/drawing/2014/main" id="{26721288-5D2E-4CCC-B9DB-92D97023EA76}"/>
-              </a:ext>
-            </a:extLst>
-          </p:cNvPr>
+            <a:endParaRPr lang="zh-CN" altLang="en-US"/>
+          </a:p>
+        </p:txBody>
+      </p:sp>
+      <p:sp>
+        <p:nvSpPr>
+          <p:cNvPr id="3" name="内容占位符 2"/>
           <p:cNvSpPr>
             <a:spLocks noGrp="1"/>
           </p:cNvSpPr>
@@ -1894,6 +1732,7 @@
               <a:rPr lang="zh-CN" altLang="en-US"/>
               <a:t>单击此处编辑母版文本样式</a:t>
             </a:r>
+            <a:endParaRPr lang="zh-CN" altLang="en-US"/>
           </a:p>
           <a:p>
             <a:pPr lvl="1"/>
@@ -1901,6 +1740,7 @@
               <a:rPr lang="zh-CN" altLang="en-US"/>
               <a:t>二级</a:t>
             </a:r>
+            <a:endParaRPr lang="zh-CN" altLang="en-US"/>
           </a:p>
           <a:p>
             <a:pPr lvl="2"/>
@@ -1908,6 +1748,7 @@
               <a:rPr lang="zh-CN" altLang="en-US"/>
               <a:t>三级</a:t>
             </a:r>
+            <a:endParaRPr lang="zh-CN" altLang="en-US"/>
           </a:p>
           <a:p>
             <a:pPr lvl="3"/>
@@ -1915,6 +1756,7 @@
               <a:rPr lang="zh-CN" altLang="en-US"/>
               <a:t>四级</a:t>
             </a:r>
+            <a:endParaRPr lang="zh-CN" altLang="en-US"/>
           </a:p>
           <a:p>
             <a:pPr lvl="4"/>
@@ -1922,18 +1764,13 @@
               <a:rPr lang="zh-CN" altLang="en-US"/>
               <a:t>五级</a:t>
             </a:r>
-          </a:p>
-        </p:txBody>
-      </p:sp>
-      <p:sp>
-        <p:nvSpPr>
-          <p:cNvPr id="5" name="页脚占位符 4">
-            <a:extLst>
-              <a:ext uri="{FF2B5EF4-FFF2-40B4-BE49-F238E27FC236}">
-                <a16:creationId xmlns:a16="http://schemas.microsoft.com/office/drawing/2014/main" id="{8CC30759-2AE7-42D2-8105-BDF818D23023}"/>
-              </a:ext>
-            </a:extLst>
-          </p:cNvPr>
+            <a:endParaRPr lang="zh-CN" altLang="en-US"/>
+          </a:p>
+        </p:txBody>
+      </p:sp>
+      <p:sp>
+        <p:nvSpPr>
+          <p:cNvPr id="5" name="页脚占位符 4"/>
           <p:cNvSpPr>
             <a:spLocks noGrp="1"/>
           </p:cNvSpPr>
@@ -1961,13 +1798,7 @@
       </p:sp>
       <p:sp>
         <p:nvSpPr>
-          <p:cNvPr id="6" name="灯片编号占位符 5">
-            <a:extLst>
-              <a:ext uri="{FF2B5EF4-FFF2-40B4-BE49-F238E27FC236}">
-                <a16:creationId xmlns:a16="http://schemas.microsoft.com/office/drawing/2014/main" id="{C961525A-2375-49C4-B094-398172B9625E}"/>
-              </a:ext>
-            </a:extLst>
-          </p:cNvPr>
+          <p:cNvPr id="6" name="灯片编号占位符 5"/>
           <p:cNvSpPr>
             <a:spLocks noGrp="1"/>
           </p:cNvSpPr>
@@ -1987,18 +1818,12 @@
           <a:p>
             <a:fld id="{96409989-9577-4FB1-8C63-5461CD5F732E}" type="slidenum">
               <a:rPr lang="zh-CN" altLang="en-US" smtClean="0"/>
-              <a:t>‹#›</a:t>
             </a:fld>
             <a:endParaRPr lang="zh-CN" altLang="en-US" dirty="0"/>
           </a:p>
         </p:txBody>
       </p:sp>
     </p:spTree>
-    <p:extLst>
-      <p:ext uri="{BB962C8B-B14F-4D97-AF65-F5344CB8AC3E}">
-        <p14:creationId xmlns:p14="http://schemas.microsoft.com/office/powerpoint/2010/main" val="1194313777"/>
-      </p:ext>
-    </p:extLst>
   </p:cSld>
   <p:clrMapOvr>
     <a:masterClrMapping/>
@@ -2025,13 +1850,7 @@
       </p:grpSpPr>
       <p:sp>
         <p:nvSpPr>
-          <p:cNvPr id="2" name="标题 1">
-            <a:extLst>
-              <a:ext uri="{FF2B5EF4-FFF2-40B4-BE49-F238E27FC236}">
-                <a16:creationId xmlns:a16="http://schemas.microsoft.com/office/drawing/2014/main" id="{F4D43DF9-1E2E-4C9E-B961-16688D620940}"/>
-              </a:ext>
-            </a:extLst>
-          </p:cNvPr>
+          <p:cNvPr id="2" name="标题 1"/>
           <p:cNvSpPr>
             <a:spLocks noGrp="1"/>
           </p:cNvSpPr>
@@ -2057,18 +1876,13 @@
               <a:rPr lang="zh-CN" altLang="en-US"/>
               <a:t>单击此处编辑母版标题样式</a:t>
             </a:r>
-          </a:p>
-        </p:txBody>
-      </p:sp>
-      <p:sp>
-        <p:nvSpPr>
-          <p:cNvPr id="3" name="文本占位符 2">
-            <a:extLst>
-              <a:ext uri="{FF2B5EF4-FFF2-40B4-BE49-F238E27FC236}">
-                <a16:creationId xmlns:a16="http://schemas.microsoft.com/office/drawing/2014/main" id="{A60C7612-EDB1-4824-8F42-A4AB9A1169D3}"/>
-              </a:ext>
-            </a:extLst>
-          </p:cNvPr>
+            <a:endParaRPr lang="zh-CN" altLang="en-US"/>
+          </a:p>
+        </p:txBody>
+      </p:sp>
+      <p:sp>
+        <p:nvSpPr>
+          <p:cNvPr id="3" name="文本占位符 2"/>
           <p:cNvSpPr>
             <a:spLocks noGrp="1"/>
           </p:cNvSpPr>
@@ -2182,18 +1996,13 @@
               <a:rPr lang="zh-CN" altLang="en-US"/>
               <a:t>单击此处编辑母版文本样式</a:t>
             </a:r>
-          </a:p>
-        </p:txBody>
-      </p:sp>
-      <p:sp>
-        <p:nvSpPr>
-          <p:cNvPr id="4" name="日期占位符 3">
-            <a:extLst>
-              <a:ext uri="{FF2B5EF4-FFF2-40B4-BE49-F238E27FC236}">
-                <a16:creationId xmlns:a16="http://schemas.microsoft.com/office/drawing/2014/main" id="{F78F4508-3CE8-478C-ACF4-1B88096BE847}"/>
-              </a:ext>
-            </a:extLst>
-          </p:cNvPr>
+            <a:endParaRPr lang="zh-CN" altLang="en-US"/>
+          </a:p>
+        </p:txBody>
+      </p:sp>
+      <p:sp>
+        <p:nvSpPr>
+          <p:cNvPr id="4" name="日期占位符 3"/>
           <p:cNvSpPr>
             <a:spLocks noGrp="1"/>
           </p:cNvSpPr>
@@ -2208,7 +2017,6 @@
           <a:p>
             <a:fld id="{467220AC-F741-4F36-80A9-5F0356900A16}" type="datetime1">
               <a:rPr lang="zh-CN" altLang="en-US" smtClean="0"/>
-              <a:t>2019/9/6</a:t>
             </a:fld>
             <a:endParaRPr lang="zh-CN" altLang="en-US"/>
           </a:p>
@@ -2216,13 +2024,7 @@
       </p:sp>
       <p:sp>
         <p:nvSpPr>
-          <p:cNvPr id="5" name="页脚占位符 4">
-            <a:extLst>
-              <a:ext uri="{FF2B5EF4-FFF2-40B4-BE49-F238E27FC236}">
-                <a16:creationId xmlns:a16="http://schemas.microsoft.com/office/drawing/2014/main" id="{1B380A3A-328E-4C25-A81B-B13F9178515C}"/>
-              </a:ext>
-            </a:extLst>
-          </p:cNvPr>
+          <p:cNvPr id="5" name="页脚占位符 4"/>
           <p:cNvSpPr>
             <a:spLocks noGrp="1"/>
           </p:cNvSpPr>
@@ -2241,13 +2043,7 @@
       </p:sp>
       <p:sp>
         <p:nvSpPr>
-          <p:cNvPr id="6" name="灯片编号占位符 5">
-            <a:extLst>
-              <a:ext uri="{FF2B5EF4-FFF2-40B4-BE49-F238E27FC236}">
-                <a16:creationId xmlns:a16="http://schemas.microsoft.com/office/drawing/2014/main" id="{586044F7-2152-41F7-BB68-22040645E1A6}"/>
-              </a:ext>
-            </a:extLst>
-          </p:cNvPr>
+          <p:cNvPr id="6" name="灯片编号占位符 5"/>
           <p:cNvSpPr>
             <a:spLocks noGrp="1"/>
           </p:cNvSpPr>
@@ -2262,18 +2058,12 @@
           <a:p>
             <a:fld id="{96409989-9577-4FB1-8C63-5461CD5F732E}" type="slidenum">
               <a:rPr lang="zh-CN" altLang="en-US" smtClean="0"/>
-              <a:t>‹#›</a:t>
             </a:fld>
             <a:endParaRPr lang="zh-CN" altLang="en-US"/>
           </a:p>
         </p:txBody>
       </p:sp>
     </p:spTree>
-    <p:extLst>
-      <p:ext uri="{BB962C8B-B14F-4D97-AF65-F5344CB8AC3E}">
-        <p14:creationId xmlns:p14="http://schemas.microsoft.com/office/powerpoint/2010/main" val="2874401711"/>
-      </p:ext>
-    </p:extLst>
   </p:cSld>
   <p:clrMapOvr>
     <a:masterClrMapping/>
@@ -2300,13 +2090,7 @@
       </p:grpSpPr>
       <p:sp>
         <p:nvSpPr>
-          <p:cNvPr id="2" name="标题 1">
-            <a:extLst>
-              <a:ext uri="{FF2B5EF4-FFF2-40B4-BE49-F238E27FC236}">
-                <a16:creationId xmlns:a16="http://schemas.microsoft.com/office/drawing/2014/main" id="{C4715594-4B65-4FEA-8470-FF84722FD597}"/>
-              </a:ext>
-            </a:extLst>
-          </p:cNvPr>
+          <p:cNvPr id="2" name="标题 1"/>
           <p:cNvSpPr>
             <a:spLocks noGrp="1"/>
           </p:cNvSpPr>
@@ -2323,18 +2107,13 @@
               <a:rPr lang="zh-CN" altLang="en-US"/>
               <a:t>单击此处编辑母版标题样式</a:t>
             </a:r>
-          </a:p>
-        </p:txBody>
-      </p:sp>
-      <p:sp>
-        <p:nvSpPr>
-          <p:cNvPr id="3" name="内容占位符 2">
-            <a:extLst>
-              <a:ext uri="{FF2B5EF4-FFF2-40B4-BE49-F238E27FC236}">
-                <a16:creationId xmlns:a16="http://schemas.microsoft.com/office/drawing/2014/main" id="{0633CC1C-31B1-42F6-BEDF-3787822EACEF}"/>
-              </a:ext>
-            </a:extLst>
-          </p:cNvPr>
+            <a:endParaRPr lang="zh-CN" altLang="en-US"/>
+          </a:p>
+        </p:txBody>
+      </p:sp>
+      <p:sp>
+        <p:nvSpPr>
+          <p:cNvPr id="3" name="内容占位符 2"/>
           <p:cNvSpPr>
             <a:spLocks noGrp="1"/>
           </p:cNvSpPr>
@@ -2357,6 +2136,7 @@
               <a:rPr lang="zh-CN" altLang="en-US"/>
               <a:t>单击此处编辑母版文本样式</a:t>
             </a:r>
+            <a:endParaRPr lang="zh-CN" altLang="en-US"/>
           </a:p>
           <a:p>
             <a:pPr lvl="1"/>
@@ -2364,6 +2144,7 @@
               <a:rPr lang="zh-CN" altLang="en-US"/>
               <a:t>二级</a:t>
             </a:r>
+            <a:endParaRPr lang="zh-CN" altLang="en-US"/>
           </a:p>
           <a:p>
             <a:pPr lvl="2"/>
@@ -2371,6 +2152,7 @@
               <a:rPr lang="zh-CN" altLang="en-US"/>
               <a:t>三级</a:t>
             </a:r>
+            <a:endParaRPr lang="zh-CN" altLang="en-US"/>
           </a:p>
           <a:p>
             <a:pPr lvl="3"/>
@@ -2378,6 +2160,7 @@
               <a:rPr lang="zh-CN" altLang="en-US"/>
               <a:t>四级</a:t>
             </a:r>
+            <a:endParaRPr lang="zh-CN" altLang="en-US"/>
           </a:p>
           <a:p>
             <a:pPr lvl="4"/>
@@ -2385,18 +2168,13 @@
               <a:rPr lang="zh-CN" altLang="en-US"/>
               <a:t>五级</a:t>
             </a:r>
-          </a:p>
-        </p:txBody>
-      </p:sp>
-      <p:sp>
-        <p:nvSpPr>
-          <p:cNvPr id="4" name="内容占位符 3">
-            <a:extLst>
-              <a:ext uri="{FF2B5EF4-FFF2-40B4-BE49-F238E27FC236}">
-                <a16:creationId xmlns:a16="http://schemas.microsoft.com/office/drawing/2014/main" id="{3CE784EC-1785-4078-9791-2FEFE5305B95}"/>
-              </a:ext>
-            </a:extLst>
-          </p:cNvPr>
+            <a:endParaRPr lang="zh-CN" altLang="en-US"/>
+          </a:p>
+        </p:txBody>
+      </p:sp>
+      <p:sp>
+        <p:nvSpPr>
+          <p:cNvPr id="4" name="内容占位符 3"/>
           <p:cNvSpPr>
             <a:spLocks noGrp="1"/>
           </p:cNvSpPr>
@@ -2419,6 +2197,7 @@
               <a:rPr lang="zh-CN" altLang="en-US"/>
               <a:t>单击此处编辑母版文本样式</a:t>
             </a:r>
+            <a:endParaRPr lang="zh-CN" altLang="en-US"/>
           </a:p>
           <a:p>
             <a:pPr lvl="1"/>
@@ -2426,6 +2205,7 @@
               <a:rPr lang="zh-CN" altLang="en-US"/>
               <a:t>二级</a:t>
             </a:r>
+            <a:endParaRPr lang="zh-CN" altLang="en-US"/>
           </a:p>
           <a:p>
             <a:pPr lvl="2"/>
@@ -2433,6 +2213,7 @@
               <a:rPr lang="zh-CN" altLang="en-US"/>
               <a:t>三级</a:t>
             </a:r>
+            <a:endParaRPr lang="zh-CN" altLang="en-US"/>
           </a:p>
           <a:p>
             <a:pPr lvl="3"/>
@@ -2440,6 +2221,7 @@
               <a:rPr lang="zh-CN" altLang="en-US"/>
               <a:t>四级</a:t>
             </a:r>
+            <a:endParaRPr lang="zh-CN" altLang="en-US"/>
           </a:p>
           <a:p>
             <a:pPr lvl="4"/>
@@ -2447,18 +2229,13 @@
               <a:rPr lang="zh-CN" altLang="en-US"/>
               <a:t>五级</a:t>
             </a:r>
-          </a:p>
-        </p:txBody>
-      </p:sp>
-      <p:sp>
-        <p:nvSpPr>
-          <p:cNvPr id="5" name="日期占位符 4">
-            <a:extLst>
-              <a:ext uri="{FF2B5EF4-FFF2-40B4-BE49-F238E27FC236}">
-                <a16:creationId xmlns:a16="http://schemas.microsoft.com/office/drawing/2014/main" id="{ED1B4E79-2BEB-4039-89D5-EA357900AEF3}"/>
-              </a:ext>
-            </a:extLst>
-          </p:cNvPr>
+            <a:endParaRPr lang="zh-CN" altLang="en-US"/>
+          </a:p>
+        </p:txBody>
+      </p:sp>
+      <p:sp>
+        <p:nvSpPr>
+          <p:cNvPr id="5" name="日期占位符 4"/>
           <p:cNvSpPr>
             <a:spLocks noGrp="1"/>
           </p:cNvSpPr>
@@ -2473,7 +2250,6 @@
           <a:p>
             <a:fld id="{01EEE7E9-5E53-4E92-9B8C-D7EE35BFCE46}" type="datetime1">
               <a:rPr lang="zh-CN" altLang="en-US" smtClean="0"/>
-              <a:t>2019/9/6</a:t>
             </a:fld>
             <a:endParaRPr lang="zh-CN" altLang="en-US"/>
           </a:p>
@@ -2481,13 +2257,7 @@
       </p:sp>
       <p:sp>
         <p:nvSpPr>
-          <p:cNvPr id="6" name="页脚占位符 5">
-            <a:extLst>
-              <a:ext uri="{FF2B5EF4-FFF2-40B4-BE49-F238E27FC236}">
-                <a16:creationId xmlns:a16="http://schemas.microsoft.com/office/drawing/2014/main" id="{08339ECE-2FA5-4733-8880-46308A1AB3EF}"/>
-              </a:ext>
-            </a:extLst>
-          </p:cNvPr>
+          <p:cNvPr id="6" name="页脚占位符 5"/>
           <p:cNvSpPr>
             <a:spLocks noGrp="1"/>
           </p:cNvSpPr>
@@ -2506,13 +2276,7 @@
       </p:sp>
       <p:sp>
         <p:nvSpPr>
-          <p:cNvPr id="7" name="灯片编号占位符 6">
-            <a:extLst>
-              <a:ext uri="{FF2B5EF4-FFF2-40B4-BE49-F238E27FC236}">
-                <a16:creationId xmlns:a16="http://schemas.microsoft.com/office/drawing/2014/main" id="{E19E6715-D3B0-405F-9758-580B7A78313E}"/>
-              </a:ext>
-            </a:extLst>
-          </p:cNvPr>
+          <p:cNvPr id="7" name="灯片编号占位符 6"/>
           <p:cNvSpPr>
             <a:spLocks noGrp="1"/>
           </p:cNvSpPr>
@@ -2527,18 +2291,12 @@
           <a:p>
             <a:fld id="{96409989-9577-4FB1-8C63-5461CD5F732E}" type="slidenum">
               <a:rPr lang="zh-CN" altLang="en-US" smtClean="0"/>
-              <a:t>‹#›</a:t>
             </a:fld>
             <a:endParaRPr lang="zh-CN" altLang="en-US"/>
           </a:p>
         </p:txBody>
       </p:sp>
     </p:spTree>
-    <p:extLst>
-      <p:ext uri="{BB962C8B-B14F-4D97-AF65-F5344CB8AC3E}">
-        <p14:creationId xmlns:p14="http://schemas.microsoft.com/office/powerpoint/2010/main" val="1127187301"/>
-      </p:ext>
-    </p:extLst>
   </p:cSld>
   <p:clrMapOvr>
     <a:masterClrMapping/>
@@ -2565,13 +2323,7 @@
       </p:grpSpPr>
       <p:sp>
         <p:nvSpPr>
-          <p:cNvPr id="2" name="标题 1">
-            <a:extLst>
-              <a:ext uri="{FF2B5EF4-FFF2-40B4-BE49-F238E27FC236}">
-                <a16:creationId xmlns:a16="http://schemas.microsoft.com/office/drawing/2014/main" id="{D5A7C31F-3193-456C-B6F6-C362EA125963}"/>
-              </a:ext>
-            </a:extLst>
-          </p:cNvPr>
+          <p:cNvPr id="2" name="标题 1"/>
           <p:cNvSpPr>
             <a:spLocks noGrp="1"/>
           </p:cNvSpPr>
@@ -2593,18 +2345,13 @@
               <a:rPr lang="zh-CN" altLang="en-US"/>
               <a:t>单击此处编辑母版标题样式</a:t>
             </a:r>
-          </a:p>
-        </p:txBody>
-      </p:sp>
-      <p:sp>
-        <p:nvSpPr>
-          <p:cNvPr id="3" name="文本占位符 2">
-            <a:extLst>
-              <a:ext uri="{FF2B5EF4-FFF2-40B4-BE49-F238E27FC236}">
-                <a16:creationId xmlns:a16="http://schemas.microsoft.com/office/drawing/2014/main" id="{38C7960C-6B0A-4EE6-BF75-70E4C7A967D2}"/>
-              </a:ext>
-            </a:extLst>
-          </p:cNvPr>
+            <a:endParaRPr lang="zh-CN" altLang="en-US"/>
+          </a:p>
+        </p:txBody>
+      </p:sp>
+      <p:sp>
+        <p:nvSpPr>
+          <p:cNvPr id="3" name="文本占位符 2"/>
           <p:cNvSpPr>
             <a:spLocks noGrp="1"/>
           </p:cNvSpPr>
@@ -2664,18 +2411,13 @@
               <a:rPr lang="zh-CN" altLang="en-US"/>
               <a:t>单击此处编辑母版文本样式</a:t>
             </a:r>
-          </a:p>
-        </p:txBody>
-      </p:sp>
-      <p:sp>
-        <p:nvSpPr>
-          <p:cNvPr id="4" name="内容占位符 3">
-            <a:extLst>
-              <a:ext uri="{FF2B5EF4-FFF2-40B4-BE49-F238E27FC236}">
-                <a16:creationId xmlns:a16="http://schemas.microsoft.com/office/drawing/2014/main" id="{35CC25EC-BD48-4E06-BBE2-490404F0E234}"/>
-              </a:ext>
-            </a:extLst>
-          </p:cNvPr>
+            <a:endParaRPr lang="zh-CN" altLang="en-US"/>
+          </a:p>
+        </p:txBody>
+      </p:sp>
+      <p:sp>
+        <p:nvSpPr>
+          <p:cNvPr id="4" name="内容占位符 3"/>
           <p:cNvSpPr>
             <a:spLocks noGrp="1"/>
           </p:cNvSpPr>
@@ -2698,6 +2440,7 @@
               <a:rPr lang="zh-CN" altLang="en-US"/>
               <a:t>单击此处编辑母版文本样式</a:t>
             </a:r>
+            <a:endParaRPr lang="zh-CN" altLang="en-US"/>
           </a:p>
           <a:p>
             <a:pPr lvl="1"/>
@@ -2705,6 +2448,7 @@
               <a:rPr lang="zh-CN" altLang="en-US"/>
               <a:t>二级</a:t>
             </a:r>
+            <a:endParaRPr lang="zh-CN" altLang="en-US"/>
           </a:p>
           <a:p>
             <a:pPr lvl="2"/>
@@ -2712,6 +2456,7 @@
               <a:rPr lang="zh-CN" altLang="en-US"/>
               <a:t>三级</a:t>
             </a:r>
+            <a:endParaRPr lang="zh-CN" altLang="en-US"/>
           </a:p>
           <a:p>
             <a:pPr lvl="3"/>
@@ -2719,6 +2464,7 @@
               <a:rPr lang="zh-CN" altLang="en-US"/>
               <a:t>四级</a:t>
             </a:r>
+            <a:endParaRPr lang="zh-CN" altLang="en-US"/>
           </a:p>
           <a:p>
             <a:pPr lvl="4"/>
@@ -2726,18 +2472,13 @@
               <a:rPr lang="zh-CN" altLang="en-US"/>
               <a:t>五级</a:t>
             </a:r>
-          </a:p>
-        </p:txBody>
-      </p:sp>
-      <p:sp>
-        <p:nvSpPr>
-          <p:cNvPr id="5" name="文本占位符 4">
-            <a:extLst>
-              <a:ext uri="{FF2B5EF4-FFF2-40B4-BE49-F238E27FC236}">
-                <a16:creationId xmlns:a16="http://schemas.microsoft.com/office/drawing/2014/main" id="{4A69A6DA-A67B-4811-AA97-20E430640619}"/>
-              </a:ext>
-            </a:extLst>
-          </p:cNvPr>
+            <a:endParaRPr lang="zh-CN" altLang="en-US"/>
+          </a:p>
+        </p:txBody>
+      </p:sp>
+      <p:sp>
+        <p:nvSpPr>
+          <p:cNvPr id="5" name="文本占位符 4"/>
           <p:cNvSpPr>
             <a:spLocks noGrp="1"/>
           </p:cNvSpPr>
@@ -2797,18 +2538,13 @@
               <a:rPr lang="zh-CN" altLang="en-US"/>
               <a:t>单击此处编辑母版文本样式</a:t>
             </a:r>
-          </a:p>
-        </p:txBody>
-      </p:sp>
-      <p:sp>
-        <p:nvSpPr>
-          <p:cNvPr id="6" name="内容占位符 5">
-            <a:extLst>
-              <a:ext uri="{FF2B5EF4-FFF2-40B4-BE49-F238E27FC236}">
-                <a16:creationId xmlns:a16="http://schemas.microsoft.com/office/drawing/2014/main" id="{7851883D-2C70-4967-8BA3-D90ECC3F5DE7}"/>
-              </a:ext>
-            </a:extLst>
-          </p:cNvPr>
+            <a:endParaRPr lang="zh-CN" altLang="en-US"/>
+          </a:p>
+        </p:txBody>
+      </p:sp>
+      <p:sp>
+        <p:nvSpPr>
+          <p:cNvPr id="6" name="内容占位符 5"/>
           <p:cNvSpPr>
             <a:spLocks noGrp="1"/>
           </p:cNvSpPr>
@@ -2831,6 +2567,7 @@
               <a:rPr lang="zh-CN" altLang="en-US"/>
               <a:t>单击此处编辑母版文本样式</a:t>
             </a:r>
+            <a:endParaRPr lang="zh-CN" altLang="en-US"/>
           </a:p>
           <a:p>
             <a:pPr lvl="1"/>
@@ -2838,6 +2575,7 @@
               <a:rPr lang="zh-CN" altLang="en-US"/>
               <a:t>二级</a:t>
             </a:r>
+            <a:endParaRPr lang="zh-CN" altLang="en-US"/>
           </a:p>
           <a:p>
             <a:pPr lvl="2"/>
@@ -2845,6 +2583,7 @@
               <a:rPr lang="zh-CN" altLang="en-US"/>
               <a:t>三级</a:t>
             </a:r>
+            <a:endParaRPr lang="zh-CN" altLang="en-US"/>
           </a:p>
           <a:p>
             <a:pPr lvl="3"/>
@@ -2852,6 +2591,7 @@
               <a:rPr lang="zh-CN" altLang="en-US"/>
               <a:t>四级</a:t>
             </a:r>
+            <a:endParaRPr lang="zh-CN" altLang="en-US"/>
           </a:p>
           <a:p>
             <a:pPr lvl="4"/>
@@ -2859,18 +2599,13 @@
               <a:rPr lang="zh-CN" altLang="en-US"/>
               <a:t>五级</a:t>
             </a:r>
-          </a:p>
-        </p:txBody>
-      </p:sp>
-      <p:sp>
-        <p:nvSpPr>
-          <p:cNvPr id="7" name="日期占位符 6">
-            <a:extLst>
-              <a:ext uri="{FF2B5EF4-FFF2-40B4-BE49-F238E27FC236}">
-                <a16:creationId xmlns:a16="http://schemas.microsoft.com/office/drawing/2014/main" id="{3E8A4683-1894-4568-A74D-24367A25B1ED}"/>
-              </a:ext>
-            </a:extLst>
-          </p:cNvPr>
+            <a:endParaRPr lang="zh-CN" altLang="en-US"/>
+          </a:p>
+        </p:txBody>
+      </p:sp>
+      <p:sp>
+        <p:nvSpPr>
+          <p:cNvPr id="7" name="日期占位符 6"/>
           <p:cNvSpPr>
             <a:spLocks noGrp="1"/>
           </p:cNvSpPr>
@@ -2885,7 +2620,6 @@
           <a:p>
             <a:fld id="{226F86C0-9975-4963-A243-B59C3C355F86}" type="datetime1">
               <a:rPr lang="zh-CN" altLang="en-US" smtClean="0"/>
-              <a:t>2019/9/6</a:t>
             </a:fld>
             <a:endParaRPr lang="zh-CN" altLang="en-US"/>
           </a:p>
@@ -2893,13 +2627,7 @@
       </p:sp>
       <p:sp>
         <p:nvSpPr>
-          <p:cNvPr id="8" name="页脚占位符 7">
-            <a:extLst>
-              <a:ext uri="{FF2B5EF4-FFF2-40B4-BE49-F238E27FC236}">
-                <a16:creationId xmlns:a16="http://schemas.microsoft.com/office/drawing/2014/main" id="{395E66C4-71D6-4768-B741-235EF4A8AC36}"/>
-              </a:ext>
-            </a:extLst>
-          </p:cNvPr>
+          <p:cNvPr id="8" name="页脚占位符 7"/>
           <p:cNvSpPr>
             <a:spLocks noGrp="1"/>
           </p:cNvSpPr>
@@ -2918,13 +2646,7 @@
       </p:sp>
       <p:sp>
         <p:nvSpPr>
-          <p:cNvPr id="9" name="灯片编号占位符 8">
-            <a:extLst>
-              <a:ext uri="{FF2B5EF4-FFF2-40B4-BE49-F238E27FC236}">
-                <a16:creationId xmlns:a16="http://schemas.microsoft.com/office/drawing/2014/main" id="{E8E7DE6E-5D95-459A-8BA2-29014C6FD86E}"/>
-              </a:ext>
-            </a:extLst>
-          </p:cNvPr>
+          <p:cNvPr id="9" name="灯片编号占位符 8"/>
           <p:cNvSpPr>
             <a:spLocks noGrp="1"/>
           </p:cNvSpPr>
@@ -2939,18 +2661,12 @@
           <a:p>
             <a:fld id="{96409989-9577-4FB1-8C63-5461CD5F732E}" type="slidenum">
               <a:rPr lang="zh-CN" altLang="en-US" smtClean="0"/>
-              <a:t>‹#›</a:t>
             </a:fld>
             <a:endParaRPr lang="zh-CN" altLang="en-US"/>
           </a:p>
         </p:txBody>
       </p:sp>
     </p:spTree>
-    <p:extLst>
-      <p:ext uri="{BB962C8B-B14F-4D97-AF65-F5344CB8AC3E}">
-        <p14:creationId xmlns:p14="http://schemas.microsoft.com/office/powerpoint/2010/main" val="1953560870"/>
-      </p:ext>
-    </p:extLst>
   </p:cSld>
   <p:clrMapOvr>
     <a:masterClrMapping/>
@@ -2977,13 +2693,7 @@
       </p:grpSpPr>
       <p:sp>
         <p:nvSpPr>
-          <p:cNvPr id="2" name="标题 1">
-            <a:extLst>
-              <a:ext uri="{FF2B5EF4-FFF2-40B4-BE49-F238E27FC236}">
-                <a16:creationId xmlns:a16="http://schemas.microsoft.com/office/drawing/2014/main" id="{E83EAFBB-EDB2-46FF-8282-8D273223BC4F}"/>
-              </a:ext>
-            </a:extLst>
-          </p:cNvPr>
+          <p:cNvPr id="2" name="标题 1"/>
           <p:cNvSpPr>
             <a:spLocks noGrp="1"/>
           </p:cNvSpPr>
@@ -3000,18 +2710,13 @@
               <a:rPr lang="zh-CN" altLang="en-US"/>
               <a:t>单击此处编辑母版标题样式</a:t>
             </a:r>
-          </a:p>
-        </p:txBody>
-      </p:sp>
-      <p:sp>
-        <p:nvSpPr>
-          <p:cNvPr id="3" name="日期占位符 2">
-            <a:extLst>
-              <a:ext uri="{FF2B5EF4-FFF2-40B4-BE49-F238E27FC236}">
-                <a16:creationId xmlns:a16="http://schemas.microsoft.com/office/drawing/2014/main" id="{A18FFDC2-4A54-437E-9F68-356EE5065B6A}"/>
-              </a:ext>
-            </a:extLst>
-          </p:cNvPr>
+            <a:endParaRPr lang="zh-CN" altLang="en-US"/>
+          </a:p>
+        </p:txBody>
+      </p:sp>
+      <p:sp>
+        <p:nvSpPr>
+          <p:cNvPr id="3" name="日期占位符 2"/>
           <p:cNvSpPr>
             <a:spLocks noGrp="1"/>
           </p:cNvSpPr>
@@ -3026,7 +2731,6 @@
           <a:p>
             <a:fld id="{28B145CF-231A-4C9B-8B98-43E11EB7A1E6}" type="datetime1">
               <a:rPr lang="zh-CN" altLang="en-US" smtClean="0"/>
-              <a:t>2019/9/6</a:t>
             </a:fld>
             <a:endParaRPr lang="zh-CN" altLang="en-US"/>
           </a:p>
@@ -3034,13 +2738,7 @@
       </p:sp>
       <p:sp>
         <p:nvSpPr>
-          <p:cNvPr id="4" name="页脚占位符 3">
-            <a:extLst>
-              <a:ext uri="{FF2B5EF4-FFF2-40B4-BE49-F238E27FC236}">
-                <a16:creationId xmlns:a16="http://schemas.microsoft.com/office/drawing/2014/main" id="{77B8D543-ADC4-44E7-B5E1-8B1872126363}"/>
-              </a:ext>
-            </a:extLst>
-          </p:cNvPr>
+          <p:cNvPr id="4" name="页脚占位符 3"/>
           <p:cNvSpPr>
             <a:spLocks noGrp="1"/>
           </p:cNvSpPr>
@@ -3059,13 +2757,7 @@
       </p:sp>
       <p:sp>
         <p:nvSpPr>
-          <p:cNvPr id="5" name="灯片编号占位符 4">
-            <a:extLst>
-              <a:ext uri="{FF2B5EF4-FFF2-40B4-BE49-F238E27FC236}">
-                <a16:creationId xmlns:a16="http://schemas.microsoft.com/office/drawing/2014/main" id="{DE5D5591-2DB4-418B-9E2A-D70454C7AACA}"/>
-              </a:ext>
-            </a:extLst>
-          </p:cNvPr>
+          <p:cNvPr id="5" name="灯片编号占位符 4"/>
           <p:cNvSpPr>
             <a:spLocks noGrp="1"/>
           </p:cNvSpPr>
@@ -3080,18 +2772,12 @@
           <a:p>
             <a:fld id="{96409989-9577-4FB1-8C63-5461CD5F732E}" type="slidenum">
               <a:rPr lang="zh-CN" altLang="en-US" smtClean="0"/>
-              <a:t>‹#›</a:t>
             </a:fld>
             <a:endParaRPr lang="zh-CN" altLang="en-US"/>
           </a:p>
         </p:txBody>
       </p:sp>
     </p:spTree>
-    <p:extLst>
-      <p:ext uri="{BB962C8B-B14F-4D97-AF65-F5344CB8AC3E}">
-        <p14:creationId xmlns:p14="http://schemas.microsoft.com/office/powerpoint/2010/main" val="3979335647"/>
-      </p:ext>
-    </p:extLst>
   </p:cSld>
   <p:clrMapOvr>
     <a:masterClrMapping/>
@@ -3118,13 +2804,7 @@
       </p:grpSpPr>
       <p:sp>
         <p:nvSpPr>
-          <p:cNvPr id="2" name="日期占位符 1">
-            <a:extLst>
-              <a:ext uri="{FF2B5EF4-FFF2-40B4-BE49-F238E27FC236}">
-                <a16:creationId xmlns:a16="http://schemas.microsoft.com/office/drawing/2014/main" id="{3748FC90-F86C-4A9E-81BC-51950185402F}"/>
-              </a:ext>
-            </a:extLst>
-          </p:cNvPr>
+          <p:cNvPr id="2" name="日期占位符 1"/>
           <p:cNvSpPr>
             <a:spLocks noGrp="1"/>
           </p:cNvSpPr>
@@ -3139,7 +2819,6 @@
           <a:p>
             <a:fld id="{8AB1E560-BEC4-4C7B-BC8D-166C4FC8FC22}" type="datetime1">
               <a:rPr lang="zh-CN" altLang="en-US" smtClean="0"/>
-              <a:t>2019/9/6</a:t>
             </a:fld>
             <a:endParaRPr lang="zh-CN" altLang="en-US"/>
           </a:p>
@@ -3147,13 +2826,7 @@
       </p:sp>
       <p:sp>
         <p:nvSpPr>
-          <p:cNvPr id="3" name="页脚占位符 2">
-            <a:extLst>
-              <a:ext uri="{FF2B5EF4-FFF2-40B4-BE49-F238E27FC236}">
-                <a16:creationId xmlns:a16="http://schemas.microsoft.com/office/drawing/2014/main" id="{8B733AE0-A2CF-4F25-9E75-D0F5FEC969F9}"/>
-              </a:ext>
-            </a:extLst>
-          </p:cNvPr>
+          <p:cNvPr id="3" name="页脚占位符 2"/>
           <p:cNvSpPr>
             <a:spLocks noGrp="1"/>
           </p:cNvSpPr>
@@ -3172,13 +2845,7 @@
       </p:sp>
       <p:sp>
         <p:nvSpPr>
-          <p:cNvPr id="4" name="灯片编号占位符 3">
-            <a:extLst>
-              <a:ext uri="{FF2B5EF4-FFF2-40B4-BE49-F238E27FC236}">
-                <a16:creationId xmlns:a16="http://schemas.microsoft.com/office/drawing/2014/main" id="{46D243C8-29E7-4FBB-96F2-0F61768CAC90}"/>
-              </a:ext>
-            </a:extLst>
-          </p:cNvPr>
+          <p:cNvPr id="4" name="灯片编号占位符 3"/>
           <p:cNvSpPr>
             <a:spLocks noGrp="1"/>
           </p:cNvSpPr>
@@ -3193,18 +2860,12 @@
           <a:p>
             <a:fld id="{96409989-9577-4FB1-8C63-5461CD5F732E}" type="slidenum">
               <a:rPr lang="zh-CN" altLang="en-US" smtClean="0"/>
-              <a:t>‹#›</a:t>
             </a:fld>
             <a:endParaRPr lang="zh-CN" altLang="en-US"/>
           </a:p>
         </p:txBody>
       </p:sp>
     </p:spTree>
-    <p:extLst>
-      <p:ext uri="{BB962C8B-B14F-4D97-AF65-F5344CB8AC3E}">
-        <p14:creationId xmlns:p14="http://schemas.microsoft.com/office/powerpoint/2010/main" val="3629521454"/>
-      </p:ext>
-    </p:extLst>
   </p:cSld>
   <p:clrMapOvr>
     <a:masterClrMapping/>
@@ -3231,13 +2892,7 @@
       </p:grpSpPr>
       <p:sp>
         <p:nvSpPr>
-          <p:cNvPr id="2" name="标题 1">
-            <a:extLst>
-              <a:ext uri="{FF2B5EF4-FFF2-40B4-BE49-F238E27FC236}">
-                <a16:creationId xmlns:a16="http://schemas.microsoft.com/office/drawing/2014/main" id="{173FA2D9-A545-4103-9A1F-EEAA545358ED}"/>
-              </a:ext>
-            </a:extLst>
-          </p:cNvPr>
+          <p:cNvPr id="2" name="标题 1"/>
           <p:cNvSpPr>
             <a:spLocks noGrp="1"/>
           </p:cNvSpPr>
@@ -3263,18 +2918,13 @@
               <a:rPr lang="zh-CN" altLang="en-US"/>
               <a:t>单击此处编辑母版标题样式</a:t>
             </a:r>
-          </a:p>
-        </p:txBody>
-      </p:sp>
-      <p:sp>
-        <p:nvSpPr>
-          <p:cNvPr id="3" name="内容占位符 2">
-            <a:extLst>
-              <a:ext uri="{FF2B5EF4-FFF2-40B4-BE49-F238E27FC236}">
-                <a16:creationId xmlns:a16="http://schemas.microsoft.com/office/drawing/2014/main" id="{6D9CCE92-2725-42B4-A481-5EADCB7934FC}"/>
-              </a:ext>
-            </a:extLst>
-          </p:cNvPr>
+            <a:endParaRPr lang="zh-CN" altLang="en-US"/>
+          </a:p>
+        </p:txBody>
+      </p:sp>
+      <p:sp>
+        <p:nvSpPr>
+          <p:cNvPr id="3" name="内容占位符 2"/>
           <p:cNvSpPr>
             <a:spLocks noGrp="1"/>
           </p:cNvSpPr>
@@ -3325,6 +2975,7 @@
               <a:rPr lang="zh-CN" altLang="en-US"/>
               <a:t>单击此处编辑母版文本样式</a:t>
             </a:r>
+            <a:endParaRPr lang="zh-CN" altLang="en-US"/>
           </a:p>
           <a:p>
             <a:pPr lvl="1"/>
@@ -3332,6 +2983,7 @@
               <a:rPr lang="zh-CN" altLang="en-US"/>
               <a:t>二级</a:t>
             </a:r>
+            <a:endParaRPr lang="zh-CN" altLang="en-US"/>
           </a:p>
           <a:p>
             <a:pPr lvl="2"/>
@@ -3339,6 +2991,7 @@
               <a:rPr lang="zh-CN" altLang="en-US"/>
               <a:t>三级</a:t>
             </a:r>
+            <a:endParaRPr lang="zh-CN" altLang="en-US"/>
           </a:p>
           <a:p>
             <a:pPr lvl="3"/>
@@ -3346,6 +2999,7 @@
               <a:rPr lang="zh-CN" altLang="en-US"/>
               <a:t>四级</a:t>
             </a:r>
+            <a:endParaRPr lang="zh-CN" altLang="en-US"/>
           </a:p>
           <a:p>
             <a:pPr lvl="4"/>
@@ -3353,18 +3007,13 @@
               <a:rPr lang="zh-CN" altLang="en-US"/>
               <a:t>五级</a:t>
             </a:r>
-          </a:p>
-        </p:txBody>
-      </p:sp>
-      <p:sp>
-        <p:nvSpPr>
-          <p:cNvPr id="4" name="文本占位符 3">
-            <a:extLst>
-              <a:ext uri="{FF2B5EF4-FFF2-40B4-BE49-F238E27FC236}">
-                <a16:creationId xmlns:a16="http://schemas.microsoft.com/office/drawing/2014/main" id="{0746DC4F-00E8-4640-B804-B9FC81BA658C}"/>
-              </a:ext>
-            </a:extLst>
-          </p:cNvPr>
+            <a:endParaRPr lang="zh-CN" altLang="en-US"/>
+          </a:p>
+        </p:txBody>
+      </p:sp>
+      <p:sp>
+        <p:nvSpPr>
+          <p:cNvPr id="4" name="文本占位符 3"/>
           <p:cNvSpPr>
             <a:spLocks noGrp="1"/>
           </p:cNvSpPr>
@@ -3424,18 +3073,13 @@
               <a:rPr lang="zh-CN" altLang="en-US"/>
               <a:t>单击此处编辑母版文本样式</a:t>
             </a:r>
-          </a:p>
-        </p:txBody>
-      </p:sp>
-      <p:sp>
-        <p:nvSpPr>
-          <p:cNvPr id="5" name="日期占位符 4">
-            <a:extLst>
-              <a:ext uri="{FF2B5EF4-FFF2-40B4-BE49-F238E27FC236}">
-                <a16:creationId xmlns:a16="http://schemas.microsoft.com/office/drawing/2014/main" id="{935B8E35-C48F-49CD-B922-459247C5B92F}"/>
-              </a:ext>
-            </a:extLst>
-          </p:cNvPr>
+            <a:endParaRPr lang="zh-CN" altLang="en-US"/>
+          </a:p>
+        </p:txBody>
+      </p:sp>
+      <p:sp>
+        <p:nvSpPr>
+          <p:cNvPr id="5" name="日期占位符 4"/>
           <p:cNvSpPr>
             <a:spLocks noGrp="1"/>
           </p:cNvSpPr>
@@ -3450,7 +3094,6 @@
           <a:p>
             <a:fld id="{A7F45A05-2ED1-41ED-9E19-5D643F429CB9}" type="datetime1">
               <a:rPr lang="zh-CN" altLang="en-US" smtClean="0"/>
-              <a:t>2019/9/6</a:t>
             </a:fld>
             <a:endParaRPr lang="zh-CN" altLang="en-US"/>
           </a:p>
@@ -3458,13 +3101,7 @@
       </p:sp>
       <p:sp>
         <p:nvSpPr>
-          <p:cNvPr id="6" name="页脚占位符 5">
-            <a:extLst>
-              <a:ext uri="{FF2B5EF4-FFF2-40B4-BE49-F238E27FC236}">
-                <a16:creationId xmlns:a16="http://schemas.microsoft.com/office/drawing/2014/main" id="{B9571176-11E5-4F38-A27A-6C1A2938AF87}"/>
-              </a:ext>
-            </a:extLst>
-          </p:cNvPr>
+          <p:cNvPr id="6" name="页脚占位符 5"/>
           <p:cNvSpPr>
             <a:spLocks noGrp="1"/>
           </p:cNvSpPr>
@@ -3483,13 +3120,7 @@
       </p:sp>
       <p:sp>
         <p:nvSpPr>
-          <p:cNvPr id="7" name="灯片编号占位符 6">
-            <a:extLst>
-              <a:ext uri="{FF2B5EF4-FFF2-40B4-BE49-F238E27FC236}">
-                <a16:creationId xmlns:a16="http://schemas.microsoft.com/office/drawing/2014/main" id="{49513FD0-5D22-4F69-B454-0547C01854C1}"/>
-              </a:ext>
-            </a:extLst>
-          </p:cNvPr>
+          <p:cNvPr id="7" name="灯片编号占位符 6"/>
           <p:cNvSpPr>
             <a:spLocks noGrp="1"/>
           </p:cNvSpPr>
@@ -3504,18 +3135,12 @@
           <a:p>
             <a:fld id="{96409989-9577-4FB1-8C63-5461CD5F732E}" type="slidenum">
               <a:rPr lang="zh-CN" altLang="en-US" smtClean="0"/>
-              <a:t>‹#›</a:t>
             </a:fld>
             <a:endParaRPr lang="zh-CN" altLang="en-US"/>
           </a:p>
         </p:txBody>
       </p:sp>
     </p:spTree>
-    <p:extLst>
-      <p:ext uri="{BB962C8B-B14F-4D97-AF65-F5344CB8AC3E}">
-        <p14:creationId xmlns:p14="http://schemas.microsoft.com/office/powerpoint/2010/main" val="219405861"/>
-      </p:ext>
-    </p:extLst>
   </p:cSld>
   <p:clrMapOvr>
     <a:masterClrMapping/>
@@ -3542,13 +3167,7 @@
       </p:grpSpPr>
       <p:sp>
         <p:nvSpPr>
-          <p:cNvPr id="2" name="标题 1">
-            <a:extLst>
-              <a:ext uri="{FF2B5EF4-FFF2-40B4-BE49-F238E27FC236}">
-                <a16:creationId xmlns:a16="http://schemas.microsoft.com/office/drawing/2014/main" id="{6A84F41C-1EE4-4FB3-87F6-020A24BA5DE7}"/>
-              </a:ext>
-            </a:extLst>
-          </p:cNvPr>
+          <p:cNvPr id="2" name="标题 1"/>
           <p:cNvSpPr>
             <a:spLocks noGrp="1"/>
           </p:cNvSpPr>
@@ -3574,18 +3193,13 @@
               <a:rPr lang="zh-CN" altLang="en-US"/>
               <a:t>单击此处编辑母版标题样式</a:t>
             </a:r>
-          </a:p>
-        </p:txBody>
-      </p:sp>
-      <p:sp>
-        <p:nvSpPr>
-          <p:cNvPr id="3" name="图片占位符 2">
-            <a:extLst>
-              <a:ext uri="{FF2B5EF4-FFF2-40B4-BE49-F238E27FC236}">
-                <a16:creationId xmlns:a16="http://schemas.microsoft.com/office/drawing/2014/main" id="{F795364C-7021-4679-A94D-E698CB78A33A}"/>
-              </a:ext>
-            </a:extLst>
-          </p:cNvPr>
+            <a:endParaRPr lang="zh-CN" altLang="en-US"/>
+          </a:p>
+        </p:txBody>
+      </p:sp>
+      <p:sp>
+        <p:nvSpPr>
+          <p:cNvPr id="3" name="图片占位符 2"/>
           <p:cNvSpPr>
             <a:spLocks noGrp="1"/>
           </p:cNvSpPr>
@@ -3646,13 +3260,7 @@
       </p:sp>
       <p:sp>
         <p:nvSpPr>
-          <p:cNvPr id="4" name="文本占位符 3">
-            <a:extLst>
-              <a:ext uri="{FF2B5EF4-FFF2-40B4-BE49-F238E27FC236}">
-                <a16:creationId xmlns:a16="http://schemas.microsoft.com/office/drawing/2014/main" id="{5FD5258A-0D3A-4B51-9F74-B1F64BDC073C}"/>
-              </a:ext>
-            </a:extLst>
-          </p:cNvPr>
+          <p:cNvPr id="4" name="文本占位符 3"/>
           <p:cNvSpPr>
             <a:spLocks noGrp="1"/>
           </p:cNvSpPr>
@@ -3712,18 +3320,13 @@
               <a:rPr lang="zh-CN" altLang="en-US"/>
               <a:t>单击此处编辑母版文本样式</a:t>
             </a:r>
-          </a:p>
-        </p:txBody>
-      </p:sp>
-      <p:sp>
-        <p:nvSpPr>
-          <p:cNvPr id="5" name="日期占位符 4">
-            <a:extLst>
-              <a:ext uri="{FF2B5EF4-FFF2-40B4-BE49-F238E27FC236}">
-                <a16:creationId xmlns:a16="http://schemas.microsoft.com/office/drawing/2014/main" id="{6C0B6647-1208-4936-B1A9-F2DB57C4431E}"/>
-              </a:ext>
-            </a:extLst>
-          </p:cNvPr>
+            <a:endParaRPr lang="zh-CN" altLang="en-US"/>
+          </a:p>
+        </p:txBody>
+      </p:sp>
+      <p:sp>
+        <p:nvSpPr>
+          <p:cNvPr id="5" name="日期占位符 4"/>
           <p:cNvSpPr>
             <a:spLocks noGrp="1"/>
           </p:cNvSpPr>
@@ -3738,7 +3341,6 @@
           <a:p>
             <a:fld id="{0C9649FE-962E-4083-8E7D-2451CEFA1D76}" type="datetime1">
               <a:rPr lang="zh-CN" altLang="en-US" smtClean="0"/>
-              <a:t>2019/9/6</a:t>
             </a:fld>
             <a:endParaRPr lang="zh-CN" altLang="en-US"/>
           </a:p>
@@ -3746,13 +3348,7 @@
       </p:sp>
       <p:sp>
         <p:nvSpPr>
-          <p:cNvPr id="6" name="页脚占位符 5">
-            <a:extLst>
-              <a:ext uri="{FF2B5EF4-FFF2-40B4-BE49-F238E27FC236}">
-                <a16:creationId xmlns:a16="http://schemas.microsoft.com/office/drawing/2014/main" id="{DE39597E-1CB0-4216-A3AE-92BE47544B15}"/>
-              </a:ext>
-            </a:extLst>
-          </p:cNvPr>
+          <p:cNvPr id="6" name="页脚占位符 5"/>
           <p:cNvSpPr>
             <a:spLocks noGrp="1"/>
           </p:cNvSpPr>
@@ -3771,13 +3367,7 @@
       </p:sp>
       <p:sp>
         <p:nvSpPr>
-          <p:cNvPr id="7" name="灯片编号占位符 6">
-            <a:extLst>
-              <a:ext uri="{FF2B5EF4-FFF2-40B4-BE49-F238E27FC236}">
-                <a16:creationId xmlns:a16="http://schemas.microsoft.com/office/drawing/2014/main" id="{8DDDC8C5-9426-41EC-BB20-52E4E8C3D4D2}"/>
-              </a:ext>
-            </a:extLst>
-          </p:cNvPr>
+          <p:cNvPr id="7" name="灯片编号占位符 6"/>
           <p:cNvSpPr>
             <a:spLocks noGrp="1"/>
           </p:cNvSpPr>
@@ -3792,18 +3382,12 @@
           <a:p>
             <a:fld id="{96409989-9577-4FB1-8C63-5461CD5F732E}" type="slidenum">
               <a:rPr lang="zh-CN" altLang="en-US" smtClean="0"/>
-              <a:t>‹#›</a:t>
             </a:fld>
             <a:endParaRPr lang="zh-CN" altLang="en-US"/>
           </a:p>
         </p:txBody>
       </p:sp>
     </p:spTree>
-    <p:extLst>
-      <p:ext uri="{BB962C8B-B14F-4D97-AF65-F5344CB8AC3E}">
-        <p14:creationId xmlns:p14="http://schemas.microsoft.com/office/powerpoint/2010/main" val="2159844808"/>
-      </p:ext>
-    </p:extLst>
   </p:cSld>
   <p:clrMapOvr>
     <a:masterClrMapping/>
@@ -3835,13 +3419,7 @@
       </p:grpSpPr>
       <p:sp>
         <p:nvSpPr>
-          <p:cNvPr id="2" name="标题占位符 1">
-            <a:extLst>
-              <a:ext uri="{FF2B5EF4-FFF2-40B4-BE49-F238E27FC236}">
-                <a16:creationId xmlns:a16="http://schemas.microsoft.com/office/drawing/2014/main" id="{40BF0269-46F5-4594-A75C-42C35E92E5F6}"/>
-              </a:ext>
-            </a:extLst>
-          </p:cNvPr>
+          <p:cNvPr id="2" name="标题占位符 1"/>
           <p:cNvSpPr>
             <a:spLocks noGrp="1"/>
           </p:cNvSpPr>
@@ -3868,18 +3446,13 @@
               <a:rPr lang="zh-CN" altLang="en-US"/>
               <a:t>单击此处编辑母版标题样式</a:t>
             </a:r>
-          </a:p>
-        </p:txBody>
-      </p:sp>
-      <p:sp>
-        <p:nvSpPr>
-          <p:cNvPr id="3" name="文本占位符 2">
-            <a:extLst>
-              <a:ext uri="{FF2B5EF4-FFF2-40B4-BE49-F238E27FC236}">
-                <a16:creationId xmlns:a16="http://schemas.microsoft.com/office/drawing/2014/main" id="{E538F52F-4CFC-4A2B-AB02-66B7A974378B}"/>
-              </a:ext>
-            </a:extLst>
-          </p:cNvPr>
+            <a:endParaRPr lang="zh-CN" altLang="en-US"/>
+          </a:p>
+        </p:txBody>
+      </p:sp>
+      <p:sp>
+        <p:nvSpPr>
+          <p:cNvPr id="3" name="文本占位符 2"/>
           <p:cNvSpPr>
             <a:spLocks noGrp="1"/>
           </p:cNvSpPr>
@@ -3907,6 +3480,7 @@
               <a:rPr lang="zh-CN" altLang="en-US"/>
               <a:t>单击此处编辑母版文本样式</a:t>
             </a:r>
+            <a:endParaRPr lang="zh-CN" altLang="en-US"/>
           </a:p>
           <a:p>
             <a:pPr lvl="1"/>
@@ -3914,6 +3488,7 @@
               <a:rPr lang="zh-CN" altLang="en-US"/>
               <a:t>二级</a:t>
             </a:r>
+            <a:endParaRPr lang="zh-CN" altLang="en-US"/>
           </a:p>
           <a:p>
             <a:pPr lvl="2"/>
@@ -3921,6 +3496,7 @@
               <a:rPr lang="zh-CN" altLang="en-US"/>
               <a:t>三级</a:t>
             </a:r>
+            <a:endParaRPr lang="zh-CN" altLang="en-US"/>
           </a:p>
           <a:p>
             <a:pPr lvl="3"/>
@@ -3928,6 +3504,7 @@
               <a:rPr lang="zh-CN" altLang="en-US"/>
               <a:t>四级</a:t>
             </a:r>
+            <a:endParaRPr lang="zh-CN" altLang="en-US"/>
           </a:p>
           <a:p>
             <a:pPr lvl="4"/>
@@ -3935,18 +3512,13 @@
               <a:rPr lang="zh-CN" altLang="en-US"/>
               <a:t>五级</a:t>
             </a:r>
-          </a:p>
-        </p:txBody>
-      </p:sp>
-      <p:sp>
-        <p:nvSpPr>
-          <p:cNvPr id="4" name="日期占位符 3">
-            <a:extLst>
-              <a:ext uri="{FF2B5EF4-FFF2-40B4-BE49-F238E27FC236}">
-                <a16:creationId xmlns:a16="http://schemas.microsoft.com/office/drawing/2014/main" id="{6C3A696A-4CA8-4637-BED9-F1C4E39B8EF3}"/>
-              </a:ext>
-            </a:extLst>
-          </p:cNvPr>
+            <a:endParaRPr lang="zh-CN" altLang="en-US"/>
+          </a:p>
+        </p:txBody>
+      </p:sp>
+      <p:sp>
+        <p:nvSpPr>
+          <p:cNvPr id="4" name="日期占位符 3"/>
           <p:cNvSpPr>
             <a:spLocks noGrp="1"/>
           </p:cNvSpPr>
@@ -3979,7 +3551,6 @@
           <a:p>
             <a:fld id="{6CF377BB-E323-4444-9A7B-BBA70BF5657C}" type="datetime1">
               <a:rPr lang="zh-CN" altLang="en-US" smtClean="0"/>
-              <a:t>2019/9/6</a:t>
             </a:fld>
             <a:endParaRPr lang="zh-CN" altLang="en-US"/>
           </a:p>
@@ -3987,13 +3558,7 @@
       </p:sp>
       <p:sp>
         <p:nvSpPr>
-          <p:cNvPr id="5" name="页脚占位符 4">
-            <a:extLst>
-              <a:ext uri="{FF2B5EF4-FFF2-40B4-BE49-F238E27FC236}">
-                <a16:creationId xmlns:a16="http://schemas.microsoft.com/office/drawing/2014/main" id="{8DF36119-9E48-4B5E-80C7-AD1B392B6BFB}"/>
-              </a:ext>
-            </a:extLst>
-          </p:cNvPr>
+          <p:cNvPr id="5" name="页脚占位符 4"/>
           <p:cNvSpPr>
             <a:spLocks noGrp="1"/>
           </p:cNvSpPr>
@@ -4030,13 +3595,7 @@
       </p:sp>
       <p:sp>
         <p:nvSpPr>
-          <p:cNvPr id="6" name="灯片编号占位符 5">
-            <a:extLst>
-              <a:ext uri="{FF2B5EF4-FFF2-40B4-BE49-F238E27FC236}">
-                <a16:creationId xmlns:a16="http://schemas.microsoft.com/office/drawing/2014/main" id="{490A0230-DD4E-477C-A082-BCDB812D56D4}"/>
-              </a:ext>
-            </a:extLst>
-          </p:cNvPr>
+          <p:cNvPr id="6" name="灯片编号占位符 5"/>
           <p:cNvSpPr>
             <a:spLocks noGrp="1"/>
           </p:cNvSpPr>
@@ -4069,18 +3628,12 @@
           <a:p>
             <a:fld id="{96409989-9577-4FB1-8C63-5461CD5F732E}" type="slidenum">
               <a:rPr lang="zh-CN" altLang="en-US" smtClean="0"/>
-              <a:t>‹#›</a:t>
             </a:fld>
             <a:endParaRPr lang="zh-CN" altLang="en-US"/>
           </a:p>
         </p:txBody>
       </p:sp>
     </p:spTree>
-    <p:extLst>
-      <p:ext uri="{BB962C8B-B14F-4D97-AF65-F5344CB8AC3E}">
-        <p14:creationId xmlns:p14="http://schemas.microsoft.com/office/powerpoint/2010/main" val="241292626"/>
-      </p:ext>
-    </p:extLst>
   </p:cSld>
   <p:clrMap bg1="lt1" tx1="dk1" bg2="lt2" tx2="dk2" accent1="accent1" accent2="accent2" accent3="accent3" accent4="accent4" accent5="accent5" accent6="accent6" hlink="hlink" folHlink="folHlink"/>
   <p:sldLayoutIdLst>
@@ -4399,13 +3952,7 @@
       </p:grpSpPr>
       <p:sp>
         <p:nvSpPr>
-          <p:cNvPr id="2" name="标题 1">
-            <a:extLst>
-              <a:ext uri="{FF2B5EF4-FFF2-40B4-BE49-F238E27FC236}">
-                <a16:creationId xmlns:a16="http://schemas.microsoft.com/office/drawing/2014/main" id="{E1DDDD59-FD64-4292-B993-5559EC7FC7DC}"/>
-              </a:ext>
-            </a:extLst>
-          </p:cNvPr>
+          <p:cNvPr id="2" name="标题 1"/>
           <p:cNvSpPr>
             <a:spLocks noGrp="1"/>
           </p:cNvSpPr>
@@ -4428,13 +3975,7 @@
       </p:sp>
       <p:sp>
         <p:nvSpPr>
-          <p:cNvPr id="3" name="内容占位符 2">
-            <a:extLst>
-              <a:ext uri="{FF2B5EF4-FFF2-40B4-BE49-F238E27FC236}">
-                <a16:creationId xmlns:a16="http://schemas.microsoft.com/office/drawing/2014/main" id="{CA482484-6CC2-4E61-B86C-3262C8ABC798}"/>
-              </a:ext>
-            </a:extLst>
-          </p:cNvPr>
+          <p:cNvPr id="3" name="内容占位符 2"/>
           <p:cNvSpPr>
             <a:spLocks noGrp="1"/>
           </p:cNvSpPr>
@@ -4451,42 +3992,49 @@
               <a:rPr lang="en-US" altLang="zh-CN" dirty="0"/>
               <a:t>LDA for user recommendation</a:t>
             </a:r>
+            <a:endParaRPr lang="en-US" altLang="zh-CN" dirty="0"/>
           </a:p>
           <a:p>
             <a:r>
               <a:rPr lang="en-US" altLang="zh-CN" dirty="0"/>
               <a:t>Social-LDA</a:t>
             </a:r>
+            <a:endParaRPr lang="en-US" altLang="zh-CN" dirty="0"/>
           </a:p>
           <a:p>
             <a:r>
               <a:rPr lang="en-US" altLang="zh-CN" dirty="0"/>
               <a:t>UIS-LDA</a:t>
             </a:r>
+            <a:endParaRPr lang="en-US" altLang="zh-CN" dirty="0"/>
           </a:p>
           <a:p>
             <a:r>
               <a:rPr lang="en-US" altLang="zh-CN" dirty="0"/>
               <a:t>MF</a:t>
             </a:r>
+            <a:endParaRPr lang="en-US" altLang="zh-CN" dirty="0"/>
           </a:p>
           <a:p>
             <a:r>
               <a:rPr lang="en-US" altLang="zh-CN" dirty="0"/>
               <a:t>IF-MF</a:t>
             </a:r>
+            <a:endParaRPr lang="en-US" altLang="zh-CN" dirty="0"/>
           </a:p>
           <a:p>
             <a:r>
               <a:rPr lang="en-US" altLang="zh-CN" dirty="0"/>
               <a:t>CB-MF</a:t>
             </a:r>
+            <a:endParaRPr lang="en-US" altLang="zh-CN" dirty="0"/>
           </a:p>
           <a:p>
             <a:r>
               <a:rPr lang="en-US" altLang="zh-CN" dirty="0"/>
               <a:t>UIS-MF</a:t>
             </a:r>
+            <a:endParaRPr lang="en-US" altLang="zh-CN" dirty="0"/>
           </a:p>
           <a:p>
             <a:endParaRPr lang="zh-CN" altLang="en-US" dirty="0"/>
@@ -4495,13 +4043,7 @@
       </p:sp>
       <p:sp>
         <p:nvSpPr>
-          <p:cNvPr id="4" name="内容占位符 3">
-            <a:extLst>
-              <a:ext uri="{FF2B5EF4-FFF2-40B4-BE49-F238E27FC236}">
-                <a16:creationId xmlns:a16="http://schemas.microsoft.com/office/drawing/2014/main" id="{153B32ED-766F-4488-99BE-8BD37CB9B69F}"/>
-              </a:ext>
-            </a:extLst>
-          </p:cNvPr>
+          <p:cNvPr id="4" name="内容占位符 3"/>
           <p:cNvSpPr>
             <a:spLocks noGrp="1"/>
           </p:cNvSpPr>
@@ -4522,42 +4064,49 @@
               <a:rPr lang="en-US" altLang="zh-CN" dirty="0"/>
               <a:t>-MF</a:t>
             </a:r>
+            <a:endParaRPr lang="en-US" altLang="zh-CN" dirty="0"/>
           </a:p>
           <a:p>
             <a:r>
               <a:rPr lang="en-US" altLang="zh-CN" dirty="0"/>
               <a:t>BPR-OPT</a:t>
             </a:r>
+            <a:endParaRPr lang="en-US" altLang="zh-CN" dirty="0"/>
           </a:p>
           <a:p>
             <a:r>
               <a:rPr lang="en-US" altLang="zh-CN" dirty="0"/>
               <a:t>BPR-MF</a:t>
             </a:r>
+            <a:endParaRPr lang="en-US" altLang="zh-CN" dirty="0"/>
           </a:p>
           <a:p>
             <a:r>
               <a:rPr lang="en-US" altLang="zh-CN" dirty="0"/>
               <a:t>SBPR</a:t>
             </a:r>
+            <a:endParaRPr lang="en-US" altLang="zh-CN" dirty="0"/>
           </a:p>
           <a:p>
             <a:r>
               <a:rPr lang="en-US" altLang="zh-CN" dirty="0"/>
               <a:t>BPRDR</a:t>
             </a:r>
+            <a:endParaRPr lang="en-US" altLang="zh-CN" dirty="0"/>
           </a:p>
           <a:p>
             <a:r>
               <a:rPr lang="en-US" altLang="zh-CN" dirty="0"/>
               <a:t>TNBPR</a:t>
             </a:r>
+            <a:endParaRPr lang="en-US" altLang="zh-CN" dirty="0"/>
           </a:p>
           <a:p>
             <a:r>
               <a:rPr lang="en-US" altLang="zh-CN" dirty="0"/>
               <a:t>SLIM</a:t>
             </a:r>
+            <a:endParaRPr lang="en-US" altLang="zh-CN" dirty="0"/>
           </a:p>
           <a:p>
             <a:endParaRPr lang="zh-CN" altLang="en-US" dirty="0"/>
@@ -4566,13 +4115,7 @@
       </p:sp>
       <p:sp>
         <p:nvSpPr>
-          <p:cNvPr id="5" name="灯片编号占位符 4">
-            <a:extLst>
-              <a:ext uri="{FF2B5EF4-FFF2-40B4-BE49-F238E27FC236}">
-                <a16:creationId xmlns:a16="http://schemas.microsoft.com/office/drawing/2014/main" id="{F67FD2DD-9A4B-4ECB-9683-84A992D22C5C}"/>
-              </a:ext>
-            </a:extLst>
-          </p:cNvPr>
+          <p:cNvPr id="5" name="灯片编号占位符 4"/>
           <p:cNvSpPr>
             <a:spLocks noGrp="1"/>
           </p:cNvSpPr>
@@ -4587,18 +4130,12 @@
           <a:p>
             <a:fld id="{96409989-9577-4FB1-8C63-5461CD5F732E}" type="slidenum">
               <a:rPr lang="zh-CN" altLang="en-US" smtClean="0"/>
-              <a:t>1</a:t>
             </a:fld>
             <a:endParaRPr lang="zh-CN" altLang="en-US"/>
           </a:p>
         </p:txBody>
       </p:sp>
     </p:spTree>
-    <p:extLst>
-      <p:ext uri="{BB962C8B-B14F-4D97-AF65-F5344CB8AC3E}">
-        <p14:creationId xmlns:p14="http://schemas.microsoft.com/office/powerpoint/2010/main" val="2721334090"/>
-      </p:ext>
-    </p:extLst>
   </p:cSld>
   <p:clrMapOvr>
     <a:masterClrMapping/>
@@ -4625,13 +4162,7 @@
       </p:grpSpPr>
       <p:sp>
         <p:nvSpPr>
-          <p:cNvPr id="2" name="标题 1">
-            <a:extLst>
-              <a:ext uri="{FF2B5EF4-FFF2-40B4-BE49-F238E27FC236}">
-                <a16:creationId xmlns:a16="http://schemas.microsoft.com/office/drawing/2014/main" id="{755534EA-F6A8-45E4-AB92-247A1E44157C}"/>
-              </a:ext>
-            </a:extLst>
-          </p:cNvPr>
+          <p:cNvPr id="2" name="标题 1"/>
           <p:cNvSpPr>
             <a:spLocks noGrp="1"/>
           </p:cNvSpPr>
@@ -4654,13 +4185,7 @@
       </p:sp>
       <p:sp>
         <p:nvSpPr>
-          <p:cNvPr id="3" name="内容占位符 2">
-            <a:extLst>
-              <a:ext uri="{FF2B5EF4-FFF2-40B4-BE49-F238E27FC236}">
-                <a16:creationId xmlns:a16="http://schemas.microsoft.com/office/drawing/2014/main" id="{B5154438-4E99-432E-8BA7-41746C5EB70F}"/>
-              </a:ext>
-            </a:extLst>
-          </p:cNvPr>
+          <p:cNvPr id="3" name="内容占位符 2"/>
           <p:cNvSpPr>
             <a:spLocks noGrp="1"/>
           </p:cNvSpPr>
@@ -4681,6 +4206,7 @@
               <a:rPr lang="en-US" altLang="zh-CN" dirty="0"/>
               <a:t>: Existing methods are designed for the item prediction task of personalized ranking, none of them is directly optimized for ranking.</a:t>
             </a:r>
+            <a:endParaRPr lang="en-US" altLang="zh-CN" dirty="0"/>
           </a:p>
           <a:p>
             <a:pPr marL="0" indent="0">
@@ -4703,13 +4229,7 @@
       </p:sp>
       <p:sp>
         <p:nvSpPr>
-          <p:cNvPr id="4" name="灯片编号占位符 3">
-            <a:extLst>
-              <a:ext uri="{FF2B5EF4-FFF2-40B4-BE49-F238E27FC236}">
-                <a16:creationId xmlns:a16="http://schemas.microsoft.com/office/drawing/2014/main" id="{7DBA55B4-D77A-4D3A-ACEE-0A9AED1EE042}"/>
-              </a:ext>
-            </a:extLst>
-          </p:cNvPr>
+          <p:cNvPr id="4" name="灯片编号占位符 3"/>
           <p:cNvSpPr>
             <a:spLocks noGrp="1"/>
           </p:cNvSpPr>
@@ -4724,7 +4244,6 @@
           <a:p>
             <a:fld id="{96409989-9577-4FB1-8C63-5461CD5F732E}" type="slidenum">
               <a:rPr lang="zh-CN" altLang="en-US" smtClean="0"/>
-              <a:t>10</a:t>
             </a:fld>
             <a:endParaRPr lang="zh-CN" altLang="en-US" dirty="0"/>
           </a:p>
@@ -4732,13 +4251,7 @@
       </p:sp>
       <p:sp>
         <p:nvSpPr>
-          <p:cNvPr id="5" name="页脚占位符 4">
-            <a:extLst>
-              <a:ext uri="{FF2B5EF4-FFF2-40B4-BE49-F238E27FC236}">
-                <a16:creationId xmlns:a16="http://schemas.microsoft.com/office/drawing/2014/main" id="{34409968-FC39-48CC-8F65-F97056B4BEC2}"/>
-              </a:ext>
-            </a:extLst>
-          </p:cNvPr>
+          <p:cNvPr id="5" name="页脚占位符 4"/>
           <p:cNvSpPr>
             <a:spLocks noGrp="1"/>
           </p:cNvSpPr>
@@ -4781,20 +4294,14 @@
       </p:sp>
       <p:pic>
         <p:nvPicPr>
-          <p:cNvPr id="9" name="图片 8">
-            <a:extLst>
-              <a:ext uri="{FF2B5EF4-FFF2-40B4-BE49-F238E27FC236}">
-                <a16:creationId xmlns:a16="http://schemas.microsoft.com/office/drawing/2014/main" id="{1469F057-9641-41C3-A18E-0297190D775E}"/>
-              </a:ext>
-            </a:extLst>
-          </p:cNvPr>
+          <p:cNvPr id="9" name="图片 8"/>
           <p:cNvPicPr>
             <a:picLocks noChangeAspect="1"/>
           </p:cNvPicPr>
           <p:nvPr/>
         </p:nvPicPr>
         <p:blipFill>
-          <a:blip r:embed="rId2"/>
+          <a:blip r:embed="rId1"/>
           <a:stretch>
             <a:fillRect/>
           </a:stretch>
@@ -4811,20 +4318,14 @@
       </p:pic>
       <p:pic>
         <p:nvPicPr>
-          <p:cNvPr id="10" name="图片 9">
-            <a:extLst>
-              <a:ext uri="{FF2B5EF4-FFF2-40B4-BE49-F238E27FC236}">
-                <a16:creationId xmlns:a16="http://schemas.microsoft.com/office/drawing/2014/main" id="{E963B258-7E2B-427C-9625-B9A77FF8D333}"/>
-              </a:ext>
-            </a:extLst>
-          </p:cNvPr>
+          <p:cNvPr id="10" name="图片 9"/>
           <p:cNvPicPr>
             <a:picLocks noChangeAspect="1"/>
           </p:cNvPicPr>
           <p:nvPr/>
         </p:nvPicPr>
         <p:blipFill>
-          <a:blip r:embed="rId3"/>
+          <a:blip r:embed="rId2"/>
           <a:stretch>
             <a:fillRect/>
           </a:stretch>
@@ -4840,20 +4341,15 @@
         </p:spPr>
       </p:pic>
     </p:spTree>
-    <p:extLst>
-      <p:ext uri="{BB962C8B-B14F-4D97-AF65-F5344CB8AC3E}">
-        <p14:creationId xmlns:p14="http://schemas.microsoft.com/office/powerpoint/2010/main" val="1587928885"/>
-      </p:ext>
-    </p:extLst>
   </p:cSld>
   <p:clrMapOvr>
     <a:masterClrMapping/>
   </p:clrMapOvr>
-  <mc:AlternateContent xmlns:mc="http://schemas.openxmlformats.org/markup-compatibility/2006" xmlns:p14="http://schemas.microsoft.com/office/powerpoint/2010/main">
-    <mc:Choice Requires="p14">
+  <mc:AlternateContent xmlns:mc="http://schemas.openxmlformats.org/markup-compatibility/2006">
+    <mc:Choice xmlns:p14="http://schemas.microsoft.com/office/powerpoint/2010/main" Requires="p14">
       <p:transition spd="slow" p14:dur="2000" advTm="301"/>
     </mc:Choice>
-    <mc:Fallback xmlns="">
+    <mc:Fallback>
       <p:transition spd="slow" advTm="301"/>
     </mc:Fallback>
   </mc:AlternateContent>
@@ -4879,13 +4375,7 @@
       </p:grpSpPr>
       <p:sp>
         <p:nvSpPr>
-          <p:cNvPr id="2" name="标题 1">
-            <a:extLst>
-              <a:ext uri="{FF2B5EF4-FFF2-40B4-BE49-F238E27FC236}">
-                <a16:creationId xmlns:a16="http://schemas.microsoft.com/office/drawing/2014/main" id="{755534EA-F6A8-45E4-AB92-247A1E44157C}"/>
-              </a:ext>
-            </a:extLst>
-          </p:cNvPr>
+          <p:cNvPr id="2" name="标题 1"/>
           <p:cNvSpPr>
             <a:spLocks noGrp="1"/>
           </p:cNvSpPr>
@@ -4908,13 +4398,7 @@
       </p:sp>
       <p:sp>
         <p:nvSpPr>
-          <p:cNvPr id="3" name="内容占位符 2">
-            <a:extLst>
-              <a:ext uri="{FF2B5EF4-FFF2-40B4-BE49-F238E27FC236}">
-                <a16:creationId xmlns:a16="http://schemas.microsoft.com/office/drawing/2014/main" id="{B5154438-4E99-432E-8BA7-41746C5EB70F}"/>
-              </a:ext>
-            </a:extLst>
-          </p:cNvPr>
+          <p:cNvPr id="3" name="内容占位符 2"/>
           <p:cNvSpPr>
             <a:spLocks noGrp="1"/>
           </p:cNvSpPr>
@@ -4941,13 +4425,7 @@
       </p:sp>
       <p:sp>
         <p:nvSpPr>
-          <p:cNvPr id="4" name="灯片编号占位符 3">
-            <a:extLst>
-              <a:ext uri="{FF2B5EF4-FFF2-40B4-BE49-F238E27FC236}">
-                <a16:creationId xmlns:a16="http://schemas.microsoft.com/office/drawing/2014/main" id="{7DBA55B4-D77A-4D3A-ACEE-0A9AED1EE042}"/>
-              </a:ext>
-            </a:extLst>
-          </p:cNvPr>
+          <p:cNvPr id="4" name="灯片编号占位符 3"/>
           <p:cNvSpPr>
             <a:spLocks noGrp="1"/>
           </p:cNvSpPr>
@@ -4962,7 +4440,6 @@
           <a:p>
             <a:fld id="{96409989-9577-4FB1-8C63-5461CD5F732E}" type="slidenum">
               <a:rPr lang="zh-CN" altLang="en-US" smtClean="0"/>
-              <a:t>11</a:t>
             </a:fld>
             <a:endParaRPr lang="zh-CN" altLang="en-US" dirty="0"/>
           </a:p>
@@ -4970,13 +4447,7 @@
       </p:sp>
       <p:sp>
         <p:nvSpPr>
-          <p:cNvPr id="5" name="页脚占位符 4">
-            <a:extLst>
-              <a:ext uri="{FF2B5EF4-FFF2-40B4-BE49-F238E27FC236}">
-                <a16:creationId xmlns:a16="http://schemas.microsoft.com/office/drawing/2014/main" id="{34409968-FC39-48CC-8F65-F97056B4BEC2}"/>
-              </a:ext>
-            </a:extLst>
-          </p:cNvPr>
+          <p:cNvPr id="5" name="页脚占位符 4"/>
           <p:cNvSpPr>
             <a:spLocks noGrp="1"/>
           </p:cNvSpPr>
@@ -5019,20 +4490,14 @@
       </p:sp>
       <p:pic>
         <p:nvPicPr>
-          <p:cNvPr id="9" name="图片 8">
-            <a:extLst>
-              <a:ext uri="{FF2B5EF4-FFF2-40B4-BE49-F238E27FC236}">
-                <a16:creationId xmlns:a16="http://schemas.microsoft.com/office/drawing/2014/main" id="{1469F057-9641-41C3-A18E-0297190D775E}"/>
-              </a:ext>
-            </a:extLst>
-          </p:cNvPr>
+          <p:cNvPr id="9" name="图片 8"/>
           <p:cNvPicPr>
             <a:picLocks noChangeAspect="1"/>
           </p:cNvPicPr>
           <p:nvPr/>
         </p:nvPicPr>
         <p:blipFill>
-          <a:blip r:embed="rId2"/>
+          <a:blip r:embed="rId1"/>
           <a:stretch>
             <a:fillRect/>
           </a:stretch>
@@ -5049,20 +4514,14 @@
       </p:pic>
       <p:pic>
         <p:nvPicPr>
-          <p:cNvPr id="10" name="图片 9">
-            <a:extLst>
-              <a:ext uri="{FF2B5EF4-FFF2-40B4-BE49-F238E27FC236}">
-                <a16:creationId xmlns:a16="http://schemas.microsoft.com/office/drawing/2014/main" id="{E963B258-7E2B-427C-9625-B9A77FF8D333}"/>
-              </a:ext>
-            </a:extLst>
-          </p:cNvPr>
+          <p:cNvPr id="10" name="图片 9"/>
           <p:cNvPicPr>
             <a:picLocks noChangeAspect="1"/>
           </p:cNvPicPr>
           <p:nvPr/>
         </p:nvPicPr>
         <p:blipFill>
-          <a:blip r:embed="rId3"/>
+          <a:blip r:embed="rId2"/>
           <a:stretch>
             <a:fillRect/>
           </a:stretch>
@@ -5079,20 +4538,14 @@
       </p:pic>
       <p:pic>
         <p:nvPicPr>
-          <p:cNvPr id="11" name="图片 10">
-            <a:extLst>
-              <a:ext uri="{FF2B5EF4-FFF2-40B4-BE49-F238E27FC236}">
-                <a16:creationId xmlns:a16="http://schemas.microsoft.com/office/drawing/2014/main" id="{B88BC909-4F15-4118-B5A9-80E072837134}"/>
-              </a:ext>
-            </a:extLst>
-          </p:cNvPr>
+          <p:cNvPr id="11" name="图片 10"/>
           <p:cNvPicPr>
             <a:picLocks noChangeAspect="1"/>
           </p:cNvPicPr>
           <p:nvPr/>
         </p:nvPicPr>
         <p:blipFill>
-          <a:blip r:embed="rId4"/>
+          <a:blip r:embed="rId3"/>
           <a:stretch>
             <a:fillRect/>
           </a:stretch>
@@ -5109,20 +4562,14 @@
       </p:pic>
       <p:pic>
         <p:nvPicPr>
-          <p:cNvPr id="12" name="图片 11">
-            <a:extLst>
-              <a:ext uri="{FF2B5EF4-FFF2-40B4-BE49-F238E27FC236}">
-                <a16:creationId xmlns:a16="http://schemas.microsoft.com/office/drawing/2014/main" id="{58B9CEAA-3D14-4C99-ABE7-306728A47588}"/>
-              </a:ext>
-            </a:extLst>
-          </p:cNvPr>
+          <p:cNvPr id="12" name="图片 11"/>
           <p:cNvPicPr>
             <a:picLocks noChangeAspect="1"/>
           </p:cNvPicPr>
           <p:nvPr/>
         </p:nvPicPr>
         <p:blipFill>
-          <a:blip r:embed="rId5"/>
+          <a:blip r:embed="rId4"/>
           <a:stretch>
             <a:fillRect/>
           </a:stretch>
@@ -5139,20 +4586,14 @@
       </p:pic>
       <p:pic>
         <p:nvPicPr>
-          <p:cNvPr id="13" name="图片 12">
-            <a:extLst>
-              <a:ext uri="{FF2B5EF4-FFF2-40B4-BE49-F238E27FC236}">
-                <a16:creationId xmlns:a16="http://schemas.microsoft.com/office/drawing/2014/main" id="{A0F5E23A-CCC7-4AA5-B77A-CDE4B97F7FCC}"/>
-              </a:ext>
-            </a:extLst>
-          </p:cNvPr>
+          <p:cNvPr id="13" name="图片 12"/>
           <p:cNvPicPr>
             <a:picLocks noChangeAspect="1"/>
           </p:cNvPicPr>
           <p:nvPr/>
         </p:nvPicPr>
         <p:blipFill>
-          <a:blip r:embed="rId6"/>
+          <a:blip r:embed="rId5"/>
           <a:stretch>
             <a:fillRect/>
           </a:stretch>
@@ -5169,20 +4610,14 @@
       </p:pic>
       <p:pic>
         <p:nvPicPr>
-          <p:cNvPr id="6" name="图片 5">
-            <a:extLst>
-              <a:ext uri="{FF2B5EF4-FFF2-40B4-BE49-F238E27FC236}">
-                <a16:creationId xmlns:a16="http://schemas.microsoft.com/office/drawing/2014/main" id="{5FD5EBD6-E52B-4B99-977D-9EE64899D5CE}"/>
-              </a:ext>
-            </a:extLst>
-          </p:cNvPr>
+          <p:cNvPr id="6" name="图片 5"/>
           <p:cNvPicPr>
             <a:picLocks noChangeAspect="1"/>
           </p:cNvPicPr>
           <p:nvPr/>
         </p:nvPicPr>
         <p:blipFill>
-          <a:blip r:embed="rId7"/>
+          <a:blip r:embed="rId6"/>
           <a:stretch>
             <a:fillRect/>
           </a:stretch>
@@ -5198,20 +4633,15 @@
         </p:spPr>
       </p:pic>
     </p:spTree>
-    <p:extLst>
-      <p:ext uri="{BB962C8B-B14F-4D97-AF65-F5344CB8AC3E}">
-        <p14:creationId xmlns:p14="http://schemas.microsoft.com/office/powerpoint/2010/main" val="1002372268"/>
-      </p:ext>
-    </p:extLst>
   </p:cSld>
   <p:clrMapOvr>
     <a:masterClrMapping/>
   </p:clrMapOvr>
-  <mc:AlternateContent xmlns:mc="http://schemas.openxmlformats.org/markup-compatibility/2006" xmlns:p14="http://schemas.microsoft.com/office/powerpoint/2010/main">
-    <mc:Choice Requires="p14">
+  <mc:AlternateContent xmlns:mc="http://schemas.openxmlformats.org/markup-compatibility/2006">
+    <mc:Choice xmlns:p14="http://schemas.microsoft.com/office/powerpoint/2010/main" Requires="p14">
       <p:transition spd="slow" p14:dur="2000" advTm="468"/>
     </mc:Choice>
-    <mc:Fallback xmlns="">
+    <mc:Fallback>
       <p:transition spd="slow" advTm="468"/>
     </mc:Fallback>
   </mc:AlternateContent>
@@ -5237,13 +4667,7 @@
       </p:grpSpPr>
       <p:sp>
         <p:nvSpPr>
-          <p:cNvPr id="2" name="标题 1">
-            <a:extLst>
-              <a:ext uri="{FF2B5EF4-FFF2-40B4-BE49-F238E27FC236}">
-                <a16:creationId xmlns:a16="http://schemas.microsoft.com/office/drawing/2014/main" id="{755534EA-F6A8-45E4-AB92-247A1E44157C}"/>
-              </a:ext>
-            </a:extLst>
-          </p:cNvPr>
+          <p:cNvPr id="2" name="标题 1"/>
           <p:cNvSpPr>
             <a:spLocks noGrp="1"/>
           </p:cNvSpPr>
@@ -5264,17 +4688,11 @@
           </a:p>
         </p:txBody>
       </p:sp>
-      <mc:AlternateContent xmlns:mc="http://schemas.openxmlformats.org/markup-compatibility/2006" xmlns:a14="http://schemas.microsoft.com/office/drawing/2010/main">
-        <mc:Choice Requires="a14">
+      <mc:AlternateContent xmlns:mc="http://schemas.openxmlformats.org/markup-compatibility/2006">
+        <mc:Choice xmlns:a14="http://schemas.microsoft.com/office/drawing/2010/main" Requires="a14">
           <p:sp>
             <p:nvSpPr>
-              <p:cNvPr id="3" name="内容占位符 2">
-                <a:extLst>
-                  <a:ext uri="{FF2B5EF4-FFF2-40B4-BE49-F238E27FC236}">
-                    <a16:creationId xmlns:a16="http://schemas.microsoft.com/office/drawing/2014/main" id="{B5154438-4E99-432E-8BA7-41746C5EB70F}"/>
-                  </a:ext>
-                </a:extLst>
-              </p:cNvPr>
+              <p:cNvPr id="3" name="内容占位符 2"/>
               <p:cNvSpPr>
                 <a:spLocks noGrp="1"/>
               </p:cNvSpPr>
@@ -5298,6 +4716,7 @@
                   <a:rPr lang="en-US" altLang="zh-CN" dirty="0"/>
                   <a:t>: users tend to assign higher ranks to items that their friends prefer. Most of existing work focus on user’s positive feedback and negative feedback, but ignores the influence of user’s social connections.</a:t>
                 </a:r>
+                <a:endParaRPr lang="en-US" altLang="zh-CN" dirty="0"/>
               </a:p>
               <a:p>
                 <a:pPr marL="0" indent="0" algn="just">
@@ -5314,6 +4733,7 @@
                   <a:rPr lang="en-US" altLang="zh-CN" dirty="0"/>
                   <a:t>:</a:t>
                 </a:r>
+                <a:endParaRPr lang="en-US" altLang="zh-CN" dirty="0"/>
               </a:p>
               <a:p>
                 <a:pPr lvl="1"/>
@@ -5321,6 +4741,7 @@
                   <a:rPr lang="en-US" altLang="zh-CN" dirty="0"/>
                   <a:t>Our model assumption regarding positive, social, and negative feedback</a:t>
                 </a:r>
+                <a:endParaRPr lang="en-US" altLang="zh-CN" dirty="0"/>
               </a:p>
               <a:p>
                 <a:pPr lvl="2" algn="just"/>
@@ -5336,6 +4757,7 @@
                   <a:rPr lang="en-US" altLang="zh-CN" dirty="0"/>
                   <a:t> to negative item j;</a:t>
                 </a:r>
+                <a:endParaRPr lang="en-US" altLang="zh-CN" dirty="0"/>
               </a:p>
               <a:p>
                 <a:pPr lvl="2" algn="just"/>
@@ -5343,6 +4765,7 @@
                   <a:rPr lang="en-US" altLang="zh-CN" dirty="0"/>
                   <a:t>u prefers social feedback k then negative j; </a:t>
                 </a:r>
+                <a:endParaRPr lang="en-US" altLang="zh-CN" dirty="0"/>
               </a:p>
               <a:p>
                 <a:pPr lvl="2" algn="just"/>
@@ -5576,28 +4999,22 @@
             </p:txBody>
           </p:sp>
         </mc:Choice>
-        <mc:Fallback xmlns="">
+        <mc:Fallback>
           <p:sp>
             <p:nvSpPr>
-              <p:cNvPr id="3" name="内容占位符 2">
-                <a:extLst>
-                  <a:ext uri="{FF2B5EF4-FFF2-40B4-BE49-F238E27FC236}">
-                    <a16:creationId xmlns:a16="http://schemas.microsoft.com/office/drawing/2014/main" id="{B5154438-4E99-432E-8BA7-41746C5EB70F}"/>
-                  </a:ext>
-                </a:extLst>
-              </p:cNvPr>
+              <p:cNvPr id="3" name="内容占位符 2"/>
               <p:cNvSpPr>
-                <a:spLocks noGrp="1" noRot="1" noChangeAspect="1" noMove="1" noResize="1" noEditPoints="1" noAdjustHandles="1" noChangeArrowheads="1" noChangeShapeType="1" noTextEdit="1"/>
+                <a:spLocks noRot="1" noChangeAspect="1" noMove="1" noResize="1" noEditPoints="1" noAdjustHandles="1" noChangeArrowheads="1" noChangeShapeType="1" noTextEdit="1"/>
               </p:cNvSpPr>
               <p:nvPr>
                 <p:ph idx="1"/>
               </p:nvPr>
             </p:nvSpPr>
             <p:spPr>
-              <a:blipFill>
-                <a:blip r:embed="rId5"/>
+              <a:blipFill rotWithShape="1">
+                <a:blip r:embed="rId1"/>
                 <a:stretch>
-                  <a:fillRect l="-1043" t="-2381" r="-1159"/>
+                  <a:fillRect b="7"/>
                 </a:stretch>
               </a:blipFill>
             </p:spPr>
@@ -5618,13 +5035,7 @@
       </mc:AlternateContent>
       <p:sp>
         <p:nvSpPr>
-          <p:cNvPr id="4" name="灯片编号占位符 3">
-            <a:extLst>
-              <a:ext uri="{FF2B5EF4-FFF2-40B4-BE49-F238E27FC236}">
-                <a16:creationId xmlns:a16="http://schemas.microsoft.com/office/drawing/2014/main" id="{7DBA55B4-D77A-4D3A-ACEE-0A9AED1EE042}"/>
-              </a:ext>
-            </a:extLst>
-          </p:cNvPr>
+          <p:cNvPr id="4" name="灯片编号占位符 3"/>
           <p:cNvSpPr>
             <a:spLocks noGrp="1"/>
           </p:cNvSpPr>
@@ -5639,7 +5050,6 @@
           <a:p>
             <a:fld id="{96409989-9577-4FB1-8C63-5461CD5F732E}" type="slidenum">
               <a:rPr lang="zh-CN" altLang="en-US" smtClean="0"/>
-              <a:t>12</a:t>
             </a:fld>
             <a:endParaRPr lang="zh-CN" altLang="en-US" dirty="0"/>
           </a:p>
@@ -5647,13 +5057,7 @@
       </p:sp>
       <p:sp>
         <p:nvSpPr>
-          <p:cNvPr id="5" name="页脚占位符 4">
-            <a:extLst>
-              <a:ext uri="{FF2B5EF4-FFF2-40B4-BE49-F238E27FC236}">
-                <a16:creationId xmlns:a16="http://schemas.microsoft.com/office/drawing/2014/main" id="{34409968-FC39-48CC-8F65-F97056B4BEC2}"/>
-              </a:ext>
-            </a:extLst>
-          </p:cNvPr>
+          <p:cNvPr id="5" name="页脚占位符 4"/>
           <p:cNvSpPr>
             <a:spLocks noGrp="1"/>
           </p:cNvSpPr>
@@ -5683,20 +5087,15 @@
         </p:txBody>
       </p:sp>
     </p:spTree>
-    <p:extLst>
-      <p:ext uri="{BB962C8B-B14F-4D97-AF65-F5344CB8AC3E}">
-        <p14:creationId xmlns:p14="http://schemas.microsoft.com/office/powerpoint/2010/main" val="2392323869"/>
-      </p:ext>
-    </p:extLst>
   </p:cSld>
   <p:clrMapOvr>
     <a:masterClrMapping/>
   </p:clrMapOvr>
-  <mc:AlternateContent xmlns:mc="http://schemas.openxmlformats.org/markup-compatibility/2006" xmlns:p14="http://schemas.microsoft.com/office/powerpoint/2010/main">
-    <mc:Choice Requires="p14">
+  <mc:AlternateContent xmlns:mc="http://schemas.openxmlformats.org/markup-compatibility/2006">
+    <mc:Choice xmlns:p14="http://schemas.microsoft.com/office/powerpoint/2010/main" Requires="p14">
       <p:transition spd="slow" p14:dur="2000" advTm="218"/>
     </mc:Choice>
-    <mc:Fallback xmlns="">
+    <mc:Fallback>
       <p:transition spd="slow" advTm="218"/>
     </mc:Fallback>
   </mc:AlternateContent>
@@ -5722,13 +5121,7 @@
       </p:grpSpPr>
       <p:sp>
         <p:nvSpPr>
-          <p:cNvPr id="2" name="标题 1">
-            <a:extLst>
-              <a:ext uri="{FF2B5EF4-FFF2-40B4-BE49-F238E27FC236}">
-                <a16:creationId xmlns:a16="http://schemas.microsoft.com/office/drawing/2014/main" id="{755534EA-F6A8-45E4-AB92-247A1E44157C}"/>
-              </a:ext>
-            </a:extLst>
-          </p:cNvPr>
+          <p:cNvPr id="2" name="标题 1"/>
           <p:cNvSpPr>
             <a:spLocks noGrp="1"/>
           </p:cNvSpPr>
@@ -5749,17 +5142,11 @@
           </a:p>
         </p:txBody>
       </p:sp>
-      <mc:AlternateContent xmlns:mc="http://schemas.openxmlformats.org/markup-compatibility/2006" xmlns:a14="http://schemas.microsoft.com/office/drawing/2010/main">
-        <mc:Choice Requires="a14">
+      <mc:AlternateContent xmlns:mc="http://schemas.openxmlformats.org/markup-compatibility/2006">
+        <mc:Choice xmlns:a14="http://schemas.microsoft.com/office/drawing/2010/main" Requires="a14">
           <p:sp>
             <p:nvSpPr>
-              <p:cNvPr id="3" name="内容占位符 2">
-                <a:extLst>
-                  <a:ext uri="{FF2B5EF4-FFF2-40B4-BE49-F238E27FC236}">
-                    <a16:creationId xmlns:a16="http://schemas.microsoft.com/office/drawing/2014/main" id="{B5154438-4E99-432E-8BA7-41746C5EB70F}"/>
-                  </a:ext>
-                </a:extLst>
-              </p:cNvPr>
+              <p:cNvPr id="3" name="内容占位符 2"/>
               <p:cNvSpPr>
                 <a:spLocks noGrp="1"/>
               </p:cNvSpPr>
@@ -5791,6 +5178,7 @@
                   <a:rPr lang="en-US" altLang="zh-CN" dirty="0"/>
                   <a:t>.</a:t>
                 </a:r>
+                <a:endParaRPr lang="en-US" altLang="zh-CN" dirty="0"/>
               </a:p>
               <a:p>
                 <a:pPr marL="0" indent="0" algn="just">
@@ -5807,6 +5195,7 @@
                   <a:rPr lang="en-US" altLang="zh-CN" dirty="0"/>
                   <a:t>:</a:t>
                 </a:r>
+                <a:endParaRPr lang="en-US" altLang="zh-CN" dirty="0"/>
               </a:p>
               <a:p>
                 <a:pPr lvl="1" algn="just"/>
@@ -5814,6 +5203,7 @@
                   <a:rPr lang="en-US" altLang="zh-CN" dirty="0"/>
                   <a:t>Performs three pairwise preferences comparisons under the Bayesian personal ranking framework, considering the dual roles influence in its ranking assumptions.</a:t>
                 </a:r>
+                <a:endParaRPr lang="en-US" altLang="zh-CN" dirty="0"/>
               </a:p>
               <a:p>
                 <a:pPr lvl="2" algn="just"/>
@@ -5829,6 +5219,7 @@
                   <a:rPr lang="en-US" altLang="zh-CN" dirty="0"/>
                   <a:t> to any of her trustee’s observed item k;</a:t>
                 </a:r>
+                <a:endParaRPr lang="en-US" altLang="zh-CN" dirty="0"/>
               </a:p>
               <a:p>
                 <a:pPr lvl="2" algn="just"/>
@@ -5852,6 +5243,7 @@
                   <a:rPr lang="en-US" altLang="zh-CN" dirty="0"/>
                   <a:t> observed item s;</a:t>
                 </a:r>
+                <a:endParaRPr lang="en-US" altLang="zh-CN" dirty="0"/>
               </a:p>
               <a:p>
                 <a:pPr lvl="2" algn="just"/>
@@ -5867,6 +5259,7 @@
                   <a:rPr lang="en-US" altLang="zh-CN" dirty="0"/>
                   <a:t>/trustees observed.</a:t>
                 </a:r>
+                <a:endParaRPr lang="en-US" altLang="zh-CN" dirty="0"/>
               </a:p>
               <a:p>
                 <a:pPr lvl="2" algn="just"/>
@@ -6220,28 +5613,22 @@
             </p:txBody>
           </p:sp>
         </mc:Choice>
-        <mc:Fallback xmlns="">
+        <mc:Fallback>
           <p:sp>
             <p:nvSpPr>
-              <p:cNvPr id="3" name="内容占位符 2">
-                <a:extLst>
-                  <a:ext uri="{FF2B5EF4-FFF2-40B4-BE49-F238E27FC236}">
-                    <a16:creationId xmlns:a16="http://schemas.microsoft.com/office/drawing/2014/main" id="{B5154438-4E99-432E-8BA7-41746C5EB70F}"/>
-                  </a:ext>
-                </a:extLst>
-              </p:cNvPr>
+              <p:cNvPr id="3" name="内容占位符 2"/>
               <p:cNvSpPr>
-                <a:spLocks noGrp="1" noRot="1" noChangeAspect="1" noMove="1" noResize="1" noEditPoints="1" noAdjustHandles="1" noChangeArrowheads="1" noChangeShapeType="1" noTextEdit="1"/>
+                <a:spLocks noRot="1" noChangeAspect="1" noMove="1" noResize="1" noEditPoints="1" noAdjustHandles="1" noChangeArrowheads="1" noChangeShapeType="1" noTextEdit="1"/>
               </p:cNvSpPr>
               <p:nvPr>
                 <p:ph idx="1"/>
               </p:nvPr>
             </p:nvSpPr>
             <p:spPr>
-              <a:blipFill>
-                <a:blip r:embed="rId3"/>
+              <a:blipFill rotWithShape="1">
+                <a:blip r:embed="rId1"/>
                 <a:stretch>
-                  <a:fillRect l="-1043" t="-3361" r="-1159"/>
+                  <a:fillRect t="-306" b="7"/>
                 </a:stretch>
               </a:blipFill>
             </p:spPr>
@@ -6262,13 +5649,7 @@
       </mc:AlternateContent>
       <p:sp>
         <p:nvSpPr>
-          <p:cNvPr id="4" name="灯片编号占位符 3">
-            <a:extLst>
-              <a:ext uri="{FF2B5EF4-FFF2-40B4-BE49-F238E27FC236}">
-                <a16:creationId xmlns:a16="http://schemas.microsoft.com/office/drawing/2014/main" id="{7DBA55B4-D77A-4D3A-ACEE-0A9AED1EE042}"/>
-              </a:ext>
-            </a:extLst>
-          </p:cNvPr>
+          <p:cNvPr id="4" name="灯片编号占位符 3"/>
           <p:cNvSpPr>
             <a:spLocks noGrp="1"/>
           </p:cNvSpPr>
@@ -6283,7 +5664,6 @@
           <a:p>
             <a:fld id="{96409989-9577-4FB1-8C63-5461CD5F732E}" type="slidenum">
               <a:rPr lang="zh-CN" altLang="en-US" smtClean="0"/>
-              <a:t>13</a:t>
             </a:fld>
             <a:endParaRPr lang="zh-CN" altLang="en-US" dirty="0"/>
           </a:p>
@@ -6291,13 +5671,7 @@
       </p:sp>
       <p:sp>
         <p:nvSpPr>
-          <p:cNvPr id="5" name="页脚占位符 4">
-            <a:extLst>
-              <a:ext uri="{FF2B5EF4-FFF2-40B4-BE49-F238E27FC236}">
-                <a16:creationId xmlns:a16="http://schemas.microsoft.com/office/drawing/2014/main" id="{34409968-FC39-48CC-8F65-F97056B4BEC2}"/>
-              </a:ext>
-            </a:extLst>
-          </p:cNvPr>
+          <p:cNvPr id="5" name="页脚占位符 4"/>
           <p:cNvSpPr>
             <a:spLocks noGrp="1"/>
           </p:cNvSpPr>
@@ -6319,20 +5693,15 @@
         </p:txBody>
       </p:sp>
     </p:spTree>
-    <p:extLst>
-      <p:ext uri="{BB962C8B-B14F-4D97-AF65-F5344CB8AC3E}">
-        <p14:creationId xmlns:p14="http://schemas.microsoft.com/office/powerpoint/2010/main" val="3769832344"/>
-      </p:ext>
-    </p:extLst>
   </p:cSld>
   <p:clrMapOvr>
     <a:masterClrMapping/>
   </p:clrMapOvr>
-  <mc:AlternateContent xmlns:mc="http://schemas.openxmlformats.org/markup-compatibility/2006" xmlns:p14="http://schemas.microsoft.com/office/powerpoint/2010/main">
-    <mc:Choice Requires="p14">
+  <mc:AlternateContent xmlns:mc="http://schemas.openxmlformats.org/markup-compatibility/2006">
+    <mc:Choice xmlns:p14="http://schemas.microsoft.com/office/powerpoint/2010/main" Requires="p14">
       <p:transition spd="slow" p14:dur="2000" advTm="110"/>
     </mc:Choice>
-    <mc:Fallback xmlns="">
+    <mc:Fallback>
       <p:transition spd="slow" advTm="110"/>
     </mc:Fallback>
   </mc:AlternateContent>
@@ -6358,13 +5727,7 @@
       </p:grpSpPr>
       <p:sp>
         <p:nvSpPr>
-          <p:cNvPr id="2" name="标题 1">
-            <a:extLst>
-              <a:ext uri="{FF2B5EF4-FFF2-40B4-BE49-F238E27FC236}">
-                <a16:creationId xmlns:a16="http://schemas.microsoft.com/office/drawing/2014/main" id="{755534EA-F6A8-45E4-AB92-247A1E44157C}"/>
-              </a:ext>
-            </a:extLst>
-          </p:cNvPr>
+          <p:cNvPr id="2" name="标题 1"/>
           <p:cNvSpPr>
             <a:spLocks noGrp="1"/>
           </p:cNvSpPr>
@@ -6387,13 +5750,7 @@
       </p:sp>
       <p:sp>
         <p:nvSpPr>
-          <p:cNvPr id="3" name="内容占位符 2">
-            <a:extLst>
-              <a:ext uri="{FF2B5EF4-FFF2-40B4-BE49-F238E27FC236}">
-                <a16:creationId xmlns:a16="http://schemas.microsoft.com/office/drawing/2014/main" id="{B5154438-4E99-432E-8BA7-41746C5EB70F}"/>
-              </a:ext>
-            </a:extLst>
-          </p:cNvPr>
+          <p:cNvPr id="3" name="内容占位符 2"/>
           <p:cNvSpPr>
             <a:spLocks noGrp="1"/>
           </p:cNvSpPr>
@@ -6417,6 +5774,7 @@
               <a:rPr lang="en-US" altLang="zh-CN" dirty="0"/>
               <a:t>: there lack of methods using distrust relations to derive more accurate ranking-based model. This paper simultaneously leverages trust, distrust, and neutral relations for item ranking.</a:t>
             </a:r>
+            <a:endParaRPr lang="en-US" altLang="zh-CN" dirty="0"/>
           </a:p>
           <a:p>
             <a:r>
@@ -6427,6 +5785,7 @@
               <a:rPr lang="en-US" altLang="zh-CN" dirty="0"/>
               <a:t>:</a:t>
             </a:r>
+            <a:endParaRPr lang="en-US" altLang="zh-CN" dirty="0"/>
           </a:p>
           <a:p>
             <a:pPr lvl="1"/>
@@ -6446,6 +5805,7 @@
               <a:rPr lang="en-US" altLang="zh-CN" dirty="0"/>
               <a:t>)</a:t>
             </a:r>
+            <a:endParaRPr lang="en-US" altLang="zh-CN" dirty="0"/>
           </a:p>
           <a:p>
             <a:pPr lvl="1"/>
@@ -6457,6 +5817,7 @@
               <a:rPr lang="en-US" altLang="zh-CN" dirty="0"/>
               <a:t>: user u did not choose but at least one of her trusted users selected. (k)</a:t>
             </a:r>
+            <a:endParaRPr lang="en-US" altLang="zh-CN" dirty="0"/>
           </a:p>
           <a:p>
             <a:pPr lvl="1"/>
@@ -6468,6 +5829,7 @@
               <a:rPr lang="en-US" altLang="zh-CN" dirty="0"/>
               <a:t>: user u and her trusted users did not choose, but at least one of her distrusted users selected. (z)</a:t>
             </a:r>
+            <a:endParaRPr lang="en-US" altLang="zh-CN" dirty="0"/>
           </a:p>
           <a:p>
             <a:pPr lvl="1"/>
@@ -6479,6 +5841,7 @@
               <a:rPr lang="en-US" altLang="zh-CN" dirty="0"/>
               <a:t>: neither user u nor any of her trusted or distrusted users choose. (j)</a:t>
             </a:r>
+            <a:endParaRPr lang="en-US" altLang="zh-CN" dirty="0"/>
           </a:p>
           <a:p>
             <a:pPr lvl="1"/>
@@ -6492,13 +5855,7 @@
       </p:sp>
       <p:sp>
         <p:nvSpPr>
-          <p:cNvPr id="4" name="灯片编号占位符 3">
-            <a:extLst>
-              <a:ext uri="{FF2B5EF4-FFF2-40B4-BE49-F238E27FC236}">
-                <a16:creationId xmlns:a16="http://schemas.microsoft.com/office/drawing/2014/main" id="{7DBA55B4-D77A-4D3A-ACEE-0A9AED1EE042}"/>
-              </a:ext>
-            </a:extLst>
-          </p:cNvPr>
+          <p:cNvPr id="4" name="灯片编号占位符 3"/>
           <p:cNvSpPr>
             <a:spLocks noGrp="1"/>
           </p:cNvSpPr>
@@ -6513,7 +5870,6 @@
           <a:p>
             <a:fld id="{96409989-9577-4FB1-8C63-5461CD5F732E}" type="slidenum">
               <a:rPr lang="zh-CN" altLang="en-US" smtClean="0"/>
-              <a:t>14</a:t>
             </a:fld>
             <a:endParaRPr lang="zh-CN" altLang="en-US" dirty="0"/>
           </a:p>
@@ -6521,13 +5877,7 @@
       </p:sp>
       <p:sp>
         <p:nvSpPr>
-          <p:cNvPr id="5" name="页脚占位符 4">
-            <a:extLst>
-              <a:ext uri="{FF2B5EF4-FFF2-40B4-BE49-F238E27FC236}">
-                <a16:creationId xmlns:a16="http://schemas.microsoft.com/office/drawing/2014/main" id="{34409968-FC39-48CC-8F65-F97056B4BEC2}"/>
-              </a:ext>
-            </a:extLst>
-          </p:cNvPr>
+          <p:cNvPr id="5" name="页脚占位符 4"/>
           <p:cNvSpPr>
             <a:spLocks noGrp="1"/>
           </p:cNvSpPr>
@@ -6574,20 +5924,14 @@
       </p:sp>
       <p:pic>
         <p:nvPicPr>
-          <p:cNvPr id="6" name="图片 5">
-            <a:extLst>
-              <a:ext uri="{FF2B5EF4-FFF2-40B4-BE49-F238E27FC236}">
-                <a16:creationId xmlns:a16="http://schemas.microsoft.com/office/drawing/2014/main" id="{B9BE1900-D7F9-447D-8FF5-17E978FA7C99}"/>
-              </a:ext>
-            </a:extLst>
-          </p:cNvPr>
+          <p:cNvPr id="6" name="图片 5"/>
           <p:cNvPicPr>
             <a:picLocks noChangeAspect="1"/>
           </p:cNvPicPr>
           <p:nvPr/>
         </p:nvPicPr>
         <p:blipFill>
-          <a:blip r:embed="rId3"/>
+          <a:blip r:embed="rId1"/>
           <a:stretch>
             <a:fillRect/>
           </a:stretch>
@@ -6603,20 +5947,15 @@
         </p:spPr>
       </p:pic>
     </p:spTree>
-    <p:extLst>
-      <p:ext uri="{BB962C8B-B14F-4D97-AF65-F5344CB8AC3E}">
-        <p14:creationId xmlns:p14="http://schemas.microsoft.com/office/powerpoint/2010/main" val="2173663772"/>
-      </p:ext>
-    </p:extLst>
   </p:cSld>
   <p:clrMapOvr>
     <a:masterClrMapping/>
   </p:clrMapOvr>
-  <mc:AlternateContent xmlns:mc="http://schemas.openxmlformats.org/markup-compatibility/2006" xmlns:p14="http://schemas.microsoft.com/office/powerpoint/2010/main">
-    <mc:Choice Requires="p14">
+  <mc:AlternateContent xmlns:mc="http://schemas.openxmlformats.org/markup-compatibility/2006">
+    <mc:Choice xmlns:p14="http://schemas.microsoft.com/office/powerpoint/2010/main" Requires="p14">
       <p:transition spd="slow" p14:dur="2000" advTm="254"/>
     </mc:Choice>
-    <mc:Fallback xmlns="">
+    <mc:Fallback>
       <p:transition spd="slow" advTm="254"/>
     </mc:Fallback>
   </mc:AlternateContent>
@@ -6642,13 +5981,7 @@
       </p:grpSpPr>
       <p:sp>
         <p:nvSpPr>
-          <p:cNvPr id="2" name="标题 1">
-            <a:extLst>
-              <a:ext uri="{FF2B5EF4-FFF2-40B4-BE49-F238E27FC236}">
-                <a16:creationId xmlns:a16="http://schemas.microsoft.com/office/drawing/2014/main" id="{755534EA-F6A8-45E4-AB92-247A1E44157C}"/>
-              </a:ext>
-            </a:extLst>
-          </p:cNvPr>
+          <p:cNvPr id="2" name="标题 1"/>
           <p:cNvSpPr>
             <a:spLocks noGrp="1"/>
           </p:cNvSpPr>
@@ -6671,13 +6004,7 @@
       </p:sp>
       <p:sp>
         <p:nvSpPr>
-          <p:cNvPr id="3" name="内容占位符 2">
-            <a:extLst>
-              <a:ext uri="{FF2B5EF4-FFF2-40B4-BE49-F238E27FC236}">
-                <a16:creationId xmlns:a16="http://schemas.microsoft.com/office/drawing/2014/main" id="{B5154438-4E99-432E-8BA7-41746C5EB70F}"/>
-              </a:ext>
-            </a:extLst>
-          </p:cNvPr>
+          <p:cNvPr id="3" name="内容占位符 2"/>
           <p:cNvSpPr>
             <a:spLocks noGrp="1"/>
           </p:cNvSpPr>
@@ -6701,6 +6028,7 @@
               <a:rPr lang="en-US" altLang="zh-CN" dirty="0"/>
               <a:t>: demands for high quality and efficiency in top-N recommender systems concurrently, so it is better suitable for real-time applications.</a:t>
             </a:r>
+            <a:endParaRPr lang="en-US" altLang="zh-CN" dirty="0"/>
           </a:p>
           <a:p>
             <a:pPr algn="just"/>
@@ -6719,18 +6047,13 @@
               <a:rPr lang="en-US" altLang="zh-CN" dirty="0"/>
               <a:t>: SLIM learns a sparse coefficient matrix for the items in the system solely from the user purchase/rating profiles by solving a regularized optimization problem.</a:t>
             </a:r>
-          </a:p>
-        </p:txBody>
-      </p:sp>
-      <p:sp>
-        <p:nvSpPr>
-          <p:cNvPr id="4" name="灯片编号占位符 3">
-            <a:extLst>
-              <a:ext uri="{FF2B5EF4-FFF2-40B4-BE49-F238E27FC236}">
-                <a16:creationId xmlns:a16="http://schemas.microsoft.com/office/drawing/2014/main" id="{7DBA55B4-D77A-4D3A-ACEE-0A9AED1EE042}"/>
-              </a:ext>
-            </a:extLst>
-          </p:cNvPr>
+            <a:endParaRPr lang="en-US" altLang="zh-CN" dirty="0"/>
+          </a:p>
+        </p:txBody>
+      </p:sp>
+      <p:sp>
+        <p:nvSpPr>
+          <p:cNvPr id="4" name="灯片编号占位符 3"/>
           <p:cNvSpPr>
             <a:spLocks noGrp="1"/>
           </p:cNvSpPr>
@@ -6745,7 +6068,6 @@
           <a:p>
             <a:fld id="{96409989-9577-4FB1-8C63-5461CD5F732E}" type="slidenum">
               <a:rPr lang="zh-CN" altLang="en-US" smtClean="0"/>
-              <a:t>15</a:t>
             </a:fld>
             <a:endParaRPr lang="zh-CN" altLang="en-US" dirty="0"/>
           </a:p>
@@ -6753,13 +6075,7 @@
       </p:sp>
       <p:sp>
         <p:nvSpPr>
-          <p:cNvPr id="5" name="页脚占位符 4">
-            <a:extLst>
-              <a:ext uri="{FF2B5EF4-FFF2-40B4-BE49-F238E27FC236}">
-                <a16:creationId xmlns:a16="http://schemas.microsoft.com/office/drawing/2014/main" id="{34409968-FC39-48CC-8F65-F97056B4BEC2}"/>
-              </a:ext>
-            </a:extLst>
-          </p:cNvPr>
+          <p:cNvPr id="5" name="页脚占位符 4"/>
           <p:cNvSpPr>
             <a:spLocks noGrp="1"/>
           </p:cNvSpPr>
@@ -6790,20 +6106,14 @@
       </p:sp>
       <p:pic>
         <p:nvPicPr>
-          <p:cNvPr id="6" name="图片 5">
-            <a:extLst>
-              <a:ext uri="{FF2B5EF4-FFF2-40B4-BE49-F238E27FC236}">
-                <a16:creationId xmlns:a16="http://schemas.microsoft.com/office/drawing/2014/main" id="{B0B179D5-8F82-4305-B493-9B3356093A9E}"/>
-              </a:ext>
-            </a:extLst>
-          </p:cNvPr>
+          <p:cNvPr id="6" name="图片 5"/>
           <p:cNvPicPr>
             <a:picLocks noChangeAspect="1"/>
           </p:cNvPicPr>
           <p:nvPr/>
         </p:nvPicPr>
         <p:blipFill>
-          <a:blip r:embed="rId3"/>
+          <a:blip r:embed="rId1"/>
           <a:stretch>
             <a:fillRect/>
           </a:stretch>
@@ -6819,20 +6129,15 @@
         </p:spPr>
       </p:pic>
     </p:spTree>
-    <p:extLst>
-      <p:ext uri="{BB962C8B-B14F-4D97-AF65-F5344CB8AC3E}">
-        <p14:creationId xmlns:p14="http://schemas.microsoft.com/office/powerpoint/2010/main" val="1472080671"/>
-      </p:ext>
-    </p:extLst>
   </p:cSld>
   <p:clrMapOvr>
     <a:masterClrMapping/>
   </p:clrMapOvr>
-  <mc:AlternateContent xmlns:mc="http://schemas.openxmlformats.org/markup-compatibility/2006" xmlns:p14="http://schemas.microsoft.com/office/powerpoint/2010/main">
-    <mc:Choice Requires="p14">
+  <mc:AlternateContent xmlns:mc="http://schemas.openxmlformats.org/markup-compatibility/2006">
+    <mc:Choice xmlns:p14="http://schemas.microsoft.com/office/powerpoint/2010/main" Requires="p14">
       <p:transition spd="slow" p14:dur="2000" advTm="252"/>
     </mc:Choice>
-    <mc:Fallback xmlns="">
+    <mc:Fallback>
       <p:transition spd="slow" advTm="252"/>
     </mc:Fallback>
   </mc:AlternateContent>
@@ -6858,13 +6163,7 @@
       </p:grpSpPr>
       <p:sp>
         <p:nvSpPr>
-          <p:cNvPr id="2" name="标题 1">
-            <a:extLst>
-              <a:ext uri="{FF2B5EF4-FFF2-40B4-BE49-F238E27FC236}">
-                <a16:creationId xmlns:a16="http://schemas.microsoft.com/office/drawing/2014/main" id="{755534EA-F6A8-45E4-AB92-247A1E44157C}"/>
-              </a:ext>
-            </a:extLst>
-          </p:cNvPr>
+          <p:cNvPr id="2" name="标题 1"/>
           <p:cNvSpPr>
             <a:spLocks noGrp="1"/>
           </p:cNvSpPr>
@@ -6885,17 +6184,11 @@
           </a:p>
         </p:txBody>
       </p:sp>
-      <mc:AlternateContent xmlns:mc="http://schemas.openxmlformats.org/markup-compatibility/2006" xmlns:a14="http://schemas.microsoft.com/office/drawing/2010/main">
-        <mc:Choice Requires="a14">
+      <mc:AlternateContent xmlns:mc="http://schemas.openxmlformats.org/markup-compatibility/2006">
+        <mc:Choice xmlns:a14="http://schemas.microsoft.com/office/drawing/2010/main" Requires="a14">
           <p:sp>
             <p:nvSpPr>
-              <p:cNvPr id="3" name="内容占位符 2">
-                <a:extLst>
-                  <a:ext uri="{FF2B5EF4-FFF2-40B4-BE49-F238E27FC236}">
-                    <a16:creationId xmlns:a16="http://schemas.microsoft.com/office/drawing/2014/main" id="{B5154438-4E99-432E-8BA7-41746C5EB70F}"/>
-                  </a:ext>
-                </a:extLst>
-              </p:cNvPr>
+              <p:cNvPr id="3" name="内容占位符 2"/>
               <p:cNvSpPr>
                 <a:spLocks noGrp="1"/>
               </p:cNvSpPr>
@@ -6917,6 +6210,7 @@
                   <a:rPr lang="en-US" altLang="zh-CN" dirty="0"/>
                   <a:t>: A documents topic in a document  topic model assumes that an author has a topic in mind when selecting a word for a document. Likewise, when a user follows another user in Twitter, the follower has an interest in the followed user.</a:t>
                 </a:r>
+                <a:endParaRPr lang="en-US" altLang="zh-CN" dirty="0"/>
               </a:p>
               <a:p>
                 <a:endParaRPr lang="en-US" altLang="zh-CN" dirty="0"/>
@@ -6926,6 +6220,7 @@
                   <a:rPr lang="en-US" altLang="zh-CN" b="1" dirty="0"/>
                   <a:t>Method </a:t>
                 </a:r>
+                <a:endParaRPr lang="en-US" altLang="zh-CN" b="1" dirty="0"/>
               </a:p>
               <a:p>
                 <a:pPr lvl="1"/>
@@ -6933,6 +6228,7 @@
                   <a:rPr lang="en-US" altLang="zh-CN" b="1" dirty="0"/>
                   <a:t>Topic Extraction </a:t>
                 </a:r>
+                <a:endParaRPr lang="en-US" altLang="zh-CN" b="1" dirty="0"/>
               </a:p>
               <a:p>
                 <a:pPr lvl="2"/>
@@ -7001,6 +6297,7 @@
                   <a:rPr lang="en-US" altLang="zh-CN" dirty="0"/>
                   <a:t>)</a:t>
                 </a:r>
+                <a:endParaRPr lang="en-US" altLang="zh-CN" dirty="0"/>
               </a:p>
               <a:p>
                 <a:pPr lvl="1"/>
@@ -7008,6 +6305,7 @@
                   <a:rPr lang="en-US" altLang="zh-CN" b="1" dirty="0"/>
                   <a:t>User Recommendation </a:t>
                 </a:r>
+                <a:endParaRPr lang="en-US" altLang="zh-CN" b="1" dirty="0"/>
               </a:p>
               <a:p>
                 <a:pPr lvl="2"/>
@@ -7169,28 +6467,22 @@
             </p:txBody>
           </p:sp>
         </mc:Choice>
-        <mc:Fallback xmlns="">
+        <mc:Fallback>
           <p:sp>
             <p:nvSpPr>
-              <p:cNvPr id="3" name="内容占位符 2">
-                <a:extLst>
-                  <a:ext uri="{FF2B5EF4-FFF2-40B4-BE49-F238E27FC236}">
-                    <a16:creationId xmlns:a16="http://schemas.microsoft.com/office/drawing/2014/main" id="{B5154438-4E99-432E-8BA7-41746C5EB70F}"/>
-                  </a:ext>
-                </a:extLst>
-              </p:cNvPr>
+              <p:cNvPr id="3" name="内容占位符 2"/>
               <p:cNvSpPr>
-                <a:spLocks noGrp="1" noRot="1" noChangeAspect="1" noMove="1" noResize="1" noEditPoints="1" noAdjustHandles="1" noChangeArrowheads="1" noChangeShapeType="1" noTextEdit="1"/>
+                <a:spLocks noRot="1" noChangeAspect="1" noMove="1" noResize="1" noEditPoints="1" noAdjustHandles="1" noChangeArrowheads="1" noChangeShapeType="1" noTextEdit="1"/>
               </p:cNvSpPr>
               <p:nvPr>
                 <p:ph idx="1"/>
               </p:nvPr>
             </p:nvSpPr>
             <p:spPr>
-              <a:blipFill>
-                <a:blip r:embed="rId2"/>
+              <a:blipFill rotWithShape="1">
+                <a:blip r:embed="rId1"/>
                 <a:stretch>
-                  <a:fillRect l="-1043" t="-2381" r="-1159" b="-12605"/>
+                  <a:fillRect b="-4225"/>
                 </a:stretch>
               </a:blipFill>
             </p:spPr>
@@ -7211,13 +6503,7 @@
       </mc:AlternateContent>
       <p:sp>
         <p:nvSpPr>
-          <p:cNvPr id="4" name="灯片编号占位符 3">
-            <a:extLst>
-              <a:ext uri="{FF2B5EF4-FFF2-40B4-BE49-F238E27FC236}">
-                <a16:creationId xmlns:a16="http://schemas.microsoft.com/office/drawing/2014/main" id="{7DBA55B4-D77A-4D3A-ACEE-0A9AED1EE042}"/>
-              </a:ext>
-            </a:extLst>
-          </p:cNvPr>
+          <p:cNvPr id="4" name="灯片编号占位符 3"/>
           <p:cNvSpPr>
             <a:spLocks noGrp="1"/>
           </p:cNvSpPr>
@@ -7232,7 +6518,6 @@
           <a:p>
             <a:fld id="{96409989-9577-4FB1-8C63-5461CD5F732E}" type="slidenum">
               <a:rPr lang="zh-CN" altLang="en-US" smtClean="0"/>
-              <a:t>2</a:t>
             </a:fld>
             <a:endParaRPr lang="zh-CN" altLang="en-US" dirty="0"/>
           </a:p>
@@ -7240,13 +6525,7 @@
       </p:sp>
       <p:sp>
         <p:nvSpPr>
-          <p:cNvPr id="5" name="页脚占位符 4">
-            <a:extLst>
-              <a:ext uri="{FF2B5EF4-FFF2-40B4-BE49-F238E27FC236}">
-                <a16:creationId xmlns:a16="http://schemas.microsoft.com/office/drawing/2014/main" id="{2F9EFAFD-1C8D-48CD-A268-DBE0EC7937C7}"/>
-              </a:ext>
-            </a:extLst>
-          </p:cNvPr>
+          <p:cNvPr id="5" name="页脚占位符 4"/>
           <p:cNvSpPr>
             <a:spLocks noGrp="1"/>
           </p:cNvSpPr>
@@ -7280,20 +6559,15 @@
         </p:txBody>
       </p:sp>
     </p:spTree>
-    <p:extLst>
-      <p:ext uri="{BB962C8B-B14F-4D97-AF65-F5344CB8AC3E}">
-        <p14:creationId xmlns:p14="http://schemas.microsoft.com/office/powerpoint/2010/main" val="3551923236"/>
-      </p:ext>
-    </p:extLst>
   </p:cSld>
   <p:clrMapOvr>
     <a:masterClrMapping/>
   </p:clrMapOvr>
-  <mc:AlternateContent xmlns:mc="http://schemas.openxmlformats.org/markup-compatibility/2006" xmlns:p14="http://schemas.microsoft.com/office/powerpoint/2010/main">
-    <mc:Choice Requires="p14">
+  <mc:AlternateContent xmlns:mc="http://schemas.openxmlformats.org/markup-compatibility/2006">
+    <mc:Choice xmlns:p14="http://schemas.microsoft.com/office/powerpoint/2010/main" Requires="p14">
       <p:transition spd="slow" p14:dur="2000" advTm="152"/>
     </mc:Choice>
-    <mc:Fallback xmlns="">
+    <mc:Fallback>
       <p:transition spd="slow" advTm="152"/>
     </mc:Fallback>
   </mc:AlternateContent>
@@ -7319,13 +6593,7 @@
       </p:grpSpPr>
       <p:sp>
         <p:nvSpPr>
-          <p:cNvPr id="2" name="标题 1">
-            <a:extLst>
-              <a:ext uri="{FF2B5EF4-FFF2-40B4-BE49-F238E27FC236}">
-                <a16:creationId xmlns:a16="http://schemas.microsoft.com/office/drawing/2014/main" id="{755534EA-F6A8-45E4-AB92-247A1E44157C}"/>
-              </a:ext>
-            </a:extLst>
-          </p:cNvPr>
+          <p:cNvPr id="2" name="标题 1"/>
           <p:cNvSpPr>
             <a:spLocks noGrp="1"/>
           </p:cNvSpPr>
@@ -7346,17 +6614,11 @@
           </a:p>
         </p:txBody>
       </p:sp>
-      <mc:AlternateContent xmlns:mc="http://schemas.openxmlformats.org/markup-compatibility/2006" xmlns:a14="http://schemas.microsoft.com/office/drawing/2010/main">
-        <mc:Choice Requires="a14">
+      <mc:AlternateContent xmlns:mc="http://schemas.openxmlformats.org/markup-compatibility/2006">
+        <mc:Choice xmlns:a14="http://schemas.microsoft.com/office/drawing/2010/main" Requires="a14">
           <p:sp>
             <p:nvSpPr>
-              <p:cNvPr id="3" name="内容占位符 2">
-                <a:extLst>
-                  <a:ext uri="{FF2B5EF4-FFF2-40B4-BE49-F238E27FC236}">
-                    <a16:creationId xmlns:a16="http://schemas.microsoft.com/office/drawing/2014/main" id="{B5154438-4E99-432E-8BA7-41746C5EB70F}"/>
-                  </a:ext>
-                </a:extLst>
-              </p:cNvPr>
+              <p:cNvPr id="3" name="内容占位符 2"/>
               <p:cNvSpPr>
                 <a:spLocks noGrp="1"/>
               </p:cNvSpPr>
@@ -7380,6 +6642,7 @@
                   <a:rPr lang="en-US" altLang="zh-CN" dirty="0"/>
                   <a:t>: In a document corpus analysis, the stop words are generally removed before analysis, since an analysis without removing these stop words produces a very noisy result where the frequent stop words are labeled with every topic. However, in our analysis, popular users are very important to include in the analysis because most users are keenly interests are similar to theirs.</a:t>
                 </a:r>
+                <a:endParaRPr lang="en-US" altLang="zh-CN" dirty="0"/>
               </a:p>
               <a:p>
                 <a:pPr marL="0" indent="0" algn="just">
@@ -7392,6 +6655,7 @@
                   <a:rPr lang="en-US" altLang="zh-CN" b="1" dirty="0"/>
                   <a:t>Method </a:t>
                 </a:r>
+                <a:endParaRPr lang="en-US" altLang="zh-CN" b="1" dirty="0"/>
               </a:p>
               <a:p>
                 <a:pPr lvl="1"/>
@@ -7399,6 +6663,7 @@
                   <a:rPr lang="en-US" altLang="zh-CN" b="1" dirty="0"/>
                   <a:t>Topic Extraction </a:t>
                 </a:r>
+                <a:endParaRPr lang="en-US" altLang="zh-CN" b="1" dirty="0"/>
               </a:p>
               <a:p>
                 <a:pPr lvl="2"/>
@@ -7406,6 +6671,7 @@
                   <a:rPr lang="en-US" altLang="zh-CN" dirty="0"/>
                   <a:t>Two-Step Labeling and Threshold Noise Filtering</a:t>
                 </a:r>
+                <a:endParaRPr lang="en-US" altLang="zh-CN" dirty="0"/>
               </a:p>
               <a:p>
                 <a:pPr lvl="1"/>
@@ -7413,6 +6679,7 @@
                   <a:rPr lang="en-US" altLang="zh-CN" b="1" dirty="0"/>
                   <a:t>User Recommendation </a:t>
                 </a:r>
+                <a:endParaRPr lang="en-US" altLang="zh-CN" b="1" dirty="0"/>
               </a:p>
               <a:p>
                 <a:pPr lvl="2"/>
@@ -7580,28 +6847,22 @@
             </p:txBody>
           </p:sp>
         </mc:Choice>
-        <mc:Fallback xmlns="">
+        <mc:Fallback>
           <p:sp>
             <p:nvSpPr>
-              <p:cNvPr id="3" name="内容占位符 2">
-                <a:extLst>
-                  <a:ext uri="{FF2B5EF4-FFF2-40B4-BE49-F238E27FC236}">
-                    <a16:creationId xmlns:a16="http://schemas.microsoft.com/office/drawing/2014/main" id="{B5154438-4E99-432E-8BA7-41746C5EB70F}"/>
-                  </a:ext>
-                </a:extLst>
-              </p:cNvPr>
+              <p:cNvPr id="3" name="内容占位符 2"/>
               <p:cNvSpPr>
-                <a:spLocks noGrp="1" noRot="1" noChangeAspect="1" noMove="1" noResize="1" noEditPoints="1" noAdjustHandles="1" noChangeArrowheads="1" noChangeShapeType="1" noTextEdit="1"/>
+                <a:spLocks noRot="1" noChangeAspect="1" noMove="1" noResize="1" noEditPoints="1" noAdjustHandles="1" noChangeArrowheads="1" noChangeShapeType="1" noTextEdit="1"/>
               </p:cNvSpPr>
               <p:nvPr>
                 <p:ph idx="1"/>
               </p:nvPr>
             </p:nvSpPr>
             <p:spPr>
-              <a:blipFill>
-                <a:blip r:embed="rId2"/>
+              <a:blipFill rotWithShape="1">
+                <a:blip r:embed="rId1"/>
                 <a:stretch>
-                  <a:fillRect l="-928" t="-3081" r="-986" b="-11905"/>
+                  <a:fillRect t="-204" b="-10529"/>
                 </a:stretch>
               </a:blipFill>
             </p:spPr>
@@ -7622,13 +6883,7 @@
       </mc:AlternateContent>
       <p:sp>
         <p:nvSpPr>
-          <p:cNvPr id="4" name="灯片编号占位符 3">
-            <a:extLst>
-              <a:ext uri="{FF2B5EF4-FFF2-40B4-BE49-F238E27FC236}">
-                <a16:creationId xmlns:a16="http://schemas.microsoft.com/office/drawing/2014/main" id="{7DBA55B4-D77A-4D3A-ACEE-0A9AED1EE042}"/>
-              </a:ext>
-            </a:extLst>
-          </p:cNvPr>
+          <p:cNvPr id="4" name="灯片编号占位符 3"/>
           <p:cNvSpPr>
             <a:spLocks noGrp="1"/>
           </p:cNvSpPr>
@@ -7643,7 +6898,6 @@
           <a:p>
             <a:fld id="{96409989-9577-4FB1-8C63-5461CD5F732E}" type="slidenum">
               <a:rPr lang="zh-CN" altLang="en-US" smtClean="0"/>
-              <a:t>3</a:t>
             </a:fld>
             <a:endParaRPr lang="zh-CN" altLang="en-US" dirty="0"/>
           </a:p>
@@ -7651,13 +6905,7 @@
       </p:sp>
       <p:sp>
         <p:nvSpPr>
-          <p:cNvPr id="5" name="页脚占位符 4">
-            <a:extLst>
-              <a:ext uri="{FF2B5EF4-FFF2-40B4-BE49-F238E27FC236}">
-                <a16:creationId xmlns:a16="http://schemas.microsoft.com/office/drawing/2014/main" id="{0F601B28-099A-400B-B208-59077A243467}"/>
-              </a:ext>
-            </a:extLst>
-          </p:cNvPr>
+          <p:cNvPr id="5" name="页脚占位符 4"/>
           <p:cNvSpPr>
             <a:spLocks noGrp="1"/>
           </p:cNvSpPr>
@@ -7679,20 +6927,15 @@
         </p:txBody>
       </p:sp>
     </p:spTree>
-    <p:extLst>
-      <p:ext uri="{BB962C8B-B14F-4D97-AF65-F5344CB8AC3E}">
-        <p14:creationId xmlns:p14="http://schemas.microsoft.com/office/powerpoint/2010/main" val="233505903"/>
-      </p:ext>
-    </p:extLst>
   </p:cSld>
   <p:clrMapOvr>
     <a:masterClrMapping/>
   </p:clrMapOvr>
-  <mc:AlternateContent xmlns:mc="http://schemas.openxmlformats.org/markup-compatibility/2006" xmlns:p14="http://schemas.microsoft.com/office/powerpoint/2010/main">
-    <mc:Choice Requires="p14">
+  <mc:AlternateContent xmlns:mc="http://schemas.openxmlformats.org/markup-compatibility/2006">
+    <mc:Choice xmlns:p14="http://schemas.microsoft.com/office/powerpoint/2010/main" Requires="p14">
       <p:transition spd="slow" p14:dur="2000" advTm="384"/>
     </mc:Choice>
-    <mc:Fallback xmlns="">
+    <mc:Fallback>
       <p:transition spd="slow" advTm="384"/>
     </mc:Fallback>
   </mc:AlternateContent>
@@ -7718,13 +6961,7 @@
       </p:grpSpPr>
       <p:sp>
         <p:nvSpPr>
-          <p:cNvPr id="2" name="标题 1">
-            <a:extLst>
-              <a:ext uri="{FF2B5EF4-FFF2-40B4-BE49-F238E27FC236}">
-                <a16:creationId xmlns:a16="http://schemas.microsoft.com/office/drawing/2014/main" id="{755534EA-F6A8-45E4-AB92-247A1E44157C}"/>
-              </a:ext>
-            </a:extLst>
-          </p:cNvPr>
+          <p:cNvPr id="2" name="标题 1"/>
           <p:cNvSpPr>
             <a:spLocks noGrp="1"/>
           </p:cNvSpPr>
@@ -7745,17 +6982,11 @@
           </a:p>
         </p:txBody>
       </p:sp>
-      <mc:AlternateContent xmlns:mc="http://schemas.openxmlformats.org/markup-compatibility/2006" xmlns:a14="http://schemas.microsoft.com/office/drawing/2010/main">
-        <mc:Choice Requires="a14">
+      <mc:AlternateContent xmlns:mc="http://schemas.openxmlformats.org/markup-compatibility/2006">
+        <mc:Choice xmlns:a14="http://schemas.microsoft.com/office/drawing/2010/main" Requires="a14">
           <p:sp>
             <p:nvSpPr>
-              <p:cNvPr id="3" name="内容占位符 2">
-                <a:extLst>
-                  <a:ext uri="{FF2B5EF4-FFF2-40B4-BE49-F238E27FC236}">
-                    <a16:creationId xmlns:a16="http://schemas.microsoft.com/office/drawing/2014/main" id="{B5154438-4E99-432E-8BA7-41746C5EB70F}"/>
-                  </a:ext>
-                </a:extLst>
-              </p:cNvPr>
+              <p:cNvPr id="3" name="内容占位符 2"/>
               <p:cNvSpPr>
                 <a:spLocks noGrp="1"/>
               </p:cNvSpPr>
@@ -7784,6 +7015,7 @@
                   <a:rPr lang="en-US" altLang="zh-CN" dirty="0"/>
                   <a:t> may motivated by her interest as well as social connection.</a:t>
                 </a:r>
+                <a:endParaRPr lang="en-US" altLang="zh-CN" dirty="0"/>
               </a:p>
               <a:p>
                 <a:endParaRPr lang="en-US" altLang="zh-CN" dirty="0"/>
@@ -7818,6 +7050,10 @@
                   </a:rPr>
                   <a:t> and mutual-following relations to extract two types of latent topics : interest topics and social topics.</a:t>
                 </a:r>
+                <a:endParaRPr lang="en-US" altLang="zh-CN" dirty="0">
+                  <a:latin typeface="Times New Roman" panose="02020603050405020304" pitchFamily="18" charset="0"/>
+                  <a:cs typeface="Times New Roman" panose="02020603050405020304" pitchFamily="18" charset="0"/>
+                </a:endParaRPr>
               </a:p>
               <a:p>
                 <a:pPr lvl="1"/>
@@ -7825,6 +7061,7 @@
                   <a:rPr lang="en-US" altLang="zh-CN" b="1" dirty="0"/>
                   <a:t>Topic Extraction</a:t>
                 </a:r>
+                <a:endParaRPr lang="en-US" altLang="zh-CN" b="1" dirty="0"/>
               </a:p>
               <a:p>
                 <a:pPr lvl="1"/>
@@ -7832,6 +7069,7 @@
                   <a:rPr lang="en-US" altLang="zh-CN" sz="2600" b="1" dirty="0"/>
                   <a:t>User Recommendation</a:t>
                 </a:r>
+                <a:endParaRPr lang="en-US" altLang="zh-CN" sz="2600" b="1" dirty="0"/>
               </a:p>
               <a:p>
                 <a:pPr lvl="2"/>
@@ -7993,28 +7231,22 @@
             </p:txBody>
           </p:sp>
         </mc:Choice>
-        <mc:Fallback xmlns="">
+        <mc:Fallback>
           <p:sp>
             <p:nvSpPr>
-              <p:cNvPr id="3" name="内容占位符 2">
-                <a:extLst>
-                  <a:ext uri="{FF2B5EF4-FFF2-40B4-BE49-F238E27FC236}">
-                    <a16:creationId xmlns:a16="http://schemas.microsoft.com/office/drawing/2014/main" id="{B5154438-4E99-432E-8BA7-41746C5EB70F}"/>
-                  </a:ext>
-                </a:extLst>
-              </p:cNvPr>
+              <p:cNvPr id="3" name="内容占位符 2"/>
               <p:cNvSpPr>
-                <a:spLocks noGrp="1" noRot="1" noChangeAspect="1" noMove="1" noResize="1" noEditPoints="1" noAdjustHandles="1" noChangeArrowheads="1" noChangeShapeType="1" noTextEdit="1"/>
+                <a:spLocks noRot="1" noChangeAspect="1" noMove="1" noResize="1" noEditPoints="1" noAdjustHandles="1" noChangeArrowheads="1" noChangeShapeType="1" noTextEdit="1"/>
               </p:cNvSpPr>
               <p:nvPr>
                 <p:ph idx="1"/>
               </p:nvPr>
             </p:nvSpPr>
             <p:spPr>
-              <a:blipFill>
-                <a:blip r:embed="rId3"/>
+              <a:blipFill rotWithShape="1">
+                <a:blip r:embed="rId1"/>
                 <a:stretch>
-                  <a:fillRect l="-1043" t="-2381" r="-1739"/>
+                  <a:fillRect b="7"/>
                 </a:stretch>
               </a:blipFill>
             </p:spPr>
@@ -8035,13 +7267,7 @@
       </mc:AlternateContent>
       <p:sp>
         <p:nvSpPr>
-          <p:cNvPr id="4" name="灯片编号占位符 3">
-            <a:extLst>
-              <a:ext uri="{FF2B5EF4-FFF2-40B4-BE49-F238E27FC236}">
-                <a16:creationId xmlns:a16="http://schemas.microsoft.com/office/drawing/2014/main" id="{7DBA55B4-D77A-4D3A-ACEE-0A9AED1EE042}"/>
-              </a:ext>
-            </a:extLst>
-          </p:cNvPr>
+          <p:cNvPr id="4" name="灯片编号占位符 3"/>
           <p:cNvSpPr>
             <a:spLocks noGrp="1"/>
           </p:cNvSpPr>
@@ -8056,7 +7282,6 @@
           <a:p>
             <a:fld id="{96409989-9577-4FB1-8C63-5461CD5F732E}" type="slidenum">
               <a:rPr lang="zh-CN" altLang="en-US" smtClean="0"/>
-              <a:t>4</a:t>
             </a:fld>
             <a:endParaRPr lang="zh-CN" altLang="en-US" dirty="0"/>
           </a:p>
@@ -8064,13 +7289,7 @@
       </p:sp>
       <p:sp>
         <p:nvSpPr>
-          <p:cNvPr id="5" name="页脚占位符 4">
-            <a:extLst>
-              <a:ext uri="{FF2B5EF4-FFF2-40B4-BE49-F238E27FC236}">
-                <a16:creationId xmlns:a16="http://schemas.microsoft.com/office/drawing/2014/main" id="{34409968-FC39-48CC-8F65-F97056B4BEC2}"/>
-              </a:ext>
-            </a:extLst>
-          </p:cNvPr>
+          <p:cNvPr id="5" name="页脚占位符 4"/>
           <p:cNvSpPr>
             <a:spLocks noGrp="1"/>
           </p:cNvSpPr>
@@ -8101,20 +7320,14 @@
       </p:sp>
       <p:pic>
         <p:nvPicPr>
-          <p:cNvPr id="6" name="图片 5">
-            <a:extLst>
-              <a:ext uri="{FF2B5EF4-FFF2-40B4-BE49-F238E27FC236}">
-                <a16:creationId xmlns:a16="http://schemas.microsoft.com/office/drawing/2014/main" id="{7CF18A15-B720-47A6-ACA1-5B89FE578651}"/>
-              </a:ext>
-            </a:extLst>
-          </p:cNvPr>
+          <p:cNvPr id="6" name="图片 5"/>
           <p:cNvPicPr>
             <a:picLocks noChangeAspect="1"/>
           </p:cNvPicPr>
           <p:nvPr/>
         </p:nvPicPr>
         <p:blipFill>
-          <a:blip r:embed="rId4"/>
+          <a:blip r:embed="rId2"/>
           <a:stretch>
             <a:fillRect/>
           </a:stretch>
@@ -8130,20 +7343,15 @@
         </p:spPr>
       </p:pic>
     </p:spTree>
-    <p:extLst>
-      <p:ext uri="{BB962C8B-B14F-4D97-AF65-F5344CB8AC3E}">
-        <p14:creationId xmlns:p14="http://schemas.microsoft.com/office/powerpoint/2010/main" val="2655496864"/>
-      </p:ext>
-    </p:extLst>
   </p:cSld>
   <p:clrMapOvr>
     <a:masterClrMapping/>
   </p:clrMapOvr>
-  <mc:AlternateContent xmlns:mc="http://schemas.openxmlformats.org/markup-compatibility/2006" xmlns:p14="http://schemas.microsoft.com/office/powerpoint/2010/main">
-    <mc:Choice Requires="p14">
+  <mc:AlternateContent xmlns:mc="http://schemas.openxmlformats.org/markup-compatibility/2006">
+    <mc:Choice xmlns:p14="http://schemas.microsoft.com/office/powerpoint/2010/main" Requires="p14">
       <p:transition spd="slow" p14:dur="2000" advTm="274"/>
     </mc:Choice>
-    <mc:Fallback xmlns="">
+    <mc:Fallback>
       <p:transition spd="slow" advTm="274"/>
     </mc:Fallback>
   </mc:AlternateContent>
@@ -8169,13 +7377,7 @@
       </p:grpSpPr>
       <p:sp>
         <p:nvSpPr>
-          <p:cNvPr id="2" name="标题 1">
-            <a:extLst>
-              <a:ext uri="{FF2B5EF4-FFF2-40B4-BE49-F238E27FC236}">
-                <a16:creationId xmlns:a16="http://schemas.microsoft.com/office/drawing/2014/main" id="{755534EA-F6A8-45E4-AB92-247A1E44157C}"/>
-              </a:ext>
-            </a:extLst>
-          </p:cNvPr>
+          <p:cNvPr id="2" name="标题 1"/>
           <p:cNvSpPr>
             <a:spLocks noGrp="1"/>
           </p:cNvSpPr>
@@ -8198,13 +7400,7 @@
       </p:sp>
       <p:sp>
         <p:nvSpPr>
-          <p:cNvPr id="3" name="内容占位符 2">
-            <a:extLst>
-              <a:ext uri="{FF2B5EF4-FFF2-40B4-BE49-F238E27FC236}">
-                <a16:creationId xmlns:a16="http://schemas.microsoft.com/office/drawing/2014/main" id="{B5154438-4E99-432E-8BA7-41746C5EB70F}"/>
-              </a:ext>
-            </a:extLst>
-          </p:cNvPr>
+          <p:cNvPr id="3" name="内容占位符 2"/>
           <p:cNvSpPr>
             <a:spLocks noGrp="1"/>
           </p:cNvSpPr>
@@ -8262,13 +7458,7 @@
       </p:sp>
       <p:sp>
         <p:nvSpPr>
-          <p:cNvPr id="4" name="灯片编号占位符 3">
-            <a:extLst>
-              <a:ext uri="{FF2B5EF4-FFF2-40B4-BE49-F238E27FC236}">
-                <a16:creationId xmlns:a16="http://schemas.microsoft.com/office/drawing/2014/main" id="{7DBA55B4-D77A-4D3A-ACEE-0A9AED1EE042}"/>
-              </a:ext>
-            </a:extLst>
-          </p:cNvPr>
+          <p:cNvPr id="4" name="灯片编号占位符 3"/>
           <p:cNvSpPr>
             <a:spLocks noGrp="1"/>
           </p:cNvSpPr>
@@ -8283,7 +7473,6 @@
           <a:p>
             <a:fld id="{96409989-9577-4FB1-8C63-5461CD5F732E}" type="slidenum">
               <a:rPr lang="zh-CN" altLang="en-US" smtClean="0"/>
-              <a:t>5</a:t>
             </a:fld>
             <a:endParaRPr lang="zh-CN" altLang="en-US" dirty="0"/>
           </a:p>
@@ -8291,13 +7480,7 @@
       </p:sp>
       <p:sp>
         <p:nvSpPr>
-          <p:cNvPr id="5" name="页脚占位符 4">
-            <a:extLst>
-              <a:ext uri="{FF2B5EF4-FFF2-40B4-BE49-F238E27FC236}">
-                <a16:creationId xmlns:a16="http://schemas.microsoft.com/office/drawing/2014/main" id="{34409968-FC39-48CC-8F65-F97056B4BEC2}"/>
-              </a:ext>
-            </a:extLst>
-          </p:cNvPr>
+          <p:cNvPr id="5" name="页脚占位符 4"/>
           <p:cNvSpPr>
             <a:spLocks noGrp="1"/>
           </p:cNvSpPr>
@@ -8332,20 +7515,14 @@
       </p:sp>
       <p:pic>
         <p:nvPicPr>
-          <p:cNvPr id="6" name="图片 5">
-            <a:extLst>
-              <a:ext uri="{FF2B5EF4-FFF2-40B4-BE49-F238E27FC236}">
-                <a16:creationId xmlns:a16="http://schemas.microsoft.com/office/drawing/2014/main" id="{EFAFC7E9-F292-4E64-BA0F-C70AEB977C21}"/>
-              </a:ext>
-            </a:extLst>
-          </p:cNvPr>
+          <p:cNvPr id="6" name="图片 5"/>
           <p:cNvPicPr>
             <a:picLocks noChangeAspect="1"/>
           </p:cNvPicPr>
           <p:nvPr/>
         </p:nvPicPr>
         <p:blipFill>
-          <a:blip r:embed="rId2"/>
+          <a:blip r:embed="rId1"/>
           <a:stretch>
             <a:fillRect/>
           </a:stretch>
@@ -8361,20 +7538,15 @@
         </p:spPr>
       </p:pic>
     </p:spTree>
-    <p:extLst>
-      <p:ext uri="{BB962C8B-B14F-4D97-AF65-F5344CB8AC3E}">
-        <p14:creationId xmlns:p14="http://schemas.microsoft.com/office/powerpoint/2010/main" val="1212032889"/>
-      </p:ext>
-    </p:extLst>
   </p:cSld>
   <p:clrMapOvr>
     <a:masterClrMapping/>
   </p:clrMapOvr>
-  <mc:AlternateContent xmlns:mc="http://schemas.openxmlformats.org/markup-compatibility/2006" xmlns:p14="http://schemas.microsoft.com/office/powerpoint/2010/main">
-    <mc:Choice Requires="p14">
+  <mc:AlternateContent xmlns:mc="http://schemas.openxmlformats.org/markup-compatibility/2006">
+    <mc:Choice xmlns:p14="http://schemas.microsoft.com/office/powerpoint/2010/main" Requires="p14">
       <p:transition spd="slow" p14:dur="2000" advTm="313"/>
     </mc:Choice>
-    <mc:Fallback xmlns="">
+    <mc:Fallback>
       <p:transition spd="slow" advTm="313"/>
     </mc:Fallback>
   </mc:AlternateContent>
@@ -8400,13 +7572,7 @@
       </p:grpSpPr>
       <p:sp>
         <p:nvSpPr>
-          <p:cNvPr id="2" name="标题 1">
-            <a:extLst>
-              <a:ext uri="{FF2B5EF4-FFF2-40B4-BE49-F238E27FC236}">
-                <a16:creationId xmlns:a16="http://schemas.microsoft.com/office/drawing/2014/main" id="{755534EA-F6A8-45E4-AB92-247A1E44157C}"/>
-              </a:ext>
-            </a:extLst>
-          </p:cNvPr>
+          <p:cNvPr id="2" name="标题 1"/>
           <p:cNvSpPr>
             <a:spLocks noGrp="1"/>
           </p:cNvSpPr>
@@ -8429,13 +7595,7 @@
       </p:sp>
       <p:sp>
         <p:nvSpPr>
-          <p:cNvPr id="3" name="内容占位符 2">
-            <a:extLst>
-              <a:ext uri="{FF2B5EF4-FFF2-40B4-BE49-F238E27FC236}">
-                <a16:creationId xmlns:a16="http://schemas.microsoft.com/office/drawing/2014/main" id="{B5154438-4E99-432E-8BA7-41746C5EB70F}"/>
-              </a:ext>
-            </a:extLst>
-          </p:cNvPr>
+          <p:cNvPr id="3" name="内容占位符 2"/>
           <p:cNvSpPr>
             <a:spLocks noGrp="1"/>
           </p:cNvSpPr>
@@ -8456,6 +7616,7 @@
               <a:rPr lang="en-US" altLang="zh-CN" dirty="0"/>
               <a:t>: How to make good use of a large number of implicit data? How does the implicit data show the user's preference for item?</a:t>
             </a:r>
+            <a:endParaRPr lang="en-US" altLang="zh-CN" dirty="0"/>
           </a:p>
           <a:p>
             <a:endParaRPr lang="en-US" altLang="zh-CN" dirty="0"/>
@@ -8475,13 +7636,7 @@
       </p:sp>
       <p:sp>
         <p:nvSpPr>
-          <p:cNvPr id="4" name="灯片编号占位符 3">
-            <a:extLst>
-              <a:ext uri="{FF2B5EF4-FFF2-40B4-BE49-F238E27FC236}">
-                <a16:creationId xmlns:a16="http://schemas.microsoft.com/office/drawing/2014/main" id="{7DBA55B4-D77A-4D3A-ACEE-0A9AED1EE042}"/>
-              </a:ext>
-            </a:extLst>
-          </p:cNvPr>
+          <p:cNvPr id="4" name="灯片编号占位符 3"/>
           <p:cNvSpPr>
             <a:spLocks noGrp="1"/>
           </p:cNvSpPr>
@@ -8496,7 +7651,6 @@
           <a:p>
             <a:fld id="{96409989-9577-4FB1-8C63-5461CD5F732E}" type="slidenum">
               <a:rPr lang="zh-CN" altLang="en-US" smtClean="0"/>
-              <a:t>6</a:t>
             </a:fld>
             <a:endParaRPr lang="zh-CN" altLang="en-US" dirty="0"/>
           </a:p>
@@ -8504,13 +7658,7 @@
       </p:sp>
       <p:sp>
         <p:nvSpPr>
-          <p:cNvPr id="5" name="页脚占位符 4">
-            <a:extLst>
-              <a:ext uri="{FF2B5EF4-FFF2-40B4-BE49-F238E27FC236}">
-                <a16:creationId xmlns:a16="http://schemas.microsoft.com/office/drawing/2014/main" id="{34409968-FC39-48CC-8F65-F97056B4BEC2}"/>
-              </a:ext>
-            </a:extLst>
-          </p:cNvPr>
+          <p:cNvPr id="5" name="页脚占位符 4"/>
           <p:cNvSpPr>
             <a:spLocks noGrp="1"/>
           </p:cNvSpPr>
@@ -8557,20 +7705,14 @@
       </p:sp>
       <p:pic>
         <p:nvPicPr>
-          <p:cNvPr id="6" name="图片 5">
-            <a:extLst>
-              <a:ext uri="{FF2B5EF4-FFF2-40B4-BE49-F238E27FC236}">
-                <a16:creationId xmlns:a16="http://schemas.microsoft.com/office/drawing/2014/main" id="{892A07EB-5075-43BB-8D8B-00AF27B64DA7}"/>
-              </a:ext>
-            </a:extLst>
-          </p:cNvPr>
+          <p:cNvPr id="6" name="图片 5"/>
           <p:cNvPicPr>
             <a:picLocks noChangeAspect="1"/>
           </p:cNvPicPr>
           <p:nvPr/>
         </p:nvPicPr>
         <p:blipFill>
-          <a:blip r:embed="rId2"/>
+          <a:blip r:embed="rId1"/>
           <a:stretch>
             <a:fillRect/>
           </a:stretch>
@@ -8587,20 +7729,14 @@
       </p:pic>
       <p:pic>
         <p:nvPicPr>
-          <p:cNvPr id="7" name="图片 6">
-            <a:extLst>
-              <a:ext uri="{FF2B5EF4-FFF2-40B4-BE49-F238E27FC236}">
-                <a16:creationId xmlns:a16="http://schemas.microsoft.com/office/drawing/2014/main" id="{8EEE162F-5E52-4FB8-AAC0-AD65E5681C74}"/>
-              </a:ext>
-            </a:extLst>
-          </p:cNvPr>
+          <p:cNvPr id="7" name="图片 6"/>
           <p:cNvPicPr>
             <a:picLocks noChangeAspect="1"/>
           </p:cNvPicPr>
           <p:nvPr/>
         </p:nvPicPr>
         <p:blipFill>
-          <a:blip r:embed="rId3"/>
+          <a:blip r:embed="rId2"/>
           <a:stretch>
             <a:fillRect/>
           </a:stretch>
@@ -8617,20 +7753,14 @@
       </p:pic>
       <p:pic>
         <p:nvPicPr>
-          <p:cNvPr id="8" name="图片 7">
-            <a:extLst>
-              <a:ext uri="{FF2B5EF4-FFF2-40B4-BE49-F238E27FC236}">
-                <a16:creationId xmlns:a16="http://schemas.microsoft.com/office/drawing/2014/main" id="{A6DA587E-6599-4038-862E-94D4A559A22B}"/>
-              </a:ext>
-            </a:extLst>
-          </p:cNvPr>
+          <p:cNvPr id="8" name="图片 7"/>
           <p:cNvPicPr>
             <a:picLocks noChangeAspect="1"/>
           </p:cNvPicPr>
           <p:nvPr/>
         </p:nvPicPr>
         <p:blipFill>
-          <a:blip r:embed="rId4"/>
+          <a:blip r:embed="rId3"/>
           <a:stretch>
             <a:fillRect/>
           </a:stretch>
@@ -8646,20 +7776,15 @@
         </p:spPr>
       </p:pic>
     </p:spTree>
-    <p:extLst>
-      <p:ext uri="{BB962C8B-B14F-4D97-AF65-F5344CB8AC3E}">
-        <p14:creationId xmlns:p14="http://schemas.microsoft.com/office/powerpoint/2010/main" val="3094325906"/>
-      </p:ext>
-    </p:extLst>
   </p:cSld>
   <p:clrMapOvr>
     <a:masterClrMapping/>
   </p:clrMapOvr>
-  <mc:AlternateContent xmlns:mc="http://schemas.openxmlformats.org/markup-compatibility/2006" xmlns:p14="http://schemas.microsoft.com/office/powerpoint/2010/main">
-    <mc:Choice Requires="p14">
+  <mc:AlternateContent xmlns:mc="http://schemas.openxmlformats.org/markup-compatibility/2006">
+    <mc:Choice xmlns:p14="http://schemas.microsoft.com/office/powerpoint/2010/main" Requires="p14">
       <p:transition spd="slow" p14:dur="2000" advTm="326"/>
     </mc:Choice>
-    <mc:Fallback xmlns="">
+    <mc:Fallback>
       <p:transition spd="slow" advTm="326"/>
     </mc:Fallback>
   </mc:AlternateContent>
@@ -8685,13 +7810,7 @@
       </p:grpSpPr>
       <p:sp>
         <p:nvSpPr>
-          <p:cNvPr id="2" name="标题 1">
-            <a:extLst>
-              <a:ext uri="{FF2B5EF4-FFF2-40B4-BE49-F238E27FC236}">
-                <a16:creationId xmlns:a16="http://schemas.microsoft.com/office/drawing/2014/main" id="{755534EA-F6A8-45E4-AB92-247A1E44157C}"/>
-              </a:ext>
-            </a:extLst>
-          </p:cNvPr>
+          <p:cNvPr id="2" name="标题 1"/>
           <p:cNvSpPr>
             <a:spLocks noGrp="1"/>
           </p:cNvSpPr>
@@ -8714,13 +7833,7 @@
       </p:sp>
       <p:sp>
         <p:nvSpPr>
-          <p:cNvPr id="3" name="内容占位符 2">
-            <a:extLst>
-              <a:ext uri="{FF2B5EF4-FFF2-40B4-BE49-F238E27FC236}">
-                <a16:creationId xmlns:a16="http://schemas.microsoft.com/office/drawing/2014/main" id="{B5154438-4E99-432E-8BA7-41746C5EB70F}"/>
-              </a:ext>
-            </a:extLst>
-          </p:cNvPr>
+          <p:cNvPr id="3" name="内容占位符 2"/>
           <p:cNvSpPr>
             <a:spLocks noGrp="1"/>
           </p:cNvSpPr>
@@ -8752,6 +7865,7 @@
               <a:rPr lang="en-US" altLang="zh-CN" dirty="0"/>
               <a:t> relationships lead to higher precision but data sparsity remains a challenge. Forming communities enables us to reduce data sparsity and focus on discovering the latent characteristics of communities instead of individuals. </a:t>
             </a:r>
+            <a:endParaRPr lang="en-US" altLang="zh-CN" dirty="0"/>
           </a:p>
           <a:p>
             <a:pPr algn="just"/>
@@ -8766,6 +7880,7 @@
               <a:rPr lang="en-US" altLang="zh-CN" dirty="0"/>
               <a:t>:</a:t>
             </a:r>
+            <a:endParaRPr lang="en-US" altLang="zh-CN" dirty="0"/>
           </a:p>
           <a:p>
             <a:pPr marL="914400" lvl="1" indent="-457200">
@@ -8776,6 +7891,7 @@
               <a:rPr lang="en-US" altLang="zh-CN" dirty="0"/>
               <a:t>utilize the LDA model to discover communities</a:t>
             </a:r>
+            <a:endParaRPr lang="en-US" altLang="zh-CN" dirty="0"/>
           </a:p>
           <a:p>
             <a:pPr marL="914400" lvl="1" indent="-457200">
@@ -8792,13 +7908,7 @@
       </p:sp>
       <p:sp>
         <p:nvSpPr>
-          <p:cNvPr id="4" name="灯片编号占位符 3">
-            <a:extLst>
-              <a:ext uri="{FF2B5EF4-FFF2-40B4-BE49-F238E27FC236}">
-                <a16:creationId xmlns:a16="http://schemas.microsoft.com/office/drawing/2014/main" id="{7DBA55B4-D77A-4D3A-ACEE-0A9AED1EE042}"/>
-              </a:ext>
-            </a:extLst>
-          </p:cNvPr>
+          <p:cNvPr id="4" name="灯片编号占位符 3"/>
           <p:cNvSpPr>
             <a:spLocks noGrp="1"/>
           </p:cNvSpPr>
@@ -8813,7 +7923,6 @@
           <a:p>
             <a:fld id="{96409989-9577-4FB1-8C63-5461CD5F732E}" type="slidenum">
               <a:rPr lang="zh-CN" altLang="en-US" smtClean="0"/>
-              <a:t>7</a:t>
             </a:fld>
             <a:endParaRPr lang="zh-CN" altLang="en-US" dirty="0"/>
           </a:p>
@@ -8821,13 +7930,7 @@
       </p:sp>
       <p:sp>
         <p:nvSpPr>
-          <p:cNvPr id="5" name="页脚占位符 4">
-            <a:extLst>
-              <a:ext uri="{FF2B5EF4-FFF2-40B4-BE49-F238E27FC236}">
-                <a16:creationId xmlns:a16="http://schemas.microsoft.com/office/drawing/2014/main" id="{34409968-FC39-48CC-8F65-F97056B4BEC2}"/>
-              </a:ext>
-            </a:extLst>
-          </p:cNvPr>
+          <p:cNvPr id="5" name="页脚占位符 4"/>
           <p:cNvSpPr>
             <a:spLocks noGrp="1"/>
           </p:cNvSpPr>
@@ -8850,20 +7953,14 @@
       </p:sp>
       <p:pic>
         <p:nvPicPr>
-          <p:cNvPr id="15" name="图片 14">
-            <a:extLst>
-              <a:ext uri="{FF2B5EF4-FFF2-40B4-BE49-F238E27FC236}">
-                <a16:creationId xmlns:a16="http://schemas.microsoft.com/office/drawing/2014/main" id="{443D25C2-FA7B-4DD4-8A7D-2C6C749A8871}"/>
-              </a:ext>
-            </a:extLst>
-          </p:cNvPr>
+          <p:cNvPr id="15" name="图片 14"/>
           <p:cNvPicPr>
             <a:picLocks noChangeAspect="1"/>
           </p:cNvPicPr>
           <p:nvPr/>
         </p:nvPicPr>
         <p:blipFill>
-          <a:blip r:embed="rId3"/>
+          <a:blip r:embed="rId1"/>
           <a:stretch>
             <a:fillRect/>
           </a:stretch>
@@ -8879,20 +7976,15 @@
         </p:spPr>
       </p:pic>
     </p:spTree>
-    <p:extLst>
-      <p:ext uri="{BB962C8B-B14F-4D97-AF65-F5344CB8AC3E}">
-        <p14:creationId xmlns:p14="http://schemas.microsoft.com/office/powerpoint/2010/main" val="2307483373"/>
-      </p:ext>
-    </p:extLst>
   </p:cSld>
   <p:clrMapOvr>
     <a:masterClrMapping/>
   </p:clrMapOvr>
-  <mc:AlternateContent xmlns:mc="http://schemas.openxmlformats.org/markup-compatibility/2006" xmlns:p14="http://schemas.microsoft.com/office/powerpoint/2010/main">
-    <mc:Choice Requires="p14">
+  <mc:AlternateContent xmlns:mc="http://schemas.openxmlformats.org/markup-compatibility/2006">
+    <mc:Choice xmlns:p14="http://schemas.microsoft.com/office/powerpoint/2010/main" Requires="p14">
       <p:transition spd="slow" p14:dur="2000" advTm="312"/>
     </mc:Choice>
-    <mc:Fallback xmlns="">
+    <mc:Fallback>
       <p:transition spd="slow" advTm="312"/>
     </mc:Fallback>
   </mc:AlternateContent>
@@ -8918,13 +8010,7 @@
       </p:grpSpPr>
       <p:sp>
         <p:nvSpPr>
-          <p:cNvPr id="2" name="标题 1">
-            <a:extLst>
-              <a:ext uri="{FF2B5EF4-FFF2-40B4-BE49-F238E27FC236}">
-                <a16:creationId xmlns:a16="http://schemas.microsoft.com/office/drawing/2014/main" id="{755534EA-F6A8-45E4-AB92-247A1E44157C}"/>
-              </a:ext>
-            </a:extLst>
-          </p:cNvPr>
+          <p:cNvPr id="2" name="标题 1"/>
           <p:cNvSpPr>
             <a:spLocks noGrp="1"/>
           </p:cNvSpPr>
@@ -8947,13 +8033,7 @@
       </p:sp>
       <p:sp>
         <p:nvSpPr>
-          <p:cNvPr id="3" name="内容占位符 2">
-            <a:extLst>
-              <a:ext uri="{FF2B5EF4-FFF2-40B4-BE49-F238E27FC236}">
-                <a16:creationId xmlns:a16="http://schemas.microsoft.com/office/drawing/2014/main" id="{B5154438-4E99-432E-8BA7-41746C5EB70F}"/>
-              </a:ext>
-            </a:extLst>
-          </p:cNvPr>
+          <p:cNvPr id="3" name="内容占位符 2"/>
           <p:cNvSpPr>
             <a:spLocks noGrp="1"/>
           </p:cNvSpPr>
@@ -8993,6 +8073,7 @@
               <a:rPr lang="en-US" altLang="zh-CN" dirty="0"/>
               <a:t>  may  be  motivated  by  her  interests  as  well  as  social  connections,  hence  a  good  recommender  should  be  able  to  separate  the  two  situations  and  take  both  factors  into  account  for  better  recommendation  results. </a:t>
             </a:r>
+            <a:endParaRPr lang="en-US" altLang="zh-CN" dirty="0"/>
           </a:p>
           <a:p>
             <a:pPr algn="just"/>
@@ -9007,6 +8088,7 @@
               <a:rPr lang="en-US" altLang="zh-CN" dirty="0"/>
               <a:t>:</a:t>
             </a:r>
+            <a:endParaRPr lang="en-US" altLang="zh-CN" dirty="0"/>
           </a:p>
           <a:p>
             <a:pPr lvl="1"/>
@@ -9022,6 +8104,7 @@
               <a:rPr lang="en-US" altLang="zh-CN" dirty="0"/>
               <a:t>UIS-LDA</a:t>
             </a:r>
+            <a:endParaRPr lang="en-US" altLang="zh-CN" dirty="0"/>
           </a:p>
           <a:p>
             <a:pPr lvl="1"/>
@@ -9037,18 +8120,13 @@
               <a:rPr lang="en-US" altLang="zh-CN" dirty="0"/>
               <a:t>CB-methods</a:t>
             </a:r>
-          </a:p>
-        </p:txBody>
-      </p:sp>
-      <p:sp>
-        <p:nvSpPr>
-          <p:cNvPr id="4" name="灯片编号占位符 3">
-            <a:extLst>
-              <a:ext uri="{FF2B5EF4-FFF2-40B4-BE49-F238E27FC236}">
-                <a16:creationId xmlns:a16="http://schemas.microsoft.com/office/drawing/2014/main" id="{7DBA55B4-D77A-4D3A-ACEE-0A9AED1EE042}"/>
-              </a:ext>
-            </a:extLst>
-          </p:cNvPr>
+            <a:endParaRPr lang="en-US" altLang="zh-CN" dirty="0"/>
+          </a:p>
+        </p:txBody>
+      </p:sp>
+      <p:sp>
+        <p:nvSpPr>
+          <p:cNvPr id="4" name="灯片编号占位符 3"/>
           <p:cNvSpPr>
             <a:spLocks noGrp="1"/>
           </p:cNvSpPr>
@@ -9063,7 +8141,6 @@
           <a:p>
             <a:fld id="{96409989-9577-4FB1-8C63-5461CD5F732E}" type="slidenum">
               <a:rPr lang="zh-CN" altLang="en-US" smtClean="0"/>
-              <a:t>8</a:t>
             </a:fld>
             <a:endParaRPr lang="zh-CN" altLang="en-US" dirty="0"/>
           </a:p>
@@ -9071,13 +8148,7 @@
       </p:sp>
       <p:sp>
         <p:nvSpPr>
-          <p:cNvPr id="5" name="页脚占位符 4">
-            <a:extLst>
-              <a:ext uri="{FF2B5EF4-FFF2-40B4-BE49-F238E27FC236}">
-                <a16:creationId xmlns:a16="http://schemas.microsoft.com/office/drawing/2014/main" id="{34409968-FC39-48CC-8F65-F97056B4BEC2}"/>
-              </a:ext>
-            </a:extLst>
-          </p:cNvPr>
+          <p:cNvPr id="5" name="页脚占位符 4"/>
           <p:cNvSpPr>
             <a:spLocks noGrp="1"/>
           </p:cNvSpPr>
@@ -9107,20 +8178,15 @@
         </p:txBody>
       </p:sp>
     </p:spTree>
-    <p:extLst>
-      <p:ext uri="{BB962C8B-B14F-4D97-AF65-F5344CB8AC3E}">
-        <p14:creationId xmlns:p14="http://schemas.microsoft.com/office/powerpoint/2010/main" val="3807660751"/>
-      </p:ext>
-    </p:extLst>
   </p:cSld>
   <p:clrMapOvr>
     <a:masterClrMapping/>
   </p:clrMapOvr>
-  <mc:AlternateContent xmlns:mc="http://schemas.openxmlformats.org/markup-compatibility/2006" xmlns:p14="http://schemas.microsoft.com/office/powerpoint/2010/main">
-    <mc:Choice Requires="p14">
+  <mc:AlternateContent xmlns:mc="http://schemas.openxmlformats.org/markup-compatibility/2006">
+    <mc:Choice xmlns:p14="http://schemas.microsoft.com/office/powerpoint/2010/main" Requires="p14">
       <p:transition spd="slow" p14:dur="2000" advTm="283"/>
     </mc:Choice>
-    <mc:Fallback xmlns="">
+    <mc:Fallback>
       <p:transition spd="slow" advTm="283"/>
     </mc:Fallback>
   </mc:AlternateContent>
@@ -9146,13 +8212,7 @@
       </p:grpSpPr>
       <p:sp>
         <p:nvSpPr>
-          <p:cNvPr id="2" name="标题 1">
-            <a:extLst>
-              <a:ext uri="{FF2B5EF4-FFF2-40B4-BE49-F238E27FC236}">
-                <a16:creationId xmlns:a16="http://schemas.microsoft.com/office/drawing/2014/main" id="{755534EA-F6A8-45E4-AB92-247A1E44157C}"/>
-              </a:ext>
-            </a:extLst>
-          </p:cNvPr>
+          <p:cNvPr id="2" name="标题 1"/>
           <p:cNvSpPr>
             <a:spLocks noGrp="1"/>
           </p:cNvSpPr>
@@ -9179,13 +8239,7 @@
       </p:sp>
       <p:sp>
         <p:nvSpPr>
-          <p:cNvPr id="3" name="内容占位符 2">
-            <a:extLst>
-              <a:ext uri="{FF2B5EF4-FFF2-40B4-BE49-F238E27FC236}">
-                <a16:creationId xmlns:a16="http://schemas.microsoft.com/office/drawing/2014/main" id="{B5154438-4E99-432E-8BA7-41746C5EB70F}"/>
-              </a:ext>
-            </a:extLst>
-          </p:cNvPr>
+          <p:cNvPr id="3" name="内容占位符 2"/>
           <p:cNvSpPr>
             <a:spLocks noGrp="1"/>
           </p:cNvSpPr>
@@ -9217,6 +8271,7 @@
               <a:rPr lang="en-US" altLang="zh-CN" dirty="0"/>
               <a:t>’ interest but ignores the influence of trustees for recommendation.</a:t>
             </a:r>
+            <a:endParaRPr lang="en-US" altLang="zh-CN" dirty="0"/>
           </a:p>
           <a:p>
             <a:pPr algn="just"/>
@@ -9231,6 +8286,7 @@
               <a:rPr lang="en-US" altLang="zh-CN" dirty="0"/>
               <a:t>:</a:t>
             </a:r>
+            <a:endParaRPr lang="en-US" altLang="zh-CN" dirty="0"/>
           </a:p>
           <a:p>
             <a:pPr lvl="1"/>
@@ -9254,6 +8310,7 @@
               <a:rPr lang="en-US" altLang="zh-CN" dirty="0"/>
               <a:t>-documents corpus and trustee-documents corpus respectively to discover interest communities of users and influence communities of users.</a:t>
             </a:r>
+            <a:endParaRPr lang="en-US" altLang="zh-CN" dirty="0"/>
           </a:p>
           <a:p>
             <a:pPr lvl="1"/>
@@ -9271,13 +8328,7 @@
       </p:sp>
       <p:sp>
         <p:nvSpPr>
-          <p:cNvPr id="4" name="灯片编号占位符 3">
-            <a:extLst>
-              <a:ext uri="{FF2B5EF4-FFF2-40B4-BE49-F238E27FC236}">
-                <a16:creationId xmlns:a16="http://schemas.microsoft.com/office/drawing/2014/main" id="{7DBA55B4-D77A-4D3A-ACEE-0A9AED1EE042}"/>
-              </a:ext>
-            </a:extLst>
-          </p:cNvPr>
+          <p:cNvPr id="4" name="灯片编号占位符 3"/>
           <p:cNvSpPr>
             <a:spLocks noGrp="1"/>
           </p:cNvSpPr>
@@ -9292,7 +8343,6 @@
           <a:p>
             <a:fld id="{96409989-9577-4FB1-8C63-5461CD5F732E}" type="slidenum">
               <a:rPr lang="zh-CN" altLang="en-US" smtClean="0"/>
-              <a:t>9</a:t>
             </a:fld>
             <a:endParaRPr lang="zh-CN" altLang="en-US" dirty="0"/>
           </a:p>
@@ -9300,13 +8350,7 @@
       </p:sp>
       <p:sp>
         <p:nvSpPr>
-          <p:cNvPr id="5" name="页脚占位符 4">
-            <a:extLst>
-              <a:ext uri="{FF2B5EF4-FFF2-40B4-BE49-F238E27FC236}">
-                <a16:creationId xmlns:a16="http://schemas.microsoft.com/office/drawing/2014/main" id="{34409968-FC39-48CC-8F65-F97056B4BEC2}"/>
-              </a:ext>
-            </a:extLst>
-          </p:cNvPr>
+          <p:cNvPr id="5" name="页脚占位符 4"/>
           <p:cNvSpPr>
             <a:spLocks noGrp="1"/>
           </p:cNvSpPr>
@@ -9329,20 +8373,14 @@
       </p:sp>
       <p:pic>
         <p:nvPicPr>
-          <p:cNvPr id="6" name="图片 5">
-            <a:extLst>
-              <a:ext uri="{FF2B5EF4-FFF2-40B4-BE49-F238E27FC236}">
-                <a16:creationId xmlns:a16="http://schemas.microsoft.com/office/drawing/2014/main" id="{19FD421B-C998-456B-AEFB-358C2A15D1DD}"/>
-              </a:ext>
-            </a:extLst>
-          </p:cNvPr>
+          <p:cNvPr id="6" name="图片 5"/>
           <p:cNvPicPr>
             <a:picLocks noChangeAspect="1"/>
           </p:cNvPicPr>
           <p:nvPr/>
         </p:nvPicPr>
         <p:blipFill>
-          <a:blip r:embed="rId3"/>
+          <a:blip r:embed="rId1"/>
           <a:stretch>
             <a:fillRect/>
           </a:stretch>
@@ -9359,20 +8397,14 @@
       </p:pic>
       <p:pic>
         <p:nvPicPr>
-          <p:cNvPr id="8" name="图片 7">
-            <a:extLst>
-              <a:ext uri="{FF2B5EF4-FFF2-40B4-BE49-F238E27FC236}">
-                <a16:creationId xmlns:a16="http://schemas.microsoft.com/office/drawing/2014/main" id="{B8C19D4A-F4A9-4102-843C-3B5370A39612}"/>
-              </a:ext>
-            </a:extLst>
-          </p:cNvPr>
+          <p:cNvPr id="8" name="图片 7"/>
           <p:cNvPicPr>
             <a:picLocks noChangeAspect="1"/>
           </p:cNvPicPr>
           <p:nvPr/>
         </p:nvPicPr>
         <p:blipFill>
-          <a:blip r:embed="rId4"/>
+          <a:blip r:embed="rId2"/>
           <a:stretch>
             <a:fillRect/>
           </a:stretch>
@@ -9388,20 +8420,15 @@
         </p:spPr>
       </p:pic>
     </p:spTree>
-    <p:extLst>
-      <p:ext uri="{BB962C8B-B14F-4D97-AF65-F5344CB8AC3E}">
-        <p14:creationId xmlns:p14="http://schemas.microsoft.com/office/powerpoint/2010/main" val="3752597348"/>
-      </p:ext>
-    </p:extLst>
   </p:cSld>
   <p:clrMapOvr>
     <a:masterClrMapping/>
   </p:clrMapOvr>
-  <mc:AlternateContent xmlns:mc="http://schemas.openxmlformats.org/markup-compatibility/2006" xmlns:p14="http://schemas.microsoft.com/office/powerpoint/2010/main">
-    <mc:Choice Requires="p14">
+  <mc:AlternateContent xmlns:mc="http://schemas.openxmlformats.org/markup-compatibility/2006">
+    <mc:Choice xmlns:p14="http://schemas.microsoft.com/office/powerpoint/2010/main" Requires="p14">
       <p:transition spd="slow" p14:dur="2000" advTm="257"/>
     </mc:Choice>
-    <mc:Fallback xmlns="">
+    <mc:Fallback>
       <p:transition spd="slow" advTm="257"/>
     </mc:Fallback>
   </mc:AlternateContent>
@@ -9599,8 +8626,6 @@
       </a:bgFillStyleLst>
     </a:fmtScheme>
   </a:themeElements>
-  <a:objectDefaults/>
-  <a:extraClrSchemeLst/>
   <a:extLst>
     <a:ext uri="{05A4C25C-085E-4340-85A3-A5531E510DB2}">
       <thm15:themeFamily xmlns:thm15="http://schemas.microsoft.com/office/thememl/2012/main" name="Office Theme" id="{62F939B6-93AF-4DB8-9C6B-D6C7DFDC589F}" vid="{4A3C46E8-61CC-4603-A589-7422A47A8E4A}"/>
@@ -9652,7 +8677,7 @@
     </a:clrScheme>
     <a:fontScheme name="Office">
       <a:majorFont>
-        <a:latin typeface="等线 Light" panose="020F0302020204030204"/>
+        <a:latin typeface="等线 Light"/>
         <a:ea typeface=""/>
         <a:cs typeface=""/>
         <a:font script="Jpan" typeface="游ゴシック Light"/>
@@ -9685,26 +8710,9 @@
         <a:font script="Viet" typeface="Times New Roman"/>
         <a:font script="Uigh" typeface="Microsoft Uighur"/>
         <a:font script="Geor" typeface="Sylfaen"/>
-        <a:font script="Armn" typeface="Arial"/>
-        <a:font script="Bugi" typeface="Leelawadee UI"/>
-        <a:font script="Bopo" typeface="Microsoft JhengHei"/>
-        <a:font script="Java" typeface="Javanese Text"/>
-        <a:font script="Lisu" typeface="Segoe UI"/>
-        <a:font script="Mymr" typeface="Myanmar Text"/>
-        <a:font script="Nkoo" typeface="Ebrima"/>
-        <a:font script="Olck" typeface="Nirmala UI"/>
-        <a:font script="Osma" typeface="Ebrima"/>
-        <a:font script="Phag" typeface="Phagspa"/>
-        <a:font script="Syrn" typeface="Estrangelo Edessa"/>
-        <a:font script="Syrj" typeface="Estrangelo Edessa"/>
-        <a:font script="Syre" typeface="Estrangelo Edessa"/>
-        <a:font script="Sora" typeface="Nirmala UI"/>
-        <a:font script="Tale" typeface="Microsoft Tai Le"/>
-        <a:font script="Talu" typeface="Microsoft New Tai Lue"/>
-        <a:font script="Tfng" typeface="Ebrima"/>
       </a:majorFont>
       <a:minorFont>
-        <a:latin typeface="等线" panose="020F0502020204030204"/>
+        <a:latin typeface="等线"/>
         <a:ea typeface=""/>
         <a:cs typeface=""/>
         <a:font script="Jpan" typeface="游ゴシック"/>
@@ -9737,23 +8745,6 @@
         <a:font script="Viet" typeface="Arial"/>
         <a:font script="Uigh" typeface="Microsoft Uighur"/>
         <a:font script="Geor" typeface="Sylfaen"/>
-        <a:font script="Armn" typeface="Arial"/>
-        <a:font script="Bugi" typeface="Leelawadee UI"/>
-        <a:font script="Bopo" typeface="Microsoft JhengHei"/>
-        <a:font script="Java" typeface="Javanese Text"/>
-        <a:font script="Lisu" typeface="Segoe UI"/>
-        <a:font script="Mymr" typeface="Myanmar Text"/>
-        <a:font script="Nkoo" typeface="Ebrima"/>
-        <a:font script="Olck" typeface="Nirmala UI"/>
-        <a:font script="Osma" typeface="Ebrima"/>
-        <a:font script="Phag" typeface="Phagspa"/>
-        <a:font script="Syrn" typeface="Estrangelo Edessa"/>
-        <a:font script="Syrj" typeface="Estrangelo Edessa"/>
-        <a:font script="Syre" typeface="Estrangelo Edessa"/>
-        <a:font script="Sora" typeface="Nirmala UI"/>
-        <a:font script="Tale" typeface="Microsoft Tai Le"/>
-        <a:font script="Talu" typeface="Microsoft New Tai Lue"/>
-        <a:font script="Tfng" typeface="Ebrima"/>
       </a:minorFont>
     </a:fontScheme>
     <a:fmtScheme name="Office">
@@ -9894,8 +8885,6 @@
       </a:bgFillStyleLst>
     </a:fmtScheme>
   </a:themeElements>
-  <a:objectDefaults/>
-  <a:extraClrSchemeLst/>
   <a:extLst>
     <a:ext uri="{05A4C25C-085E-4340-85A3-A5531E510DB2}">
       <thm15:themeFamily xmlns:thm15="http://schemas.microsoft.com/office/thememl/2012/main" name="Office Theme" id="{62F939B6-93AF-4DB8-9C6B-D6C7DFDC589F}" vid="{4A3C46E8-61CC-4603-A589-7422A47A8E4A}"/>
